--- a/redux-preso-nationjs-9.16.2016.pptx
+++ b/redux-preso-nationjs-9.16.2016.pptx
@@ -84,13 +84,6 @@
     <p:sldId id="329" r:id="rId81"/>
     <p:sldId id="330" r:id="rId82"/>
     <p:sldId id="331" r:id="rId83"/>
-    <p:sldId id="332" r:id="rId84"/>
-    <p:sldId id="333" r:id="rId85"/>
-    <p:sldId id="334" r:id="rId86"/>
-    <p:sldId id="335" r:id="rId87"/>
-    <p:sldId id="336" r:id="rId88"/>
-    <p:sldId id="337" r:id="rId89"/>
-    <p:sldId id="338" r:id="rId90"/>
   </p:sldIdLst>
   <p:sldSz cx="24384000" cy="13716000"/>
   <p:notesSz cx="6858000" cy="9144000"/>
@@ -3148,7 +3141,7 @@
       </p:grpSpPr>
       <p:pic>
         <p:nvPicPr>
-          <p:cNvPr id="145" name="Screen Shot 2016-09-12 at 4.27.44 PM.png"/>
+          <p:cNvPr id="145" name="Screen Shot 2016-09-12 at 8.19.30 PM.png"/>
           <p:cNvPicPr>
             <a:picLocks noChangeAspect="1"/>
           </p:cNvPicPr>
@@ -3164,8 +3157,8 @@
         </p:blipFill>
         <p:spPr>
           <a:xfrm>
-            <a:off x="1550761" y="710421"/>
-            <a:ext cx="21525936" cy="12435806"/>
+            <a:off x="2448841" y="2637137"/>
+            <a:ext cx="19486318" cy="8441726"/>
           </a:xfrm>
           <a:prstGeom prst="rect">
             <a:avLst/>
@@ -3180,7 +3173,18 @@
   <p:clrMapOvr>
     <a:masterClrMapping/>
   </p:clrMapOvr>
-  <p:transition xmlns:p14="http://schemas.microsoft.com/office/powerpoint/2010/main" spd="med" advClick="1" p14:dur="1000"/>
+  <mc:AlternateContent xmlns:mc="http://schemas.openxmlformats.org/markup-compatibility/2006">
+    <mc:Choice xmlns:p14="http://schemas.microsoft.com/office/powerpoint/2010/main" Requires="p14">
+      <p:transition spd="slow" advClick="1" p14:dur="2000">
+        <p14:prism dir="r"/>
+      </p:transition>
+    </mc:Choice>
+    <mc:Fallback>
+      <p:transition spd="slow">
+        <p:fade/>
+      </p:transition>
+    </mc:Fallback>
+  </mc:AlternateContent>
 </p:sld>
 </file>
 
@@ -3203,7 +3207,7 @@
       </p:grpSpPr>
       <p:pic>
         <p:nvPicPr>
-          <p:cNvPr id="147" name="Screen Shot 2016-09-12 at 8.19.30 PM.png"/>
+          <p:cNvPr id="147" name="Screen Shot 2016-09-12 at 8.20.29 PM.png"/>
           <p:cNvPicPr>
             <a:picLocks noChangeAspect="1"/>
           </p:cNvPicPr>
@@ -3219,8 +3223,8 @@
         </p:blipFill>
         <p:spPr>
           <a:xfrm>
-            <a:off x="2448841" y="2637137"/>
-            <a:ext cx="19486318" cy="8441726"/>
+            <a:off x="1796184" y="608991"/>
+            <a:ext cx="20791632" cy="12498018"/>
           </a:xfrm>
           <a:prstGeom prst="rect">
             <a:avLst/>
@@ -3235,7 +3239,18 @@
   <p:clrMapOvr>
     <a:masterClrMapping/>
   </p:clrMapOvr>
-  <p:transition xmlns:p14="http://schemas.microsoft.com/office/powerpoint/2010/main" spd="med" advClick="1" p14:dur="1000"/>
+  <mc:AlternateContent xmlns:mc="http://schemas.openxmlformats.org/markup-compatibility/2006">
+    <mc:Choice xmlns:p14="http://schemas.microsoft.com/office/powerpoint/2010/main" Requires="p14">
+      <p:transition spd="fast" advClick="1" p14:dur="349">
+        <p:push dir="l"/>
+      </p:transition>
+    </mc:Choice>
+    <mc:Fallback>
+      <p:transition spd="fast">
+        <p:fade/>
+      </p:transition>
+    </mc:Fallback>
+  </mc:AlternateContent>
 </p:sld>
 </file>
 
@@ -3258,7 +3273,7 @@
       </p:grpSpPr>
       <p:pic>
         <p:nvPicPr>
-          <p:cNvPr id="149" name="Screen Shot 2016-09-12 at 8.20.29 PM.png"/>
+          <p:cNvPr id="149" name="Screen Shot 2016-09-12 at 8.21.40 PM.png"/>
           <p:cNvPicPr>
             <a:picLocks noChangeAspect="1"/>
           </p:cNvPicPr>
@@ -3274,8 +3289,8 @@
         </p:blipFill>
         <p:spPr>
           <a:xfrm>
-            <a:off x="1796184" y="608991"/>
-            <a:ext cx="20791632" cy="12498018"/>
+            <a:off x="1058768" y="838597"/>
+            <a:ext cx="22266464" cy="12038806"/>
           </a:xfrm>
           <a:prstGeom prst="rect">
             <a:avLst/>
@@ -3290,7 +3305,18 @@
   <p:clrMapOvr>
     <a:masterClrMapping/>
   </p:clrMapOvr>
-  <p:transition xmlns:p14="http://schemas.microsoft.com/office/powerpoint/2010/main" spd="med" advClick="1" p14:dur="1000"/>
+  <mc:AlternateContent xmlns:mc="http://schemas.openxmlformats.org/markup-compatibility/2006">
+    <mc:Choice xmlns:p14="http://schemas.microsoft.com/office/powerpoint/2010/main" Requires="p14">
+      <p:transition spd="fast" advClick="1" p14:dur="349">
+        <p:push dir="l"/>
+      </p:transition>
+    </mc:Choice>
+    <mc:Fallback>
+      <p:transition spd="fast">
+        <p:fade/>
+      </p:transition>
+    </mc:Fallback>
+  </mc:AlternateContent>
 </p:sld>
 </file>
 
@@ -3311,41 +3337,71 @@
           <a:chExt cx="0" cy="0"/>
         </a:xfrm>
       </p:grpSpPr>
-      <p:pic>
-        <p:nvPicPr>
-          <p:cNvPr id="151" name="Screen Shot 2016-09-12 at 8.21.40 PM.png"/>
-          <p:cNvPicPr>
-            <a:picLocks noChangeAspect="1"/>
-          </p:cNvPicPr>
-          <p:nvPr/>
-        </p:nvPicPr>
-        <p:blipFill>
-          <a:blip r:embed="rId2">
-            <a:extLst/>
-          </a:blip>
-          <a:stretch>
-            <a:fillRect/>
-          </a:stretch>
-        </p:blipFill>
-        <p:spPr>
-          <a:xfrm>
-            <a:off x="1058768" y="838597"/>
-            <a:ext cx="22266464" cy="12038806"/>
-          </a:xfrm>
-          <a:prstGeom prst="rect">
-            <a:avLst/>
-          </a:prstGeom>
-          <a:ln w="12700">
-            <a:miter lim="400000"/>
-          </a:ln>
-        </p:spPr>
-      </p:pic>
+      <p:sp>
+        <p:nvSpPr>
+          <p:cNvPr id="151" name="Shape 151"/>
+          <p:cNvSpPr/>
+          <p:nvPr>
+            <p:ph type="title"/>
+          </p:nvPr>
+        </p:nvSpPr>
+        <p:spPr>
+          <a:prstGeom prst="rect">
+            <a:avLst/>
+          </a:prstGeom>
+        </p:spPr>
+        <p:txBody>
+          <a:bodyPr/>
+          <a:lstStyle/>
+          <a:p>
+            <a:pPr/>
+            <a:r>
+              <a:t>State Waaaat</a:t>
+            </a:r>
+          </a:p>
+        </p:txBody>
+      </p:sp>
+      <p:sp>
+        <p:nvSpPr>
+          <p:cNvPr id="152" name="Shape 152"/>
+          <p:cNvSpPr/>
+          <p:nvPr>
+            <p:ph type="body" idx="1"/>
+          </p:nvPr>
+        </p:nvSpPr>
+        <p:spPr>
+          <a:prstGeom prst="rect">
+            <a:avLst/>
+          </a:prstGeom>
+        </p:spPr>
+        <p:txBody>
+          <a:bodyPr/>
+          <a:lstStyle/>
+          <a:p>
+            <a:pPr/>
+            <a:r>
+              <a:t>"Who is the logged in user right now?"</a:t>
+            </a:r>
+          </a:p>
+        </p:txBody>
+      </p:sp>
     </p:spTree>
   </p:cSld>
   <p:clrMapOvr>
     <a:masterClrMapping/>
   </p:clrMapOvr>
-  <p:transition xmlns:p14="http://schemas.microsoft.com/office/powerpoint/2010/main" spd="med" advClick="1" p14:dur="1000"/>
+  <mc:AlternateContent xmlns:mc="http://schemas.openxmlformats.org/markup-compatibility/2006">
+    <mc:Choice xmlns:p14="http://schemas.microsoft.com/office/powerpoint/2010/main" Requires="p14">
+      <p:transition spd="fast" advClick="1" p14:dur="349">
+        <p:pull dir="l"/>
+      </p:transition>
+    </mc:Choice>
+    <mc:Fallback>
+      <p:transition spd="fast">
+        <p:fade/>
+      </p:transition>
+    </mc:Fallback>
+  </mc:AlternateContent>
 </p:sld>
 </file>
 
@@ -3368,7 +3424,7 @@
       </p:grpSpPr>
       <p:sp>
         <p:nvSpPr>
-          <p:cNvPr id="153" name="Shape 153"/>
+          <p:cNvPr id="154" name="Shape 154"/>
           <p:cNvSpPr/>
           <p:nvPr>
             <p:ph type="title"/>
@@ -3385,14 +3441,14 @@
           <a:p>
             <a:pPr/>
             <a:r>
-              <a:t>State Waaaat</a:t>
+              <a:t>State</a:t>
             </a:r>
           </a:p>
         </p:txBody>
       </p:sp>
       <p:sp>
         <p:nvSpPr>
-          <p:cNvPr id="154" name="Shape 154"/>
+          <p:cNvPr id="155" name="Shape 155"/>
           <p:cNvSpPr/>
           <p:nvPr>
             <p:ph type="body" idx="1"/>
@@ -3409,7 +3465,31 @@
           <a:p>
             <a:pPr/>
             <a:r>
-              <a:t>"Who is the logged in user right now?"</a:t>
+              <a:t>the data your front-end application shows and edits</a:t>
+            </a:r>
+          </a:p>
+          <a:p>
+            <a:pPr/>
+            <a:r>
+              <a:t>Where you put things</a:t>
+            </a:r>
+          </a:p>
+          <a:p>
+            <a:pPr/>
+            <a:r>
+              <a:t>Often called mutable state; you can change something</a:t>
+            </a:r>
+          </a:p>
+          <a:p>
+            <a:pPr/>
+            <a:r>
+              <a:t>you can’t change 1</a:t>
+            </a:r>
+          </a:p>
+          <a:p>
+            <a:pPr/>
+            <a:r>
+              <a:t>1 is 1, yo</a:t>
             </a:r>
           </a:p>
         </p:txBody>
@@ -3420,6 +3500,377 @@
     <a:masterClrMapping/>
   </p:clrMapOvr>
   <p:transition xmlns:p14="http://schemas.microsoft.com/office/powerpoint/2010/main" spd="med" advClick="1" p14:dur="1000"/>
+  <p:timing>
+    <p:tnLst>
+      <p:par>
+        <p:cTn id="1" nodeType="tmRoot" restart="never" dur="indefinite" fill="hold">
+          <p:childTnLst>
+            <p:seq concurrent="1" prevAc="none" nextAc="seek">
+              <p:cTn id="2" nodeType="mainSeq" dur="indefinite" fill="hold">
+                <p:childTnLst>
+                  <p:par>
+                    <p:cTn id="3" fill="hold">
+                      <p:stCondLst>
+                        <p:cond delay="indefinite"/>
+                      </p:stCondLst>
+                      <p:childTnLst>
+                        <p:par>
+                          <p:cTn id="4" fill="hold">
+                            <p:stCondLst>
+                              <p:cond delay="0"/>
+                            </p:stCondLst>
+                            <p:childTnLst>
+                              <p:par>
+                                <p:cTn id="5" presetClass="entr" nodeType="clickEffect" presetID="9" grpId="1" fill="hold">
+                                  <p:stCondLst>
+                                    <p:cond delay="0"/>
+                                  </p:stCondLst>
+                                  <p:iterate type="el" backwards="0">
+                                    <p:tmAbs val="0"/>
+                                  </p:iterate>
+                                  <p:childTnLst>
+                                    <p:set>
+                                      <p:cBhvr>
+                                        <p:cTn id="6" fill="hold"/>
+                                        <p:tgtEl>
+                                          <p:spTgt spid="155">
+                                            <p:bg/>
+                                          </p:spTgt>
+                                        </p:tgtEl>
+                                        <p:attrNameLst>
+                                          <p:attrName>style.visibility</p:attrName>
+                                        </p:attrNameLst>
+                                      </p:cBhvr>
+                                      <p:to>
+                                        <p:strVal val="visible"/>
+                                      </p:to>
+                                    </p:set>
+                                    <p:animEffect filter="dissolve" transition="in">
+                                      <p:cBhvr>
+                                        <p:cTn id="7" dur="300"/>
+                                        <p:tgtEl>
+                                          <p:spTgt spid="155">
+                                            <p:bg/>
+                                          </p:spTgt>
+                                        </p:tgtEl>
+                                      </p:cBhvr>
+                                    </p:animEffect>
+                                  </p:childTnLst>
+                                </p:cTn>
+                              </p:par>
+                              <p:par>
+                                <p:cTn id="8" presetClass="entr" nodeType="withEffect" presetSubtype="0" presetID="9" grpId="1" fill="hold">
+                                  <p:stCondLst>
+                                    <p:cond delay="0"/>
+                                  </p:stCondLst>
+                                  <p:iterate type="el" backwards="0">
+                                    <p:tmAbs val="0"/>
+                                  </p:iterate>
+                                  <p:childTnLst>
+                                    <p:set>
+                                      <p:cBhvr>
+                                        <p:cTn id="9" fill="hold"/>
+                                        <p:tgtEl>
+                                          <p:spTgt spid="155">
+                                            <p:txEl>
+                                              <p:pRg st="0" end="0"/>
+                                            </p:txEl>
+                                          </p:spTgt>
+                                        </p:tgtEl>
+                                        <p:attrNameLst>
+                                          <p:attrName>style.visibility</p:attrName>
+                                        </p:attrNameLst>
+                                      </p:cBhvr>
+                                      <p:to>
+                                        <p:strVal val="visible"/>
+                                      </p:to>
+                                    </p:set>
+                                    <p:animEffect filter="dissolve" transition="in">
+                                      <p:cBhvr>
+                                        <p:cTn id="10" dur="300"/>
+                                        <p:tgtEl>
+                                          <p:spTgt spid="155">
+                                            <p:txEl>
+                                              <p:pRg st="0" end="0"/>
+                                            </p:txEl>
+                                          </p:spTgt>
+                                        </p:tgtEl>
+                                      </p:cBhvr>
+                                    </p:animEffect>
+                                  </p:childTnLst>
+                                </p:cTn>
+                              </p:par>
+                            </p:childTnLst>
+                          </p:cTn>
+                        </p:par>
+                      </p:childTnLst>
+                    </p:cTn>
+                  </p:par>
+                  <p:par>
+                    <p:cTn id="11" fill="hold">
+                      <p:stCondLst>
+                        <p:cond delay="indefinite"/>
+                      </p:stCondLst>
+                      <p:childTnLst>
+                        <p:par>
+                          <p:cTn id="12" fill="hold">
+                            <p:stCondLst>
+                              <p:cond delay="0"/>
+                            </p:stCondLst>
+                            <p:childTnLst>
+                              <p:par>
+                                <p:cTn id="13" presetClass="entr" nodeType="clickEffect" presetID="9" grpId="1" fill="hold">
+                                  <p:stCondLst>
+                                    <p:cond delay="0"/>
+                                  </p:stCondLst>
+                                  <p:iterate type="el" backwards="0">
+                                    <p:tmAbs val="0"/>
+                                  </p:iterate>
+                                  <p:childTnLst>
+                                    <p:set>
+                                      <p:cBhvr>
+                                        <p:cTn id="14" fill="hold"/>
+                                        <p:tgtEl>
+                                          <p:spTgt spid="155">
+                                            <p:txEl>
+                                              <p:pRg st="1" end="1"/>
+                                            </p:txEl>
+                                          </p:spTgt>
+                                        </p:tgtEl>
+                                        <p:attrNameLst>
+                                          <p:attrName>style.visibility</p:attrName>
+                                        </p:attrNameLst>
+                                      </p:cBhvr>
+                                      <p:to>
+                                        <p:strVal val="visible"/>
+                                      </p:to>
+                                    </p:set>
+                                    <p:animEffect filter="dissolve" transition="in">
+                                      <p:cBhvr>
+                                        <p:cTn id="15" dur="300"/>
+                                        <p:tgtEl>
+                                          <p:spTgt spid="155">
+                                            <p:txEl>
+                                              <p:pRg st="1" end="1"/>
+                                            </p:txEl>
+                                          </p:spTgt>
+                                        </p:tgtEl>
+                                      </p:cBhvr>
+                                    </p:animEffect>
+                                  </p:childTnLst>
+                                </p:cTn>
+                              </p:par>
+                            </p:childTnLst>
+                          </p:cTn>
+                        </p:par>
+                      </p:childTnLst>
+                    </p:cTn>
+                  </p:par>
+                  <p:par>
+                    <p:cTn id="16" fill="hold">
+                      <p:stCondLst>
+                        <p:cond delay="indefinite"/>
+                      </p:stCondLst>
+                      <p:childTnLst>
+                        <p:par>
+                          <p:cTn id="17" fill="hold">
+                            <p:stCondLst>
+                              <p:cond delay="0"/>
+                            </p:stCondLst>
+                            <p:childTnLst>
+                              <p:par>
+                                <p:cTn id="18" presetClass="entr" nodeType="clickEffect" presetID="9" grpId="1" fill="hold">
+                                  <p:stCondLst>
+                                    <p:cond delay="0"/>
+                                  </p:stCondLst>
+                                  <p:iterate type="el" backwards="0">
+                                    <p:tmAbs val="0"/>
+                                  </p:iterate>
+                                  <p:childTnLst>
+                                    <p:set>
+                                      <p:cBhvr>
+                                        <p:cTn id="19" fill="hold"/>
+                                        <p:tgtEl>
+                                          <p:spTgt spid="155">
+                                            <p:txEl>
+                                              <p:pRg st="2" end="2"/>
+                                            </p:txEl>
+                                          </p:spTgt>
+                                        </p:tgtEl>
+                                        <p:attrNameLst>
+                                          <p:attrName>style.visibility</p:attrName>
+                                        </p:attrNameLst>
+                                      </p:cBhvr>
+                                      <p:to>
+                                        <p:strVal val="visible"/>
+                                      </p:to>
+                                    </p:set>
+                                    <p:animEffect filter="dissolve" transition="in">
+                                      <p:cBhvr>
+                                        <p:cTn id="20" dur="300"/>
+                                        <p:tgtEl>
+                                          <p:spTgt spid="155">
+                                            <p:txEl>
+                                              <p:pRg st="2" end="2"/>
+                                            </p:txEl>
+                                          </p:spTgt>
+                                        </p:tgtEl>
+                                      </p:cBhvr>
+                                    </p:animEffect>
+                                  </p:childTnLst>
+                                </p:cTn>
+                              </p:par>
+                            </p:childTnLst>
+                          </p:cTn>
+                        </p:par>
+                      </p:childTnLst>
+                    </p:cTn>
+                  </p:par>
+                  <p:par>
+                    <p:cTn id="21" fill="hold">
+                      <p:stCondLst>
+                        <p:cond delay="indefinite"/>
+                      </p:stCondLst>
+                      <p:childTnLst>
+                        <p:par>
+                          <p:cTn id="22" fill="hold">
+                            <p:stCondLst>
+                              <p:cond delay="0"/>
+                            </p:stCondLst>
+                            <p:childTnLst>
+                              <p:par>
+                                <p:cTn id="23" presetClass="entr" nodeType="clickEffect" presetID="9" grpId="1" fill="hold">
+                                  <p:stCondLst>
+                                    <p:cond delay="0"/>
+                                  </p:stCondLst>
+                                  <p:iterate type="el" backwards="0">
+                                    <p:tmAbs val="0"/>
+                                  </p:iterate>
+                                  <p:childTnLst>
+                                    <p:set>
+                                      <p:cBhvr>
+                                        <p:cTn id="24" fill="hold"/>
+                                        <p:tgtEl>
+                                          <p:spTgt spid="155">
+                                            <p:txEl>
+                                              <p:pRg st="3" end="3"/>
+                                            </p:txEl>
+                                          </p:spTgt>
+                                        </p:tgtEl>
+                                        <p:attrNameLst>
+                                          <p:attrName>style.visibility</p:attrName>
+                                        </p:attrNameLst>
+                                      </p:cBhvr>
+                                      <p:to>
+                                        <p:strVal val="visible"/>
+                                      </p:to>
+                                    </p:set>
+                                    <p:animEffect filter="dissolve" transition="in">
+                                      <p:cBhvr>
+                                        <p:cTn id="25" dur="300"/>
+                                        <p:tgtEl>
+                                          <p:spTgt spid="155">
+                                            <p:txEl>
+                                              <p:pRg st="3" end="3"/>
+                                            </p:txEl>
+                                          </p:spTgt>
+                                        </p:tgtEl>
+                                      </p:cBhvr>
+                                    </p:animEffect>
+                                  </p:childTnLst>
+                                </p:cTn>
+                              </p:par>
+                            </p:childTnLst>
+                          </p:cTn>
+                        </p:par>
+                      </p:childTnLst>
+                    </p:cTn>
+                  </p:par>
+                  <p:par>
+                    <p:cTn id="26" fill="hold">
+                      <p:stCondLst>
+                        <p:cond delay="indefinite"/>
+                      </p:stCondLst>
+                      <p:childTnLst>
+                        <p:par>
+                          <p:cTn id="27" fill="hold">
+                            <p:stCondLst>
+                              <p:cond delay="0"/>
+                            </p:stCondLst>
+                            <p:childTnLst>
+                              <p:par>
+                                <p:cTn id="28" presetClass="entr" nodeType="clickEffect" presetID="9" grpId="1" fill="hold">
+                                  <p:stCondLst>
+                                    <p:cond delay="0"/>
+                                  </p:stCondLst>
+                                  <p:iterate type="el" backwards="0">
+                                    <p:tmAbs val="0"/>
+                                  </p:iterate>
+                                  <p:childTnLst>
+                                    <p:set>
+                                      <p:cBhvr>
+                                        <p:cTn id="29" fill="hold"/>
+                                        <p:tgtEl>
+                                          <p:spTgt spid="155">
+                                            <p:txEl>
+                                              <p:pRg st="4" end="4"/>
+                                            </p:txEl>
+                                          </p:spTgt>
+                                        </p:tgtEl>
+                                        <p:attrNameLst>
+                                          <p:attrName>style.visibility</p:attrName>
+                                        </p:attrNameLst>
+                                      </p:cBhvr>
+                                      <p:to>
+                                        <p:strVal val="visible"/>
+                                      </p:to>
+                                    </p:set>
+                                    <p:animEffect filter="dissolve" transition="in">
+                                      <p:cBhvr>
+                                        <p:cTn id="30" dur="300"/>
+                                        <p:tgtEl>
+                                          <p:spTgt spid="155">
+                                            <p:txEl>
+                                              <p:pRg st="4" end="4"/>
+                                            </p:txEl>
+                                          </p:spTgt>
+                                        </p:tgtEl>
+                                      </p:cBhvr>
+                                    </p:animEffect>
+                                  </p:childTnLst>
+                                </p:cTn>
+                              </p:par>
+                            </p:childTnLst>
+                          </p:cTn>
+                        </p:par>
+                      </p:childTnLst>
+                    </p:cTn>
+                  </p:par>
+                </p:childTnLst>
+              </p:cTn>
+              <p:prevCondLst>
+                <p:cond evt="onPrev">
+                  <p:tgtEl>
+                    <p:sldTgt/>
+                  </p:tgtEl>
+                </p:cond>
+              </p:prevCondLst>
+              <p:nextCondLst>
+                <p:cond evt="onNext">
+                  <p:tgtEl>
+                    <p:sldTgt/>
+                  </p:tgtEl>
+                </p:cond>
+              </p:nextCondLst>
+            </p:seq>
+          </p:childTnLst>
+        </p:cTn>
+      </p:par>
+    </p:tnLst>
+    <p:bldLst>
+      <p:bldP build="p" bldLvl="5" animBg="1" rev="0" advAuto="0" spid="155" grpId="1"/>
+    </p:bldLst>
+  </p:timing>
 </p:sld>
 </file>
 
@@ -3442,7 +3893,7 @@
       </p:grpSpPr>
       <p:sp>
         <p:nvSpPr>
-          <p:cNvPr id="156" name="Shape 156"/>
+          <p:cNvPr id="157" name="Shape 157"/>
           <p:cNvSpPr/>
           <p:nvPr>
             <p:ph type="title"/>
@@ -3459,14 +3910,14 @@
           <a:p>
             <a:pPr/>
             <a:r>
-              <a:t>State</a:t>
+              <a:t>Examples of State</a:t>
             </a:r>
           </a:p>
         </p:txBody>
       </p:sp>
       <p:sp>
         <p:nvSpPr>
-          <p:cNvPr id="157" name="Shape 157"/>
+          <p:cNvPr id="158" name="Shape 158"/>
           <p:cNvSpPr/>
           <p:nvPr>
             <p:ph type="body" idx="1"/>
@@ -3483,19 +3934,7 @@
           <a:p>
             <a:pPr/>
             <a:r>
-              <a:t>the data your front-end application shows and edits</a:t>
-            </a:r>
-          </a:p>
-          <a:p>
-            <a:pPr/>
-            <a:r>
-              <a:t>Where you put things</a:t>
-            </a:r>
-          </a:p>
-          <a:p>
-            <a:pPr/>
-            <a:r>
-              <a:t>Often called mutable state</a:t>
+              <a:t>window state</a:t>
             </a:r>
           </a:p>
         </p:txBody>
@@ -3526,60 +3965,53 @@
           <a:chExt cx="0" cy="0"/>
         </a:xfrm>
       </p:grpSpPr>
-      <p:sp>
-        <p:nvSpPr>
-          <p:cNvPr id="159" name="Shape 159"/>
-          <p:cNvSpPr/>
-          <p:nvPr>
-            <p:ph type="title"/>
-          </p:nvPr>
-        </p:nvSpPr>
-        <p:spPr>
-          <a:prstGeom prst="rect">
-            <a:avLst/>
-          </a:prstGeom>
-        </p:spPr>
-        <p:txBody>
-          <a:bodyPr/>
-          <a:lstStyle/>
-          <a:p>
-            <a:pPr/>
-            <a:r>
-              <a:t>Examples of State</a:t>
-            </a:r>
-          </a:p>
-        </p:txBody>
-      </p:sp>
-      <p:sp>
-        <p:nvSpPr>
-          <p:cNvPr id="160" name="Shape 160"/>
-          <p:cNvSpPr/>
-          <p:nvPr>
-            <p:ph type="body" idx="1"/>
-          </p:nvPr>
-        </p:nvSpPr>
-        <p:spPr>
-          <a:prstGeom prst="rect">
-            <a:avLst/>
-          </a:prstGeom>
-        </p:spPr>
-        <p:txBody>
-          <a:bodyPr/>
-          <a:lstStyle/>
-          <a:p>
-            <a:pPr/>
-            <a:r>
-              <a:t>window state</a:t>
-            </a:r>
-          </a:p>
-        </p:txBody>
-      </p:sp>
+      <p:pic>
+        <p:nvPicPr>
+          <p:cNvPr id="160" name="Screen Shot 2016-09-12 at 8.24.21 PM.png"/>
+          <p:cNvPicPr>
+            <a:picLocks noChangeAspect="1"/>
+          </p:cNvPicPr>
+          <p:nvPr/>
+        </p:nvPicPr>
+        <p:blipFill>
+          <a:blip r:embed="rId2">
+            <a:extLst/>
+          </a:blip>
+          <a:srcRect l="0" t="16632" r="0" b="0"/>
+          <a:stretch>
+            <a:fillRect/>
+          </a:stretch>
+        </p:blipFill>
+        <p:spPr>
+          <a:xfrm>
+            <a:off x="731837" y="3431976"/>
+            <a:ext cx="22920162" cy="6851967"/>
+          </a:xfrm>
+          <a:prstGeom prst="rect">
+            <a:avLst/>
+          </a:prstGeom>
+          <a:ln w="12700">
+            <a:miter lim="400000"/>
+          </a:ln>
+        </p:spPr>
+      </p:pic>
     </p:spTree>
   </p:cSld>
   <p:clrMapOvr>
     <a:masterClrMapping/>
   </p:clrMapOvr>
-  <p:transition xmlns:p14="http://schemas.microsoft.com/office/powerpoint/2010/main" spd="med" advClick="1" p14:dur="1000"/>
+  <mc:AlternateContent xmlns:mc="http://schemas.openxmlformats.org/markup-compatibility/2006">
+    <mc:Choice xmlns:p14="http://schemas.microsoft.com/office/powerpoint/2010/main" Requires="p14">
+      <p:transition spd="fast" advClick="1" p14:dur="349">
+        <p:push dir="u"/>
+      </p:transition>
+    </mc:Choice>
+    <mc:Fallback>
+      <p:transition spd="fast">
+        <p:fade/>
+      </p:transition>
+    </mc:Fallback>
+  </mc:AlternateContent>
 </p:sld>
 </file>
 
@@ -3600,42 +4032,60 @@
           <a:chExt cx="0" cy="0"/>
         </a:xfrm>
       </p:grpSpPr>
-      <p:pic>
-        <p:nvPicPr>
-          <p:cNvPr id="162" name="Screen Shot 2016-09-12 at 8.24.21 PM.png"/>
-          <p:cNvPicPr>
-            <a:picLocks noChangeAspect="1"/>
-          </p:cNvPicPr>
-          <p:nvPr/>
-        </p:nvPicPr>
-        <p:blipFill>
-          <a:blip r:embed="rId2">
-            <a:extLst/>
-          </a:blip>
-          <a:srcRect l="0" t="16632" r="0" b="0"/>
-          <a:stretch>
-            <a:fillRect/>
-          </a:stretch>
-        </p:blipFill>
-        <p:spPr>
-          <a:xfrm>
-            <a:off x="731837" y="3431976"/>
-            <a:ext cx="22920162" cy="6851967"/>
-          </a:xfrm>
-          <a:prstGeom prst="rect">
-            <a:avLst/>
-          </a:prstGeom>
-          <a:ln w="12700">
-            <a:miter lim="400000"/>
-          </a:ln>
-        </p:spPr>
-      </p:pic>
+      <p:sp>
+        <p:nvSpPr>
+          <p:cNvPr id="162" name="Shape 162"/>
+          <p:cNvSpPr/>
+          <p:nvPr>
+            <p:ph type="title"/>
+          </p:nvPr>
+        </p:nvSpPr>
+        <p:spPr>
+          <a:prstGeom prst="rect">
+            <a:avLst/>
+          </a:prstGeom>
+        </p:spPr>
+        <p:txBody>
+          <a:bodyPr/>
+          <a:lstStyle/>
+          <a:p>
+            <a:pPr/>
+            <a:r>
+              <a:t>Examples of State</a:t>
+            </a:r>
+          </a:p>
+        </p:txBody>
+      </p:sp>
+      <p:sp>
+        <p:nvSpPr>
+          <p:cNvPr id="163" name="Shape 163"/>
+          <p:cNvSpPr/>
+          <p:nvPr>
+            <p:ph type="body" idx="1"/>
+          </p:nvPr>
+        </p:nvSpPr>
+        <p:spPr>
+          <a:prstGeom prst="rect">
+            <a:avLst/>
+          </a:prstGeom>
+        </p:spPr>
+        <p:txBody>
+          <a:bodyPr/>
+          <a:lstStyle/>
+          <a:p>
+            <a:pPr/>
+            <a:r>
+              <a:t>Angular Factory state</a:t>
+            </a:r>
+          </a:p>
+        </p:txBody>
+      </p:sp>
     </p:spTree>
   </p:cSld>
   <p:clrMapOvr>
     <a:masterClrMapping/>
   </p:clrMapOvr>
-  <p:transition xmlns:p14="http://schemas.microsoft.com/office/powerpoint/2010/main" spd="med" advClick="1" p14:dur="1000"/>
+  <p:transition xmlns:p14="http://schemas.microsoft.com/office/powerpoint/2010/main" spd="fast" advClick="1" p14:dur="349"/>
 </p:sld>
 </file>
 
@@ -3656,60 +4106,52 @@
           <a:chExt cx="0" cy="0"/>
         </a:xfrm>
       </p:grpSpPr>
-      <p:sp>
-        <p:nvSpPr>
-          <p:cNvPr id="164" name="Shape 164"/>
-          <p:cNvSpPr/>
-          <p:nvPr>
-            <p:ph type="title"/>
-          </p:nvPr>
-        </p:nvSpPr>
-        <p:spPr>
-          <a:prstGeom prst="rect">
-            <a:avLst/>
-          </a:prstGeom>
-        </p:spPr>
-        <p:txBody>
-          <a:bodyPr/>
-          <a:lstStyle/>
-          <a:p>
-            <a:pPr/>
-            <a:r>
-              <a:t>Examples of State</a:t>
-            </a:r>
-          </a:p>
-        </p:txBody>
-      </p:sp>
-      <p:sp>
-        <p:nvSpPr>
-          <p:cNvPr id="165" name="Shape 165"/>
-          <p:cNvSpPr/>
-          <p:nvPr>
-            <p:ph type="body" idx="1"/>
-          </p:nvPr>
-        </p:nvSpPr>
-        <p:spPr>
-          <a:prstGeom prst="rect">
-            <a:avLst/>
-          </a:prstGeom>
-        </p:spPr>
-        <p:txBody>
-          <a:bodyPr/>
-          <a:lstStyle/>
-          <a:p>
-            <a:pPr/>
-            <a:r>
-              <a:t>Angular Factory state</a:t>
-            </a:r>
-          </a:p>
-        </p:txBody>
-      </p:sp>
+      <p:pic>
+        <p:nvPicPr>
+          <p:cNvPr id="165" name="Screen Shot 2016-09-12 at 8.25.44 PM.png"/>
+          <p:cNvPicPr>
+            <a:picLocks noChangeAspect="1"/>
+          </p:cNvPicPr>
+          <p:nvPr/>
+        </p:nvPicPr>
+        <p:blipFill>
+          <a:blip r:embed="rId2">
+            <a:extLst/>
+          </a:blip>
+          <a:stretch>
+            <a:fillRect/>
+          </a:stretch>
+        </p:blipFill>
+        <p:spPr>
+          <a:xfrm>
+            <a:off x="1768726" y="56862"/>
+            <a:ext cx="20846548" cy="13602276"/>
+          </a:xfrm>
+          <a:prstGeom prst="rect">
+            <a:avLst/>
+          </a:prstGeom>
+          <a:ln w="12700">
+            <a:miter lim="400000"/>
+          </a:ln>
+        </p:spPr>
+      </p:pic>
     </p:spTree>
   </p:cSld>
   <p:clrMapOvr>
     <a:masterClrMapping/>
   </p:clrMapOvr>
-  <p:transition xmlns:p14="http://schemas.microsoft.com/office/powerpoint/2010/main" spd="med" advClick="1" p14:dur="1000"/>
+  <mc:AlternateContent xmlns:mc="http://schemas.openxmlformats.org/markup-compatibility/2006">
+    <mc:Choice xmlns:p14="http://schemas.microsoft.com/office/powerpoint/2010/main" Requires="p14">
+      <p:transition spd="fast" advClick="1" p14:dur="349">
+        <p:push dir="u"/>
+      </p:transition>
+    </mc:Choice>
+    <mc:Fallback>
+      <p:transition spd="fast">
+        <p:fade/>
+      </p:transition>
+    </mc:Fallback>
+  </mc:AlternateContent>
 </p:sld>
 </file>
 
@@ -3732,7 +4174,7 @@
       </p:grpSpPr>
       <p:pic>
         <p:nvPicPr>
-          <p:cNvPr id="167" name="Screen Shot 2016-09-12 at 8.25.44 PM.png"/>
+          <p:cNvPr id="167" name="Screen Shot 2016-09-12 at 8.32.16 PM.png"/>
           <p:cNvPicPr>
             <a:picLocks noChangeAspect="1"/>
           </p:cNvPicPr>
@@ -3748,8 +4190,8 @@
         </p:blipFill>
         <p:spPr>
           <a:xfrm>
-            <a:off x="1768726" y="56862"/>
-            <a:ext cx="20846548" cy="13602276"/>
+            <a:off x="3291013" y="440360"/>
+            <a:ext cx="17801974" cy="12835280"/>
           </a:xfrm>
           <a:prstGeom prst="rect">
             <a:avLst/>
@@ -3764,7 +4206,18 @@
   <p:clrMapOvr>
     <a:masterClrMapping/>
   </p:clrMapOvr>
-  <p:transition xmlns:p14="http://schemas.microsoft.com/office/powerpoint/2010/main" spd="med" advClick="1" p14:dur="1000"/>
+  <mc:AlternateContent xmlns:mc="http://schemas.openxmlformats.org/markup-compatibility/2006">
+    <mc:Choice xmlns:p14="http://schemas.microsoft.com/office/powerpoint/2010/main" Requires="p14">
+      <p:transition spd="fast" advClick="1" p14:dur="349">
+        <p:push dir="l"/>
+      </p:transition>
+    </mc:Choice>
+    <mc:Fallback>
+      <p:transition spd="fast">
+        <p:fade/>
+      </p:transition>
+    </mc:Fallback>
+  </mc:AlternateContent>
 </p:sld>
 </file>
 
@@ -3865,41 +4318,83 @@
           <a:chExt cx="0" cy="0"/>
         </a:xfrm>
       </p:grpSpPr>
-      <p:pic>
-        <p:nvPicPr>
-          <p:cNvPr id="169" name="Screen Shot 2016-09-12 at 8.32.16 PM.png"/>
-          <p:cNvPicPr>
-            <a:picLocks noChangeAspect="1"/>
-          </p:cNvPicPr>
-          <p:nvPr/>
-        </p:nvPicPr>
-        <p:blipFill>
-          <a:blip r:embed="rId2">
-            <a:extLst/>
-          </a:blip>
-          <a:stretch>
-            <a:fillRect/>
-          </a:stretch>
-        </p:blipFill>
-        <p:spPr>
-          <a:xfrm>
-            <a:off x="3291013" y="440360"/>
-            <a:ext cx="17801974" cy="12835280"/>
-          </a:xfrm>
-          <a:prstGeom prst="rect">
-            <a:avLst/>
-          </a:prstGeom>
-          <a:ln w="12700">
-            <a:miter lim="400000"/>
-          </a:ln>
-        </p:spPr>
-      </p:pic>
+      <p:sp>
+        <p:nvSpPr>
+          <p:cNvPr id="169" name="Shape 169"/>
+          <p:cNvSpPr/>
+          <p:nvPr>
+            <p:ph type="title"/>
+          </p:nvPr>
+        </p:nvSpPr>
+        <p:spPr>
+          <a:prstGeom prst="rect">
+            <a:avLst/>
+          </a:prstGeom>
+        </p:spPr>
+        <p:txBody>
+          <a:bodyPr/>
+          <a:lstStyle/>
+          <a:p>
+            <a:pPr/>
+            <a:r>
+              <a:t>Examples of Changing State</a:t>
+            </a:r>
+          </a:p>
+        </p:txBody>
+      </p:sp>
+      <p:sp>
+        <p:nvSpPr>
+          <p:cNvPr id="170" name="Shape 170"/>
+          <p:cNvSpPr/>
+          <p:nvPr>
+            <p:ph type="body" idx="1"/>
+          </p:nvPr>
+        </p:nvSpPr>
+        <p:spPr>
+          <a:prstGeom prst="rect">
+            <a:avLst/>
+          </a:prstGeom>
+        </p:spPr>
+        <p:txBody>
+          <a:bodyPr/>
+          <a:lstStyle/>
+          <a:p>
+            <a:pPr/>
+            <a:r>
+              <a:t>set a variable</a:t>
+            </a:r>
+          </a:p>
+          <a:p>
+            <a:pPr/>
+            <a:r>
+              <a:t>have a function do it</a:t>
+            </a:r>
+          </a:p>
+          <a:p>
+            <a:pPr/>
+            <a:r>
+              <a:t>Object.assign</a:t>
+            </a:r>
+          </a:p>
+        </p:txBody>
+      </p:sp>
     </p:spTree>
   </p:cSld>
   <p:clrMapOvr>
     <a:masterClrMapping/>
   </p:clrMapOvr>
-  <p:transition xmlns:p14="http://schemas.microsoft.com/office/powerpoint/2010/main" spd="med" advClick="1" p14:dur="1000"/>
+  <mc:AlternateContent xmlns:mc="http://schemas.openxmlformats.org/markup-compatibility/2006">
+    <mc:Choice xmlns:p14="http://schemas.microsoft.com/office/powerpoint/2010/main" Requires="p14">
+      <p:transition spd="fast" advClick="1" p14:dur="349">
+        <p:push dir="l"/>
+      </p:transition>
+    </mc:Choice>
+    <mc:Fallback>
+      <p:transition spd="fast">
+        <p:fade/>
+      </p:transition>
+    </mc:Fallback>
+  </mc:AlternateContent>
 </p:sld>
 </file>
 
@@ -3920,72 +4415,52 @@
           <a:chExt cx="0" cy="0"/>
         </a:xfrm>
       </p:grpSpPr>
-      <p:sp>
-        <p:nvSpPr>
-          <p:cNvPr id="171" name="Shape 171"/>
-          <p:cNvSpPr/>
-          <p:nvPr>
-            <p:ph type="title"/>
-          </p:nvPr>
-        </p:nvSpPr>
-        <p:spPr>
-          <a:prstGeom prst="rect">
-            <a:avLst/>
-          </a:prstGeom>
-        </p:spPr>
-        <p:txBody>
-          <a:bodyPr/>
-          <a:lstStyle/>
-          <a:p>
-            <a:pPr/>
-            <a:r>
-              <a:t>Examples of Changing State</a:t>
-            </a:r>
-          </a:p>
-        </p:txBody>
-      </p:sp>
-      <p:sp>
-        <p:nvSpPr>
-          <p:cNvPr id="172" name="Shape 172"/>
-          <p:cNvSpPr/>
-          <p:nvPr>
-            <p:ph type="body" idx="1"/>
-          </p:nvPr>
-        </p:nvSpPr>
-        <p:spPr>
-          <a:prstGeom prst="rect">
-            <a:avLst/>
-          </a:prstGeom>
-        </p:spPr>
-        <p:txBody>
-          <a:bodyPr/>
-          <a:lstStyle/>
-          <a:p>
-            <a:pPr/>
-            <a:r>
-              <a:t>set a variable</a:t>
-            </a:r>
-          </a:p>
-          <a:p>
-            <a:pPr/>
-            <a:r>
-              <a:t>have a function do it</a:t>
-            </a:r>
-          </a:p>
-          <a:p>
-            <a:pPr/>
-            <a:r>
-              <a:t>Object.assign</a:t>
-            </a:r>
-          </a:p>
-        </p:txBody>
-      </p:sp>
+      <p:pic>
+        <p:nvPicPr>
+          <p:cNvPr id="172" name="Screen Shot 2016-09-12 at 8.44.29 PM.png"/>
+          <p:cNvPicPr>
+            <a:picLocks noChangeAspect="1"/>
+          </p:cNvPicPr>
+          <p:nvPr/>
+        </p:nvPicPr>
+        <p:blipFill>
+          <a:blip r:embed="rId2">
+            <a:extLst/>
+          </a:blip>
+          <a:stretch>
+            <a:fillRect/>
+          </a:stretch>
+        </p:blipFill>
+        <p:spPr>
+          <a:xfrm>
+            <a:off x="4186415" y="32280"/>
+            <a:ext cx="16179596" cy="13510796"/>
+          </a:xfrm>
+          <a:prstGeom prst="rect">
+            <a:avLst/>
+          </a:prstGeom>
+          <a:ln w="12700">
+            <a:miter lim="400000"/>
+          </a:ln>
+        </p:spPr>
+      </p:pic>
     </p:spTree>
   </p:cSld>
   <p:clrMapOvr>
     <a:masterClrMapping/>
   </p:clrMapOvr>
-  <p:transition xmlns:p14="http://schemas.microsoft.com/office/powerpoint/2010/main" spd="med" advClick="1" p14:dur="1000"/>
+  <mc:AlternateContent xmlns:mc="http://schemas.openxmlformats.org/markup-compatibility/2006">
+    <mc:Choice xmlns:p14="http://schemas.microsoft.com/office/powerpoint/2010/main" Requires="p14">
+      <p:transition spd="fast" advClick="1" p14:dur="349">
+        <p:pull dir="l"/>
+      </p:transition>
+    </mc:Choice>
+    <mc:Fallback>
+      <p:transition spd="fast">
+        <p:fade/>
+      </p:transition>
+    </mc:Fallback>
+  </mc:AlternateContent>
 </p:sld>
 </file>
 
@@ -4008,7 +4483,7 @@
       </p:grpSpPr>
       <p:pic>
         <p:nvPicPr>
-          <p:cNvPr id="174" name="Screen Shot 2016-09-12 at 8.44.29 PM.png"/>
+          <p:cNvPr id="174" name="Screen Shot 2016-09-12 at 8.43.32 PM.png"/>
           <p:cNvPicPr>
             <a:picLocks noChangeAspect="1"/>
           </p:cNvPicPr>
@@ -4024,8 +4499,8 @@
         </p:blipFill>
         <p:spPr>
           <a:xfrm>
-            <a:off x="4186415" y="32280"/>
-            <a:ext cx="16179596" cy="13510796"/>
+            <a:off x="5111081" y="653432"/>
+            <a:ext cx="14319540" cy="12547320"/>
           </a:xfrm>
           <a:prstGeom prst="rect">
             <a:avLst/>
@@ -4040,7 +4515,18 @@
   <p:clrMapOvr>
     <a:masterClrMapping/>
   </p:clrMapOvr>
-  <p:transition xmlns:p14="http://schemas.microsoft.com/office/powerpoint/2010/main" spd="med" advClick="1" p14:dur="1000"/>
+  <mc:AlternateContent xmlns:mc="http://schemas.openxmlformats.org/markup-compatibility/2006">
+    <mc:Choice xmlns:p14="http://schemas.microsoft.com/office/powerpoint/2010/main" Requires="p14">
+      <p:transition spd="fast" advClick="1" p14:dur="349">
+        <p:pull dir="l"/>
+      </p:transition>
+    </mc:Choice>
+    <mc:Fallback>
+      <p:transition spd="fast">
+        <p:fade/>
+      </p:transition>
+    </mc:Fallback>
+  </mc:AlternateContent>
 </p:sld>
 </file>
 
@@ -4063,7 +4549,7 @@
       </p:grpSpPr>
       <p:pic>
         <p:nvPicPr>
-          <p:cNvPr id="176" name="Screen Shot 2016-09-12 at 8.43.32 PM.png"/>
+          <p:cNvPr id="176" name="Screen Shot 2016-09-12 at 8.47.12 PM.png"/>
           <p:cNvPicPr>
             <a:picLocks noChangeAspect="1"/>
           </p:cNvPicPr>
@@ -4073,14 +4559,15 @@
           <a:blip r:embed="rId2">
             <a:extLst/>
           </a:blip>
+          <a:srcRect l="0" t="0" r="0" b="16766"/>
           <a:stretch>
             <a:fillRect/>
           </a:stretch>
         </p:blipFill>
         <p:spPr>
           <a:xfrm>
-            <a:off x="5111081" y="653432"/>
-            <a:ext cx="14319540" cy="12547320"/>
+            <a:off x="929084" y="1167135"/>
+            <a:ext cx="22525705" cy="10494442"/>
           </a:xfrm>
           <a:prstGeom prst="rect">
             <a:avLst/>
@@ -4095,7 +4582,18 @@
   <p:clrMapOvr>
     <a:masterClrMapping/>
   </p:clrMapOvr>
-  <p:transition xmlns:p14="http://schemas.microsoft.com/office/powerpoint/2010/main" spd="med" advClick="1" p14:dur="1000"/>
+  <mc:AlternateContent xmlns:mc="http://schemas.openxmlformats.org/markup-compatibility/2006">
+    <mc:Choice xmlns:p14="http://schemas.microsoft.com/office/powerpoint/2010/main" Requires="p14">
+      <p:transition spd="fast" advClick="1" p14:dur="349">
+        <p:pull dir="l"/>
+      </p:transition>
+    </mc:Choice>
+    <mc:Fallback>
+      <p:transition spd="fast">
+        <p:fade/>
+      </p:transition>
+    </mc:Fallback>
+  </mc:AlternateContent>
 </p:sld>
 </file>
 
@@ -4116,36 +4614,60 @@
           <a:chExt cx="0" cy="0"/>
         </a:xfrm>
       </p:grpSpPr>
-      <p:pic>
-        <p:nvPicPr>
-          <p:cNvPr id="178" name="Screen Shot 2016-09-12 at 8.47.12 PM.png"/>
-          <p:cNvPicPr>
-            <a:picLocks noChangeAspect="1"/>
-          </p:cNvPicPr>
-          <p:nvPr/>
-        </p:nvPicPr>
-        <p:blipFill>
-          <a:blip r:embed="rId2">
-            <a:extLst/>
-          </a:blip>
-          <a:srcRect l="0" t="0" r="0" b="16766"/>
-          <a:stretch>
-            <a:fillRect/>
-          </a:stretch>
-        </p:blipFill>
-        <p:spPr>
-          <a:xfrm>
-            <a:off x="929084" y="1167135"/>
-            <a:ext cx="22525705" cy="10494442"/>
-          </a:xfrm>
-          <a:prstGeom prst="rect">
-            <a:avLst/>
-          </a:prstGeom>
-          <a:ln w="12700">
-            <a:miter lim="400000"/>
-          </a:ln>
-        </p:spPr>
-      </p:pic>
+      <p:sp>
+        <p:nvSpPr>
+          <p:cNvPr id="178" name="Shape 178"/>
+          <p:cNvSpPr/>
+          <p:nvPr>
+            <p:ph type="title"/>
+          </p:nvPr>
+        </p:nvSpPr>
+        <p:spPr>
+          <a:prstGeom prst="rect">
+            <a:avLst/>
+          </a:prstGeom>
+        </p:spPr>
+        <p:txBody>
+          <a:bodyPr/>
+          <a:lstStyle/>
+          <a:p>
+            <a:pPr/>
+            <a:r>
+              <a:t>Ok, we get predictable state</a:t>
+            </a:r>
+          </a:p>
+        </p:txBody>
+      </p:sp>
+      <p:sp>
+        <p:nvSpPr>
+          <p:cNvPr id="179" name="Shape 179"/>
+          <p:cNvSpPr/>
+          <p:nvPr>
+            <p:ph type="body" idx="1"/>
+          </p:nvPr>
+        </p:nvSpPr>
+        <p:spPr>
+          <a:prstGeom prst="rect">
+            <a:avLst/>
+          </a:prstGeom>
+        </p:spPr>
+        <p:txBody>
+          <a:bodyPr/>
+          <a:lstStyle/>
+          <a:p>
+            <a:pPr/>
+            <a:r>
+              <a:t>predictable: pure functions</a:t>
+            </a:r>
+          </a:p>
+          <a:p>
+            <a:pPr/>
+            <a:r>
+              <a:t>state: my data in t3h RAM</a:t>
+            </a:r>
+          </a:p>
+        </p:txBody>
+      </p:sp>
     </p:spTree>
   </p:cSld>
   <p:clrMapOvr>
@@ -4174,7 +4696,7 @@
       </p:grpSpPr>
       <p:sp>
         <p:nvSpPr>
-          <p:cNvPr id="180" name="Shape 180"/>
+          <p:cNvPr id="181" name="Shape 181"/>
           <p:cNvSpPr/>
           <p:nvPr>
             <p:ph type="title"/>
@@ -4191,14 +4713,14 @@
           <a:p>
             <a:pPr/>
             <a:r>
-              <a:t>Ok, we get predictable state</a:t>
+              <a:t>The Bubble Problem</a:t>
             </a:r>
           </a:p>
         </p:txBody>
       </p:sp>
       <p:sp>
         <p:nvSpPr>
-          <p:cNvPr id="181" name="Shape 181"/>
+          <p:cNvPr id="182" name="Shape 182"/>
           <p:cNvSpPr/>
           <p:nvPr>
             <p:ph type="body" idx="1"/>
@@ -4215,13 +4737,19 @@
           <a:p>
             <a:pPr/>
             <a:r>
-              <a:t>predictable: pure functions</a:t>
-            </a:r>
-          </a:p>
-          <a:p>
-            <a:pPr/>
-            <a:r>
-              <a:t>state: my data in t3h RAM</a:t>
+              <a:t>When you start refactoring imperative code to use pure functions, you run into the bubble problem: mutable state bubbles up and out state.</a:t>
+            </a:r>
+          </a:p>
+          <a:p>
+            <a:pPr/>
+            <a:r>
+              <a:t>Someone, SOMEWHERE, has to eventually store the state by using a var vs. const.</a:t>
+            </a:r>
+          </a:p>
+          <a:p>
+            <a:pPr/>
+            <a:r>
+              <a:t>If you abstract it into a safe container, you’ve created Redux.</a:t>
             </a:r>
           </a:p>
         </p:txBody>
@@ -4254,7 +4782,7 @@
       </p:grpSpPr>
       <p:sp>
         <p:nvSpPr>
-          <p:cNvPr id="183" name="Shape 183"/>
+          <p:cNvPr id="184" name="Shape 184"/>
           <p:cNvSpPr/>
           <p:nvPr>
             <p:ph type="title"/>
@@ -4278,7 +4806,7 @@
       </p:sp>
       <p:sp>
         <p:nvSpPr>
-          <p:cNvPr id="184" name="Shape 184"/>
+          <p:cNvPr id="185" name="Shape 185"/>
           <p:cNvSpPr/>
           <p:nvPr>
             <p:ph type="body" idx="1"/>
@@ -4295,19 +4823,7 @@
           <a:p>
             <a:pPr/>
             <a:r>
-              <a:t>When you start refactoring imperative code to use pure functions, you run into the bubble problem: mutable state bubbles up and out state.</a:t>
-            </a:r>
-          </a:p>
-          <a:p>
-            <a:pPr/>
-            <a:r>
-              <a:t>Someone, SOMEWHERE, has to eventually store the state by using a var vs. const.</a:t>
-            </a:r>
-          </a:p>
-          <a:p>
-            <a:pPr/>
-            <a:r>
-              <a:t>If you abstract it into a safe container, you’ve created Redux.</a:t>
+              <a:t>Imagine you can’t ever use var, only const</a:t>
             </a:r>
           </a:p>
         </p:txBody>
@@ -4340,7 +4856,7 @@
       </p:grpSpPr>
       <p:sp>
         <p:nvSpPr>
-          <p:cNvPr id="186" name="Shape 186"/>
+          <p:cNvPr id="187" name="Shape 187"/>
           <p:cNvSpPr/>
           <p:nvPr>
             <p:ph type="title"/>
@@ -4357,31 +4873,7 @@
           <a:p>
             <a:pPr/>
             <a:r>
-              <a:t>The Bubble Problem</a:t>
-            </a:r>
-          </a:p>
-        </p:txBody>
-      </p:sp>
-      <p:sp>
-        <p:nvSpPr>
-          <p:cNvPr id="187" name="Shape 187"/>
-          <p:cNvSpPr/>
-          <p:nvPr>
-            <p:ph type="body" idx="1"/>
-          </p:nvPr>
-        </p:nvSpPr>
-        <p:spPr>
-          <a:prstGeom prst="rect">
-            <a:avLst/>
-          </a:prstGeom>
-        </p:spPr>
-        <p:txBody>
-          <a:bodyPr/>
-          <a:lstStyle/>
-          <a:p>
-            <a:pPr/>
-            <a:r>
-              <a:t>Imagine you can’t ever use var, only const</a:t>
+              <a:t>Refactor Imperative</a:t>
             </a:r>
           </a:p>
         </p:txBody>
@@ -4412,27 +4904,102 @@
           <a:chExt cx="0" cy="0"/>
         </a:xfrm>
       </p:grpSpPr>
+      <p:pic>
+        <p:nvPicPr>
+          <p:cNvPr id="189" name="Screen Shot 2016-09-15 at 6.13.55 PM.png"/>
+          <p:cNvPicPr>
+            <a:picLocks noChangeAspect="1"/>
+          </p:cNvPicPr>
+          <p:nvPr/>
+        </p:nvPicPr>
+        <p:blipFill>
+          <a:blip r:embed="rId2">
+            <a:extLst/>
+          </a:blip>
+          <a:stretch>
+            <a:fillRect/>
+          </a:stretch>
+        </p:blipFill>
+        <p:spPr>
+          <a:xfrm>
+            <a:off x="3789503" y="449151"/>
+            <a:ext cx="17471380" cy="13325971"/>
+          </a:xfrm>
+          <a:prstGeom prst="rect">
+            <a:avLst/>
+          </a:prstGeom>
+          <a:ln w="12700">
+            <a:miter lim="400000"/>
+          </a:ln>
+        </p:spPr>
+      </p:pic>
       <p:sp>
         <p:nvSpPr>
-          <p:cNvPr id="189" name="Shape 189"/>
+          <p:cNvPr id="190" name="Shape 190"/>
           <p:cNvSpPr/>
-          <p:nvPr>
-            <p:ph type="title"/>
-          </p:nvPr>
+          <p:nvPr/>
         </p:nvSpPr>
         <p:spPr>
-          <a:prstGeom prst="rect">
-            <a:avLst/>
-          </a:prstGeom>
+          <a:xfrm>
+            <a:off x="4775200" y="3048000"/>
+            <a:ext cx="4414640" cy="767458"/>
+          </a:xfrm>
+          <a:prstGeom prst="rect">
+            <a:avLst/>
+          </a:prstGeom>
+          <a:ln w="152400">
+            <a:solidFill>
+              <a:schemeClr val="accent5">
+                <a:hueOff val="101205"/>
+                <a:satOff val="-13598"/>
+                <a:lumOff val="23877"/>
+              </a:schemeClr>
+            </a:solidFill>
+            <a:miter lim="400000"/>
+          </a:ln>
         </p:spPr>
         <p:txBody>
-          <a:bodyPr/>
+          <a:bodyPr lIns="50800" tIns="50800" rIns="50800" bIns="50800" anchor="ctr"/>
           <a:lstStyle/>
           <a:p>
-            <a:pPr/>
-            <a:r>
-              <a:t>Refactor Imperative</a:t>
-            </a:r>
+            <a:pPr>
+              <a:defRPr sz="3600"/>
+            </a:pPr>
+          </a:p>
+        </p:txBody>
+      </p:sp>
+      <p:sp>
+        <p:nvSpPr>
+          <p:cNvPr id="191" name="Shape 191"/>
+          <p:cNvSpPr/>
+          <p:nvPr/>
+        </p:nvSpPr>
+        <p:spPr>
+          <a:xfrm>
+            <a:off x="5511800" y="4165600"/>
+            <a:ext cx="4414640" cy="767458"/>
+          </a:xfrm>
+          <a:prstGeom prst="rect">
+            <a:avLst/>
+          </a:prstGeom>
+          <a:ln w="152400">
+            <a:solidFill>
+              <a:schemeClr val="accent5">
+                <a:hueOff val="101205"/>
+                <a:satOff val="-13598"/>
+                <a:lumOff val="23877"/>
+              </a:schemeClr>
+            </a:solidFill>
+            <a:miter lim="400000"/>
+          </a:ln>
+        </p:spPr>
+        <p:txBody>
+          <a:bodyPr lIns="50800" tIns="50800" rIns="50800" bIns="50800" anchor="ctr"/>
+          <a:lstStyle/>
+          <a:p>
+            <a:pPr>
+              <a:defRPr sz="3600"/>
+            </a:pPr>
           </a:p>
         </p:txBody>
       </p:sp>
@@ -4464,7 +5031,7 @@
       </p:grpSpPr>
       <p:pic>
         <p:nvPicPr>
-          <p:cNvPr id="191" name="Screen Shot 2016-09-12 at 8.49.54 PM.png"/>
+          <p:cNvPr id="193" name="Screen Shot 2016-09-12 at 8.53.35 PM.png"/>
           <p:cNvPicPr>
             <a:picLocks noChangeAspect="1"/>
           </p:cNvPicPr>
@@ -4480,8 +5047,8 @@
         </p:blipFill>
         <p:spPr>
           <a:xfrm>
-            <a:off x="3390985" y="196643"/>
-            <a:ext cx="17797868" cy="13470941"/>
+            <a:off x="152334" y="907360"/>
+            <a:ext cx="24079332" cy="11901280"/>
           </a:xfrm>
           <a:prstGeom prst="rect">
             <a:avLst/>
@@ -4605,7 +5172,7 @@
       </p:grpSpPr>
       <p:pic>
         <p:nvPicPr>
-          <p:cNvPr id="193" name="Screen Shot 2016-09-12 at 8.53.35 PM.png"/>
+          <p:cNvPr id="195" name="Screen Shot 2016-09-12 at 8.56.27 PM.png"/>
           <p:cNvPicPr>
             <a:picLocks noChangeAspect="1"/>
           </p:cNvPicPr>
@@ -4621,8 +5188,8 @@
         </p:blipFill>
         <p:spPr>
           <a:xfrm>
-            <a:off x="152334" y="907360"/>
-            <a:ext cx="24079332" cy="11901280"/>
+            <a:off x="2212761" y="69953"/>
+            <a:ext cx="19958478" cy="13576094"/>
           </a:xfrm>
           <a:prstGeom prst="rect">
             <a:avLst/>
@@ -4632,6 +5199,76 @@
           </a:ln>
         </p:spPr>
       </p:pic>
+      <p:sp>
+        <p:nvSpPr>
+          <p:cNvPr id="196" name="Shape 196"/>
+          <p:cNvSpPr/>
+          <p:nvPr/>
+        </p:nvSpPr>
+        <p:spPr>
+          <a:xfrm>
+            <a:off x="4648200" y="3276600"/>
+            <a:ext cx="7600256" cy="767458"/>
+          </a:xfrm>
+          <a:prstGeom prst="rect">
+            <a:avLst/>
+          </a:prstGeom>
+          <a:ln w="152400">
+            <a:solidFill>
+              <a:schemeClr val="accent5">
+                <a:hueOff val="101205"/>
+                <a:satOff val="-13598"/>
+                <a:lumOff val="23877"/>
+              </a:schemeClr>
+            </a:solidFill>
+            <a:miter lim="400000"/>
+          </a:ln>
+        </p:spPr>
+        <p:txBody>
+          <a:bodyPr lIns="50800" tIns="50800" rIns="50800" bIns="50800" anchor="ctr"/>
+          <a:lstStyle/>
+          <a:p>
+            <a:pPr>
+              <a:defRPr sz="3600"/>
+            </a:pPr>
+          </a:p>
+        </p:txBody>
+      </p:sp>
+      <p:sp>
+        <p:nvSpPr>
+          <p:cNvPr id="197" name="Shape 197"/>
+          <p:cNvSpPr/>
+          <p:nvPr/>
+        </p:nvSpPr>
+        <p:spPr>
+          <a:xfrm>
+            <a:off x="10515600" y="4445000"/>
+            <a:ext cx="6188572" cy="1905199"/>
+          </a:xfrm>
+          <a:prstGeom prst="rect">
+            <a:avLst/>
+          </a:prstGeom>
+          <a:ln w="152400">
+            <a:solidFill>
+              <a:schemeClr val="accent5">
+                <a:hueOff val="101205"/>
+                <a:satOff val="-13598"/>
+                <a:lumOff val="23877"/>
+              </a:schemeClr>
+            </a:solidFill>
+            <a:miter lim="400000"/>
+          </a:ln>
+        </p:spPr>
+        <p:txBody>
+          <a:bodyPr lIns="50800" tIns="50800" rIns="50800" bIns="50800" anchor="ctr"/>
+          <a:lstStyle/>
+          <a:p>
+            <a:pPr>
+              <a:defRPr sz="3600"/>
+            </a:pPr>
+          </a:p>
+        </p:txBody>
+      </p:sp>
     </p:spTree>
   </p:cSld>
   <p:clrMapOvr>
@@ -4660,7 +5297,7 @@
       </p:grpSpPr>
       <p:pic>
         <p:nvPicPr>
-          <p:cNvPr id="195" name="Screen Shot 2016-09-12 at 8.56.27 PM.png"/>
+          <p:cNvPr id="199" name="Screen Shot 2016-09-12 at 9.03.21 PM.png"/>
           <p:cNvPicPr>
             <a:picLocks noChangeAspect="1"/>
           </p:cNvPicPr>
@@ -4676,8 +5313,8 @@
         </p:blipFill>
         <p:spPr>
           <a:xfrm>
-            <a:off x="2212761" y="69953"/>
-            <a:ext cx="19958478" cy="13576094"/>
+            <a:off x="4560203" y="265086"/>
+            <a:ext cx="15263594" cy="13185828"/>
           </a:xfrm>
           <a:prstGeom prst="rect">
             <a:avLst/>
@@ -4687,6 +5324,41 @@
           </a:ln>
         </p:spPr>
       </p:pic>
+      <p:sp>
+        <p:nvSpPr>
+          <p:cNvPr id="200" name="Shape 200"/>
+          <p:cNvSpPr/>
+          <p:nvPr/>
+        </p:nvSpPr>
+        <p:spPr>
+          <a:xfrm>
+            <a:off x="11323141" y="965200"/>
+            <a:ext cx="5110659" cy="767458"/>
+          </a:xfrm>
+          <a:prstGeom prst="rect">
+            <a:avLst/>
+          </a:prstGeom>
+          <a:ln w="152400">
+            <a:solidFill>
+              <a:schemeClr val="accent3">
+                <a:hueOff val="-499813"/>
+                <a:satOff val="-5228"/>
+                <a:lumOff val="24899"/>
+              </a:schemeClr>
+            </a:solidFill>
+            <a:miter lim="400000"/>
+          </a:ln>
+        </p:spPr>
+        <p:txBody>
+          <a:bodyPr lIns="50800" tIns="50800" rIns="50800" bIns="50800" anchor="ctr"/>
+          <a:lstStyle/>
+          <a:p>
+            <a:pPr>
+              <a:defRPr sz="3600"/>
+            </a:pPr>
+          </a:p>
+        </p:txBody>
+      </p:sp>
     </p:spTree>
   </p:cSld>
   <p:clrMapOvr>
@@ -4715,7 +5387,7 @@
       </p:grpSpPr>
       <p:pic>
         <p:nvPicPr>
-          <p:cNvPr id="197" name="Screen Shot 2016-09-12 at 9.03.21 PM.png"/>
+          <p:cNvPr id="202" name="Screen Shot 2016-09-12 at 9.05.21 PM.png"/>
           <p:cNvPicPr>
             <a:picLocks noChangeAspect="1"/>
           </p:cNvPicPr>
@@ -4731,8 +5403,8 @@
         </p:blipFill>
         <p:spPr>
           <a:xfrm>
-            <a:off x="4560203" y="265086"/>
-            <a:ext cx="15263594" cy="13185828"/>
+            <a:off x="880270" y="2579215"/>
+            <a:ext cx="22326525" cy="8445251"/>
           </a:xfrm>
           <a:prstGeom prst="rect">
             <a:avLst/>
@@ -4770,7 +5442,7 @@
       </p:grpSpPr>
       <p:pic>
         <p:nvPicPr>
-          <p:cNvPr id="199" name="Screen Shot 2016-09-12 at 9.05.21 PM.png"/>
+          <p:cNvPr id="204" name="Screen Shot 2016-09-12 at 9.06.59 PM.png"/>
           <p:cNvPicPr>
             <a:picLocks noChangeAspect="1"/>
           </p:cNvPicPr>
@@ -4786,8 +5458,8 @@
         </p:blipFill>
         <p:spPr>
           <a:xfrm>
-            <a:off x="880270" y="2579215"/>
-            <a:ext cx="22326525" cy="8445251"/>
+            <a:off x="2347421" y="179129"/>
+            <a:ext cx="19689158" cy="13357742"/>
           </a:xfrm>
           <a:prstGeom prst="rect">
             <a:avLst/>
@@ -4797,6 +5469,41 @@
           </a:ln>
         </p:spPr>
       </p:pic>
+      <p:sp>
+        <p:nvSpPr>
+          <p:cNvPr id="205" name="Shape 205"/>
+          <p:cNvSpPr/>
+          <p:nvPr/>
+        </p:nvSpPr>
+        <p:spPr>
+          <a:xfrm>
+            <a:off x="6172200" y="736600"/>
+            <a:ext cx="2328168" cy="546597"/>
+          </a:xfrm>
+          <a:prstGeom prst="rect">
+            <a:avLst/>
+          </a:prstGeom>
+          <a:ln w="152400">
+            <a:solidFill>
+              <a:schemeClr val="accent3">
+                <a:hueOff val="-499813"/>
+                <a:satOff val="-5228"/>
+                <a:lumOff val="24899"/>
+              </a:schemeClr>
+            </a:solidFill>
+            <a:miter lim="400000"/>
+          </a:ln>
+        </p:spPr>
+        <p:txBody>
+          <a:bodyPr lIns="50800" tIns="50800" rIns="50800" bIns="50800" anchor="ctr"/>
+          <a:lstStyle/>
+          <a:p>
+            <a:pPr>
+              <a:defRPr sz="3600"/>
+            </a:pPr>
+          </a:p>
+        </p:txBody>
+      </p:sp>
     </p:spTree>
   </p:cSld>
   <p:clrMapOvr>
@@ -4825,7 +5532,7 @@
       </p:grpSpPr>
       <p:pic>
         <p:nvPicPr>
-          <p:cNvPr id="201" name="Screen Shot 2016-09-12 at 9.06.59 PM.png"/>
+          <p:cNvPr id="207" name="Screen Shot 2016-09-12 at 9.07.26 PM.png"/>
           <p:cNvPicPr>
             <a:picLocks noChangeAspect="1"/>
           </p:cNvPicPr>
@@ -4841,8 +5548,8 @@
         </p:blipFill>
         <p:spPr>
           <a:xfrm>
-            <a:off x="2347421" y="179129"/>
-            <a:ext cx="19689158" cy="13357742"/>
+            <a:off x="409740" y="1078444"/>
+            <a:ext cx="23759858" cy="11654932"/>
           </a:xfrm>
           <a:prstGeom prst="rect">
             <a:avLst/>
@@ -4878,41 +5585,389 @@
           <a:chExt cx="0" cy="0"/>
         </a:xfrm>
       </p:grpSpPr>
-      <p:pic>
-        <p:nvPicPr>
-          <p:cNvPr id="203" name="Screen Shot 2016-09-12 at 9.07.26 PM.png"/>
-          <p:cNvPicPr>
-            <a:picLocks noChangeAspect="1"/>
-          </p:cNvPicPr>
-          <p:nvPr/>
-        </p:nvPicPr>
-        <p:blipFill>
-          <a:blip r:embed="rId2">
-            <a:extLst/>
-          </a:blip>
-          <a:stretch>
-            <a:fillRect/>
-          </a:stretch>
-        </p:blipFill>
-        <p:spPr>
-          <a:xfrm>
-            <a:off x="409740" y="1078444"/>
-            <a:ext cx="23759858" cy="11654932"/>
-          </a:xfrm>
-          <a:prstGeom prst="rect">
-            <a:avLst/>
-          </a:prstGeom>
-          <a:ln w="12700">
-            <a:miter lim="400000"/>
-          </a:ln>
-        </p:spPr>
-      </p:pic>
+      <p:sp>
+        <p:nvSpPr>
+          <p:cNvPr id="209" name="Shape 209"/>
+          <p:cNvSpPr/>
+          <p:nvPr>
+            <p:ph type="title"/>
+          </p:nvPr>
+        </p:nvSpPr>
+        <p:spPr>
+          <a:prstGeom prst="rect">
+            <a:avLst/>
+          </a:prstGeom>
+        </p:spPr>
+        <p:txBody>
+          <a:bodyPr/>
+          <a:lstStyle/>
+          <a:p>
+            <a:pPr/>
+            <a:r>
+              <a:t>Redux</a:t>
+            </a:r>
+          </a:p>
+        </p:txBody>
+      </p:sp>
+      <p:sp>
+        <p:nvSpPr>
+          <p:cNvPr id="210" name="Shape 210"/>
+          <p:cNvSpPr/>
+          <p:nvPr>
+            <p:ph type="body" idx="1"/>
+          </p:nvPr>
+        </p:nvSpPr>
+        <p:spPr>
+          <a:prstGeom prst="rect">
+            <a:avLst/>
+          </a:prstGeom>
+        </p:spPr>
+        <p:txBody>
+          <a:bodyPr/>
+          <a:lstStyle/>
+          <a:p>
+            <a:pPr/>
+            <a:r>
+              <a:t>Data for entire app in a single object. You only change it by dispatching actions with your new value. To actually change the data, you use pure functions.</a:t>
+            </a:r>
+          </a:p>
+          <a:p>
+            <a:pPr/>
+            <a:r>
+              <a:t>Data for entire app spread out over multiple classes. You change through method calls. To change data, you'd use getter/setters, or $watchers.</a:t>
+            </a:r>
+          </a:p>
+          <a:p>
+            <a:pPr/>
+            <a:r>
+              <a:t>Made by Facebook &amp; Dan Abramov</a:t>
+            </a:r>
+          </a:p>
+          <a:p>
+            <a:pPr/>
+            <a:r>
+              <a:t>@dan_abramov on Twitter</a:t>
+            </a:r>
+          </a:p>
+        </p:txBody>
+      </p:sp>
     </p:spTree>
   </p:cSld>
   <p:clrMapOvr>
     <a:masterClrMapping/>
   </p:clrMapOvr>
   <p:transition xmlns:p14="http://schemas.microsoft.com/office/powerpoint/2010/main" spd="med" advClick="1" p14:dur="1000"/>
+  <p:timing>
+    <p:tnLst>
+      <p:par>
+        <p:cTn id="1" nodeType="tmRoot" restart="never" dur="indefinite" fill="hold">
+          <p:childTnLst>
+            <p:seq concurrent="1" prevAc="none" nextAc="seek">
+              <p:cTn id="2" nodeType="mainSeq" dur="indefinite" fill="hold">
+                <p:childTnLst>
+                  <p:par>
+                    <p:cTn id="3" fill="hold">
+                      <p:stCondLst>
+                        <p:cond delay="indefinite"/>
+                      </p:stCondLst>
+                      <p:childTnLst>
+                        <p:par>
+                          <p:cTn id="4" fill="hold">
+                            <p:stCondLst>
+                              <p:cond delay="0"/>
+                            </p:stCondLst>
+                            <p:childTnLst>
+                              <p:par>
+                                <p:cTn id="5" presetClass="entr" nodeType="clickEffect" presetID="9" grpId="1" fill="hold">
+                                  <p:stCondLst>
+                                    <p:cond delay="0"/>
+                                  </p:stCondLst>
+                                  <p:iterate type="el" backwards="0">
+                                    <p:tmAbs val="0"/>
+                                  </p:iterate>
+                                  <p:childTnLst>
+                                    <p:set>
+                                      <p:cBhvr>
+                                        <p:cTn id="6" fill="hold"/>
+                                        <p:tgtEl>
+                                          <p:spTgt spid="210">
+                                            <p:bg/>
+                                          </p:spTgt>
+                                        </p:tgtEl>
+                                        <p:attrNameLst>
+                                          <p:attrName>style.visibility</p:attrName>
+                                        </p:attrNameLst>
+                                      </p:cBhvr>
+                                      <p:to>
+                                        <p:strVal val="visible"/>
+                                      </p:to>
+                                    </p:set>
+                                    <p:animEffect filter="dissolve" transition="in">
+                                      <p:cBhvr>
+                                        <p:cTn id="7" dur="300"/>
+                                        <p:tgtEl>
+                                          <p:spTgt spid="210">
+                                            <p:bg/>
+                                          </p:spTgt>
+                                        </p:tgtEl>
+                                      </p:cBhvr>
+                                    </p:animEffect>
+                                  </p:childTnLst>
+                                </p:cTn>
+                              </p:par>
+                              <p:par>
+                                <p:cTn id="8" presetClass="entr" nodeType="withEffect" presetSubtype="0" presetID="9" grpId="1" fill="hold">
+                                  <p:stCondLst>
+                                    <p:cond delay="0"/>
+                                  </p:stCondLst>
+                                  <p:iterate type="el" backwards="0">
+                                    <p:tmAbs val="0"/>
+                                  </p:iterate>
+                                  <p:childTnLst>
+                                    <p:set>
+                                      <p:cBhvr>
+                                        <p:cTn id="9" fill="hold"/>
+                                        <p:tgtEl>
+                                          <p:spTgt spid="210">
+                                            <p:txEl>
+                                              <p:pRg st="0" end="0"/>
+                                            </p:txEl>
+                                          </p:spTgt>
+                                        </p:tgtEl>
+                                        <p:attrNameLst>
+                                          <p:attrName>style.visibility</p:attrName>
+                                        </p:attrNameLst>
+                                      </p:cBhvr>
+                                      <p:to>
+                                        <p:strVal val="visible"/>
+                                      </p:to>
+                                    </p:set>
+                                    <p:animEffect filter="dissolve" transition="in">
+                                      <p:cBhvr>
+                                        <p:cTn id="10" dur="300"/>
+                                        <p:tgtEl>
+                                          <p:spTgt spid="210">
+                                            <p:txEl>
+                                              <p:pRg st="0" end="0"/>
+                                            </p:txEl>
+                                          </p:spTgt>
+                                        </p:tgtEl>
+                                      </p:cBhvr>
+                                    </p:animEffect>
+                                  </p:childTnLst>
+                                </p:cTn>
+                              </p:par>
+                            </p:childTnLst>
+                          </p:cTn>
+                        </p:par>
+                      </p:childTnLst>
+                    </p:cTn>
+                  </p:par>
+                  <p:par>
+                    <p:cTn id="11" fill="hold">
+                      <p:stCondLst>
+                        <p:cond delay="indefinite"/>
+                      </p:stCondLst>
+                      <p:childTnLst>
+                        <p:par>
+                          <p:cTn id="12" fill="hold">
+                            <p:stCondLst>
+                              <p:cond delay="0"/>
+                            </p:stCondLst>
+                            <p:childTnLst>
+                              <p:par>
+                                <p:cTn id="13" presetClass="entr" nodeType="clickEffect" presetID="9" grpId="1" fill="hold">
+                                  <p:stCondLst>
+                                    <p:cond delay="0"/>
+                                  </p:stCondLst>
+                                  <p:iterate type="el" backwards="0">
+                                    <p:tmAbs val="0"/>
+                                  </p:iterate>
+                                  <p:childTnLst>
+                                    <p:set>
+                                      <p:cBhvr>
+                                        <p:cTn id="14" fill="hold"/>
+                                        <p:tgtEl>
+                                          <p:spTgt spid="210">
+                                            <p:txEl>
+                                              <p:pRg st="1" end="1"/>
+                                            </p:txEl>
+                                          </p:spTgt>
+                                        </p:tgtEl>
+                                        <p:attrNameLst>
+                                          <p:attrName>style.visibility</p:attrName>
+                                        </p:attrNameLst>
+                                      </p:cBhvr>
+                                      <p:to>
+                                        <p:strVal val="visible"/>
+                                      </p:to>
+                                    </p:set>
+                                    <p:animEffect filter="dissolve" transition="in">
+                                      <p:cBhvr>
+                                        <p:cTn id="15" dur="300"/>
+                                        <p:tgtEl>
+                                          <p:spTgt spid="210">
+                                            <p:txEl>
+                                              <p:pRg st="1" end="1"/>
+                                            </p:txEl>
+                                          </p:spTgt>
+                                        </p:tgtEl>
+                                      </p:cBhvr>
+                                    </p:animEffect>
+                                  </p:childTnLst>
+                                </p:cTn>
+                              </p:par>
+                            </p:childTnLst>
+                          </p:cTn>
+                        </p:par>
+                      </p:childTnLst>
+                    </p:cTn>
+                  </p:par>
+                  <p:par>
+                    <p:cTn id="16" fill="hold">
+                      <p:stCondLst>
+                        <p:cond delay="indefinite"/>
+                      </p:stCondLst>
+                      <p:childTnLst>
+                        <p:par>
+                          <p:cTn id="17" fill="hold">
+                            <p:stCondLst>
+                              <p:cond delay="0"/>
+                            </p:stCondLst>
+                            <p:childTnLst>
+                              <p:par>
+                                <p:cTn id="18" presetClass="entr" nodeType="clickEffect" presetID="9" grpId="1" fill="hold">
+                                  <p:stCondLst>
+                                    <p:cond delay="0"/>
+                                  </p:stCondLst>
+                                  <p:iterate type="el" backwards="0">
+                                    <p:tmAbs val="0"/>
+                                  </p:iterate>
+                                  <p:childTnLst>
+                                    <p:set>
+                                      <p:cBhvr>
+                                        <p:cTn id="19" fill="hold"/>
+                                        <p:tgtEl>
+                                          <p:spTgt spid="210">
+                                            <p:txEl>
+                                              <p:pRg st="2" end="2"/>
+                                            </p:txEl>
+                                          </p:spTgt>
+                                        </p:tgtEl>
+                                        <p:attrNameLst>
+                                          <p:attrName>style.visibility</p:attrName>
+                                        </p:attrNameLst>
+                                      </p:cBhvr>
+                                      <p:to>
+                                        <p:strVal val="visible"/>
+                                      </p:to>
+                                    </p:set>
+                                    <p:animEffect filter="dissolve" transition="in">
+                                      <p:cBhvr>
+                                        <p:cTn id="20" dur="300"/>
+                                        <p:tgtEl>
+                                          <p:spTgt spid="210">
+                                            <p:txEl>
+                                              <p:pRg st="2" end="2"/>
+                                            </p:txEl>
+                                          </p:spTgt>
+                                        </p:tgtEl>
+                                      </p:cBhvr>
+                                    </p:animEffect>
+                                  </p:childTnLst>
+                                </p:cTn>
+                              </p:par>
+                            </p:childTnLst>
+                          </p:cTn>
+                        </p:par>
+                      </p:childTnLst>
+                    </p:cTn>
+                  </p:par>
+                  <p:par>
+                    <p:cTn id="21" fill="hold">
+                      <p:stCondLst>
+                        <p:cond delay="indefinite"/>
+                      </p:stCondLst>
+                      <p:childTnLst>
+                        <p:par>
+                          <p:cTn id="22" fill="hold">
+                            <p:stCondLst>
+                              <p:cond delay="0"/>
+                            </p:stCondLst>
+                            <p:childTnLst>
+                              <p:par>
+                                <p:cTn id="23" presetClass="entr" nodeType="clickEffect" presetID="9" grpId="1" fill="hold">
+                                  <p:stCondLst>
+                                    <p:cond delay="0"/>
+                                  </p:stCondLst>
+                                  <p:iterate type="el" backwards="0">
+                                    <p:tmAbs val="0"/>
+                                  </p:iterate>
+                                  <p:childTnLst>
+                                    <p:set>
+                                      <p:cBhvr>
+                                        <p:cTn id="24" fill="hold"/>
+                                        <p:tgtEl>
+                                          <p:spTgt spid="210">
+                                            <p:txEl>
+                                              <p:pRg st="3" end="3"/>
+                                            </p:txEl>
+                                          </p:spTgt>
+                                        </p:tgtEl>
+                                        <p:attrNameLst>
+                                          <p:attrName>style.visibility</p:attrName>
+                                        </p:attrNameLst>
+                                      </p:cBhvr>
+                                      <p:to>
+                                        <p:strVal val="visible"/>
+                                      </p:to>
+                                    </p:set>
+                                    <p:animEffect filter="dissolve" transition="in">
+                                      <p:cBhvr>
+                                        <p:cTn id="25" dur="300"/>
+                                        <p:tgtEl>
+                                          <p:spTgt spid="210">
+                                            <p:txEl>
+                                              <p:pRg st="3" end="3"/>
+                                            </p:txEl>
+                                          </p:spTgt>
+                                        </p:tgtEl>
+                                      </p:cBhvr>
+                                    </p:animEffect>
+                                  </p:childTnLst>
+                                </p:cTn>
+                              </p:par>
+                            </p:childTnLst>
+                          </p:cTn>
+                        </p:par>
+                      </p:childTnLst>
+                    </p:cTn>
+                  </p:par>
+                </p:childTnLst>
+              </p:cTn>
+              <p:prevCondLst>
+                <p:cond evt="onPrev">
+                  <p:tgtEl>
+                    <p:sldTgt/>
+                  </p:tgtEl>
+                </p:cond>
+              </p:prevCondLst>
+              <p:nextCondLst>
+                <p:cond evt="onNext">
+                  <p:tgtEl>
+                    <p:sldTgt/>
+                  </p:tgtEl>
+                </p:cond>
+              </p:nextCondLst>
+            </p:seq>
+          </p:childTnLst>
+        </p:cTn>
+      </p:par>
+    </p:tnLst>
+    <p:bldLst>
+      <p:bldP build="p" bldLvl="5" animBg="1" rev="0" advAuto="0" spid="210" grpId="1"/>
+    </p:bldLst>
+  </p:timing>
 </p:sld>
 </file>
 
@@ -4935,7 +5990,7 @@
       </p:grpSpPr>
       <p:sp>
         <p:nvSpPr>
-          <p:cNvPr id="205" name="Shape 205"/>
+          <p:cNvPr id="212" name="Shape 212"/>
           <p:cNvSpPr/>
           <p:nvPr>
             <p:ph type="title"/>
@@ -4952,14 +6007,14 @@
           <a:p>
             <a:pPr/>
             <a:r>
-              <a:t>Redux</a:t>
+              <a:t>Initial State</a:t>
             </a:r>
           </a:p>
         </p:txBody>
       </p:sp>
       <p:sp>
         <p:nvSpPr>
-          <p:cNvPr id="206" name="Shape 206"/>
+          <p:cNvPr id="213" name="Shape 213"/>
           <p:cNvSpPr/>
           <p:nvPr>
             <p:ph type="body" idx="1"/>
@@ -4976,13 +6031,25 @@
           <a:p>
             <a:pPr/>
             <a:r>
-              <a:t>Data for entire app in a single object. You only change it by dispatching actions with your new value. To actually change the data, you use pure functions.</a:t>
-            </a:r>
-          </a:p>
-          <a:p>
-            <a:pPr/>
-            <a:r>
-              <a:t>Data for entire app spread out over multiple classes. You change through method calls. To change data, you'd use getter/setters, or $watchers.</a:t>
+              <a:t>our data "right now"</a:t>
+            </a:r>
+          </a:p>
+          <a:p>
+            <a:pPr/>
+            <a:r>
+              <a:t>our data or domain model</a:t>
+            </a:r>
+          </a:p>
+          <a:p>
+            <a:pPr/>
+            <a:r>
+              <a:t>starts as a basic Object…</a:t>
+            </a:r>
+          </a:p>
+          <a:p>
+            <a:pPr/>
+            <a:r>
+              <a:t>eventually tree gets pretty big and specialized</a:t>
             </a:r>
           </a:p>
         </p:txBody>
@@ -4993,6 +6060,91 @@
     <a:masterClrMapping/>
   </p:clrMapOvr>
   <p:transition xmlns:p14="http://schemas.microsoft.com/office/powerpoint/2010/main" spd="med" advClick="1" p14:dur="1000"/>
+  <p:timing>
+    <p:tnLst>
+      <p:par>
+        <p:cTn id="1" nodeType="tmRoot" restart="never" dur="indefinite" fill="hold">
+          <p:childTnLst>
+            <p:seq concurrent="1" prevAc="none" nextAc="seek">
+              <p:cTn id="2" nodeType="mainSeq" dur="indefinite" fill="hold">
+                <p:childTnLst>
+                  <p:par>
+                    <p:cTn id="3" fill="hold">
+                      <p:stCondLst>
+                        <p:cond delay="indefinite"/>
+                      </p:stCondLst>
+                      <p:childTnLst>
+                        <p:par>
+                          <p:cTn id="4" fill="hold">
+                            <p:stCondLst>
+                              <p:cond delay="0"/>
+                            </p:stCondLst>
+                            <p:childTnLst>
+                              <p:par>
+                                <p:cTn id="5" presetClass="entr" nodeType="clickEffect" presetSubtype="1" presetID="22" grpId="1" fill="hold">
+                                  <p:stCondLst>
+                                    <p:cond delay="0"/>
+                                  </p:stCondLst>
+                                  <p:iterate type="el" backwards="0">
+                                    <p:tmAbs val="0"/>
+                                  </p:iterate>
+                                  <p:childTnLst>
+                                    <p:set>
+                                      <p:cBhvr>
+                                        <p:cTn id="6" fill="hold"/>
+                                        <p:tgtEl>
+                                          <p:spTgt spid="213"/>
+                                        </p:tgtEl>
+                                        <p:attrNameLst>
+                                          <p:attrName>style.visibility</p:attrName>
+                                        </p:attrNameLst>
+                                      </p:cBhvr>
+                                      <p:to>
+                                        <p:strVal val="visible"/>
+                                      </p:to>
+                                    </p:set>
+                                    <p:animEffect filter="wipe(up)" transition="in">
+                                      <p:cBhvr>
+                                        <p:cTn id="7" dur="300"/>
+                                        <p:tgtEl>
+                                          <p:spTgt spid="213"/>
+                                        </p:tgtEl>
+                                      </p:cBhvr>
+                                    </p:animEffect>
+                                  </p:childTnLst>
+                                </p:cTn>
+                              </p:par>
+                            </p:childTnLst>
+                          </p:cTn>
+                        </p:par>
+                      </p:childTnLst>
+                    </p:cTn>
+                  </p:par>
+                </p:childTnLst>
+              </p:cTn>
+              <p:prevCondLst>
+                <p:cond evt="onPrev">
+                  <p:tgtEl>
+                    <p:sldTgt/>
+                  </p:tgtEl>
+                </p:cond>
+              </p:prevCondLst>
+              <p:nextCondLst>
+                <p:cond evt="onNext">
+                  <p:tgtEl>
+                    <p:sldTgt/>
+                  </p:tgtEl>
+                </p:cond>
+              </p:nextCondLst>
+            </p:seq>
+          </p:childTnLst>
+        </p:cTn>
+      </p:par>
+    </p:tnLst>
+    <p:bldLst>
+      <p:bldP build="whole" bldLvl="1" animBg="1" rev="0" advAuto="0" spid="213" grpId="1"/>
+    </p:bldLst>
+  </p:timing>
 </p:sld>
 </file>
 
@@ -5013,84 +6165,52 @@
           <a:chExt cx="0" cy="0"/>
         </a:xfrm>
       </p:grpSpPr>
-      <p:sp>
-        <p:nvSpPr>
-          <p:cNvPr id="208" name="Shape 208"/>
-          <p:cNvSpPr/>
-          <p:nvPr>
-            <p:ph type="title"/>
-          </p:nvPr>
-        </p:nvSpPr>
-        <p:spPr>
-          <a:prstGeom prst="rect">
-            <a:avLst/>
-          </a:prstGeom>
-        </p:spPr>
-        <p:txBody>
-          <a:bodyPr/>
-          <a:lstStyle/>
-          <a:p>
-            <a:pPr/>
-            <a:r>
-              <a:t>Initial State</a:t>
-            </a:r>
-          </a:p>
-        </p:txBody>
-      </p:sp>
-      <p:sp>
-        <p:nvSpPr>
-          <p:cNvPr id="209" name="Shape 209"/>
-          <p:cNvSpPr/>
-          <p:nvPr>
-            <p:ph type="body" idx="1"/>
-          </p:nvPr>
-        </p:nvSpPr>
-        <p:spPr>
-          <a:prstGeom prst="rect">
-            <a:avLst/>
-          </a:prstGeom>
-        </p:spPr>
-        <p:txBody>
-          <a:bodyPr/>
-          <a:lstStyle/>
-          <a:p>
-            <a:pPr/>
-            <a:r>
-              <a:t>data right now</a:t>
-            </a:r>
-          </a:p>
-          <a:p>
-            <a:pPr/>
-            <a:r>
-              <a:t>our data model</a:t>
-            </a:r>
-          </a:p>
-          <a:p>
-            <a:pPr/>
-            <a:r>
-              <a:t>starts as a basic domain</a:t>
-            </a:r>
-          </a:p>
-          <a:p>
-            <a:pPr/>
-            <a:r>
-              <a:t>eventually tree gets pretty big and specialized</a:t>
-            </a:r>
-          </a:p>
-          <a:p>
-            <a:pPr/>
-            <a:r>
-              <a:t>show default Object</a:t>
-            </a:r>
-          </a:p>
-        </p:txBody>
-      </p:sp>
+      <p:pic>
+        <p:nvPicPr>
+          <p:cNvPr id="215" name="Screen Shot 2016-09-13 at 5.03.07 PM.png"/>
+          <p:cNvPicPr>
+            <a:picLocks noChangeAspect="1"/>
+          </p:cNvPicPr>
+          <p:nvPr/>
+        </p:nvPicPr>
+        <p:blipFill>
+          <a:blip r:embed="rId2">
+            <a:extLst/>
+          </a:blip>
+          <a:stretch>
+            <a:fillRect/>
+          </a:stretch>
+        </p:blipFill>
+        <p:spPr>
+          <a:xfrm>
+            <a:off x="206122" y="3800185"/>
+            <a:ext cx="23971756" cy="6115630"/>
+          </a:xfrm>
+          <a:prstGeom prst="rect">
+            <a:avLst/>
+          </a:prstGeom>
+          <a:ln w="12700">
+            <a:miter lim="400000"/>
+          </a:ln>
+        </p:spPr>
+      </p:pic>
     </p:spTree>
   </p:cSld>
   <p:clrMapOvr>
     <a:masterClrMapping/>
   </p:clrMapOvr>
-  <p:transition xmlns:p14="http://schemas.microsoft.com/office/powerpoint/2010/main" spd="med" advClick="1" p14:dur="1000"/>
+  <mc:AlternateContent xmlns:mc="http://schemas.openxmlformats.org/markup-compatibility/2006">
+    <mc:Choice xmlns:p14="http://schemas.microsoft.com/office/powerpoint/2010/main" Requires="p14">
+      <p:transition spd="fast" advClick="1" p14:dur="349">
+        <p:push dir="u"/>
+      </p:transition>
+    </mc:Choice>
+    <mc:Fallback>
+      <p:transition spd="fast">
+        <p:fade/>
+      </p:transition>
+    </mc:Fallback>
+  </mc:AlternateContent>
 </p:sld>
 </file>
 
@@ -5113,7 +6233,7 @@
       </p:grpSpPr>
       <p:pic>
         <p:nvPicPr>
-          <p:cNvPr id="211" name="Screen Shot 2016-09-13 at 5.03.07 PM.png"/>
+          <p:cNvPr id="217" name="Screen Shot 2016-09-13 at 5.05.05 PM.png"/>
           <p:cNvPicPr>
             <a:picLocks noChangeAspect="1"/>
           </p:cNvPicPr>
@@ -5129,8 +6249,8 @@
         </p:blipFill>
         <p:spPr>
           <a:xfrm>
-            <a:off x="206122" y="3800185"/>
-            <a:ext cx="23971756" cy="6115630"/>
+            <a:off x="6368758" y="317599"/>
+            <a:ext cx="11646484" cy="13415569"/>
           </a:xfrm>
           <a:prstGeom prst="rect">
             <a:avLst/>
@@ -5145,7 +6265,7 @@
   <p:clrMapOvr>
     <a:masterClrMapping/>
   </p:clrMapOvr>
-  <p:transition xmlns:p14="http://schemas.microsoft.com/office/powerpoint/2010/main" spd="med" advClick="1" p14:dur="1000"/>
+  <p:transition xmlns:p14="http://schemas.microsoft.com/office/powerpoint/2010/main" spd="fast" advClick="1" p14:dur="750"/>
 </p:sld>
 </file>
 
@@ -5166,41 +6286,83 @@
           <a:chExt cx="0" cy="0"/>
         </a:xfrm>
       </p:grpSpPr>
-      <p:pic>
-        <p:nvPicPr>
-          <p:cNvPr id="213" name="Screen Shot 2016-09-13 at 5.05.05 PM.png"/>
-          <p:cNvPicPr>
-            <a:picLocks noChangeAspect="1"/>
-          </p:cNvPicPr>
-          <p:nvPr/>
-        </p:nvPicPr>
-        <p:blipFill>
-          <a:blip r:embed="rId2">
-            <a:extLst/>
-          </a:blip>
-          <a:stretch>
-            <a:fillRect/>
-          </a:stretch>
-        </p:blipFill>
-        <p:spPr>
-          <a:xfrm>
-            <a:off x="6368758" y="317599"/>
-            <a:ext cx="11646484" cy="13415569"/>
-          </a:xfrm>
-          <a:prstGeom prst="rect">
-            <a:avLst/>
-          </a:prstGeom>
-          <a:ln w="12700">
-            <a:miter lim="400000"/>
-          </a:ln>
-        </p:spPr>
-      </p:pic>
+      <p:sp>
+        <p:nvSpPr>
+          <p:cNvPr id="219" name="Shape 219"/>
+          <p:cNvSpPr/>
+          <p:nvPr>
+            <p:ph type="title"/>
+          </p:nvPr>
+        </p:nvSpPr>
+        <p:spPr>
+          <a:prstGeom prst="rect">
+            <a:avLst/>
+          </a:prstGeom>
+        </p:spPr>
+        <p:txBody>
+          <a:bodyPr/>
+          <a:lstStyle/>
+          <a:p>
+            <a:pPr/>
+            <a:r>
+              <a:t>Actions</a:t>
+            </a:r>
+          </a:p>
+        </p:txBody>
+      </p:sp>
+      <p:sp>
+        <p:nvSpPr>
+          <p:cNvPr id="220" name="Shape 220"/>
+          <p:cNvSpPr/>
+          <p:nvPr>
+            <p:ph type="body" idx="1"/>
+          </p:nvPr>
+        </p:nvSpPr>
+        <p:spPr>
+          <a:prstGeom prst="rect">
+            <a:avLst/>
+          </a:prstGeom>
+        </p:spPr>
+        <p:txBody>
+          <a:bodyPr/>
+          <a:lstStyle/>
+          <a:p>
+            <a:pPr/>
+            <a:r>
+              <a:t>what happened / what do you want to change?</a:t>
+            </a:r>
+          </a:p>
+          <a:p>
+            <a:pPr/>
+            <a:r>
+              <a:t>Either an object… </a:t>
+            </a:r>
+          </a:p>
+          <a:p>
+            <a:pPr/>
+            <a:r>
+              <a:t>… or a pure function that makes an Object</a:t>
+            </a:r>
+          </a:p>
+        </p:txBody>
+      </p:sp>
     </p:spTree>
   </p:cSld>
   <p:clrMapOvr>
     <a:masterClrMapping/>
   </p:clrMapOvr>
-  <p:transition xmlns:p14="http://schemas.microsoft.com/office/powerpoint/2010/main" spd="med" advClick="1" p14:dur="1000"/>
+  <mc:AlternateContent xmlns:mc="http://schemas.openxmlformats.org/markup-compatibility/2006">
+    <mc:Choice xmlns:p14="http://schemas.microsoft.com/office/powerpoint/2010/main" Requires="p14">
+      <p:transition spd="fast" advClick="1" p14:dur="300">
+        <p:pull dir="l"/>
+      </p:transition>
+    </mc:Choice>
+    <mc:Fallback>
+      <p:transition spd="fast">
+        <p:fade/>
+      </p:transition>
+    </mc:Fallback>
+  </mc:AlternateContent>
 </p:sld>
 </file>
 
@@ -5301,101 +6463,9 @@
           <a:chExt cx="0" cy="0"/>
         </a:xfrm>
       </p:grpSpPr>
-      <p:sp>
-        <p:nvSpPr>
-          <p:cNvPr id="215" name="Shape 215"/>
-          <p:cNvSpPr/>
-          <p:nvPr>
-            <p:ph type="title"/>
-          </p:nvPr>
-        </p:nvSpPr>
-        <p:spPr>
-          <a:prstGeom prst="rect">
-            <a:avLst/>
-          </a:prstGeom>
-        </p:spPr>
-        <p:txBody>
-          <a:bodyPr/>
-          <a:lstStyle/>
-          <a:p>
-            <a:pPr/>
-            <a:r>
-              <a:t>Actions</a:t>
-            </a:r>
-          </a:p>
-        </p:txBody>
-      </p:sp>
-      <p:sp>
-        <p:nvSpPr>
-          <p:cNvPr id="216" name="Shape 216"/>
-          <p:cNvSpPr/>
-          <p:nvPr>
-            <p:ph type="body" idx="1"/>
-          </p:nvPr>
-        </p:nvSpPr>
-        <p:spPr>
-          <a:prstGeom prst="rect">
-            <a:avLst/>
-          </a:prstGeom>
-        </p:spPr>
-        <p:txBody>
-          <a:bodyPr/>
-          <a:lstStyle/>
-          <a:p>
-            <a:pPr/>
-            <a:r>
-              <a:t>what happened / what do you want to change?</a:t>
-            </a:r>
-          </a:p>
-          <a:p>
-            <a:pPr/>
-            <a:r>
-              <a:t>show basic action</a:t>
-            </a:r>
-          </a:p>
-          <a:p>
-            <a:pPr/>
-            <a:r>
-              <a:t>show different types</a:t>
-            </a:r>
-          </a:p>
-          <a:p>
-            <a:pPr/>
-            <a:r>
-              <a:t>show WHY action creators (pure functions)</a:t>
-            </a:r>
-          </a:p>
-        </p:txBody>
-      </p:sp>
-    </p:spTree>
-  </p:cSld>
-  <p:clrMapOvr>
-    <a:masterClrMapping/>
-  </p:clrMapOvr>
-  <p:transition xmlns:p14="http://schemas.microsoft.com/office/powerpoint/2010/main" spd="med" advClick="1" p14:dur="1000"/>
-</p:sld>
-</file>
-
-<file path=ppt/slides/slide41.xml><?xml version="1.0" encoding="utf-8"?>
-<p:sld xmlns:a="http://schemas.openxmlformats.org/drawingml/2006/main" xmlns:r="http://schemas.openxmlformats.org/officeDocument/2006/relationships" xmlns:p="http://schemas.openxmlformats.org/presentationml/2006/main" showMasterSp="1" showMasterPhAnim="1">
-  <p:cSld>
-    <p:spTree>
-      <p:nvGrpSpPr>
-        <p:cNvPr id="1" name=""/>
-        <p:cNvGrpSpPr/>
-        <p:nvPr/>
-      </p:nvGrpSpPr>
-      <p:grpSpPr>
-        <a:xfrm>
-          <a:off x="0" y="0"/>
-          <a:ext cx="0" cy="0"/>
-          <a:chOff x="0" y="0"/>
-          <a:chExt cx="0" cy="0"/>
-        </a:xfrm>
-      </p:grpSpPr>
       <p:pic>
         <p:nvPicPr>
-          <p:cNvPr id="218" name="Screen Shot 2016-09-13 at 5.36.14 PM.png"/>
+          <p:cNvPr id="222" name="Screen Shot 2016-09-13 at 5.36.14 PM.png"/>
           <p:cNvPicPr>
             <a:picLocks noChangeAspect="1"/>
           </p:cNvPicPr>
@@ -5431,117 +6501,7 @@
 </p:sld>
 </file>
 
-<file path=ppt/slides/slide42.xml><?xml version="1.0" encoding="utf-8"?>
-<p:sld xmlns:a="http://schemas.openxmlformats.org/drawingml/2006/main" xmlns:r="http://schemas.openxmlformats.org/officeDocument/2006/relationships" xmlns:p="http://schemas.openxmlformats.org/presentationml/2006/main" showMasterSp="1" showMasterPhAnim="1">
-  <p:cSld>
-    <p:spTree>
-      <p:nvGrpSpPr>
-        <p:cNvPr id="1" name=""/>
-        <p:cNvGrpSpPr/>
-        <p:nvPr/>
-      </p:nvGrpSpPr>
-      <p:grpSpPr>
-        <a:xfrm>
-          <a:off x="0" y="0"/>
-          <a:ext cx="0" cy="0"/>
-          <a:chOff x="0" y="0"/>
-          <a:chExt cx="0" cy="0"/>
-        </a:xfrm>
-      </p:grpSpPr>
-      <p:pic>
-        <p:nvPicPr>
-          <p:cNvPr id="220" name="Screen Shot 2016-09-13 at 5.37.03 PM.png"/>
-          <p:cNvPicPr>
-            <a:picLocks noChangeAspect="1"/>
-          </p:cNvPicPr>
-          <p:nvPr/>
-        </p:nvPicPr>
-        <p:blipFill>
-          <a:blip r:embed="rId2">
-            <a:extLst/>
-          </a:blip>
-          <a:stretch>
-            <a:fillRect/>
-          </a:stretch>
-        </p:blipFill>
-        <p:spPr>
-          <a:xfrm>
-            <a:off x="638435" y="957428"/>
-            <a:ext cx="23107130" cy="11801144"/>
-          </a:xfrm>
-          <a:prstGeom prst="rect">
-            <a:avLst/>
-          </a:prstGeom>
-          <a:ln w="12700">
-            <a:miter lim="400000"/>
-          </a:ln>
-        </p:spPr>
-      </p:pic>
-    </p:spTree>
-  </p:cSld>
-  <p:clrMapOvr>
-    <a:masterClrMapping/>
-  </p:clrMapOvr>
-  <p:transition xmlns:p14="http://schemas.microsoft.com/office/powerpoint/2010/main" spd="med" advClick="1" p14:dur="1000"/>
-</p:sld>
-</file>
-
-<file path=ppt/slides/slide43.xml><?xml version="1.0" encoding="utf-8"?>
-<p:sld xmlns:a="http://schemas.openxmlformats.org/drawingml/2006/main" xmlns:r="http://schemas.openxmlformats.org/officeDocument/2006/relationships" xmlns:p="http://schemas.openxmlformats.org/presentationml/2006/main" showMasterSp="1" showMasterPhAnim="1">
-  <p:cSld>
-    <p:spTree>
-      <p:nvGrpSpPr>
-        <p:cNvPr id="1" name=""/>
-        <p:cNvGrpSpPr/>
-        <p:nvPr/>
-      </p:nvGrpSpPr>
-      <p:grpSpPr>
-        <a:xfrm>
-          <a:off x="0" y="0"/>
-          <a:ext cx="0" cy="0"/>
-          <a:chOff x="0" y="0"/>
-          <a:chExt cx="0" cy="0"/>
-        </a:xfrm>
-      </p:grpSpPr>
-      <p:pic>
-        <p:nvPicPr>
-          <p:cNvPr id="222" name="Screen Shot 2016-09-13 at 6.00.16 PM.png"/>
-          <p:cNvPicPr>
-            <a:picLocks noChangeAspect="1"/>
-          </p:cNvPicPr>
-          <p:nvPr/>
-        </p:nvPicPr>
-        <p:blipFill>
-          <a:blip r:embed="rId2">
-            <a:extLst/>
-          </a:blip>
-          <a:stretch>
-            <a:fillRect/>
-          </a:stretch>
-        </p:blipFill>
-        <p:spPr>
-          <a:xfrm>
-            <a:off x="641932" y="1251347"/>
-            <a:ext cx="23225192" cy="10549172"/>
-          </a:xfrm>
-          <a:prstGeom prst="rect">
-            <a:avLst/>
-          </a:prstGeom>
-          <a:ln w="12700">
-            <a:miter lim="400000"/>
-          </a:ln>
-        </p:spPr>
-      </p:pic>
-    </p:spTree>
-  </p:cSld>
-  <p:clrMapOvr>
-    <a:masterClrMapping/>
-  </p:clrMapOvr>
-  <p:transition xmlns:p14="http://schemas.microsoft.com/office/powerpoint/2010/main" spd="med" advClick="1" p14:dur="1000"/>
-</p:sld>
-</file>
-
-<file path=ppt/slides/slide44.xml><?xml version="1.0" encoding="utf-8"?>
+<file path=ppt/slides/slide41.xml><?xml version="1.0" encoding="utf-8"?>
 <p:sld xmlns:a="http://schemas.openxmlformats.org/drawingml/2006/main" xmlns:r="http://schemas.openxmlformats.org/officeDocument/2006/relationships" xmlns:p="http://schemas.openxmlformats.org/presentationml/2006/main" showMasterSp="1" showMasterPhAnim="1">
   <p:cSld>
     <p:spTree>
@@ -5592,6 +6552,315 @@
   <p:clrMapOvr>
     <a:masterClrMapping/>
   </p:clrMapOvr>
+  <mc:AlternateContent xmlns:mc="http://schemas.openxmlformats.org/markup-compatibility/2006">
+    <mc:Choice xmlns:p14="http://schemas.microsoft.com/office/powerpoint/2010/main" Requires="p14">
+      <p:transition spd="fast" advClick="1" p14:dur="349">
+        <p:pull dir="l"/>
+      </p:transition>
+    </mc:Choice>
+    <mc:Fallback>
+      <p:transition spd="fast">
+        <p:fade/>
+      </p:transition>
+    </mc:Fallback>
+  </mc:AlternateContent>
+</p:sld>
+</file>
+
+<file path=ppt/slides/slide42.xml><?xml version="1.0" encoding="utf-8"?>
+<p:sld xmlns:a="http://schemas.openxmlformats.org/drawingml/2006/main" xmlns:r="http://schemas.openxmlformats.org/officeDocument/2006/relationships" xmlns:p="http://schemas.openxmlformats.org/presentationml/2006/main" showMasterSp="1" showMasterPhAnim="1">
+  <p:cSld>
+    <p:spTree>
+      <p:nvGrpSpPr>
+        <p:cNvPr id="1" name=""/>
+        <p:cNvGrpSpPr/>
+        <p:nvPr/>
+      </p:nvGrpSpPr>
+      <p:grpSpPr>
+        <a:xfrm>
+          <a:off x="0" y="0"/>
+          <a:ext cx="0" cy="0"/>
+          <a:chOff x="0" y="0"/>
+          <a:chExt cx="0" cy="0"/>
+        </a:xfrm>
+      </p:grpSpPr>
+      <p:pic>
+        <p:nvPicPr>
+          <p:cNvPr id="226" name="Screen Shot 2016-09-13 at 6.06.53 PM.png"/>
+          <p:cNvPicPr>
+            <a:picLocks noChangeAspect="1"/>
+          </p:cNvPicPr>
+          <p:nvPr/>
+        </p:nvPicPr>
+        <p:blipFill>
+          <a:blip r:embed="rId2">
+            <a:extLst/>
+          </a:blip>
+          <a:stretch>
+            <a:fillRect/>
+          </a:stretch>
+        </p:blipFill>
+        <p:spPr>
+          <a:xfrm>
+            <a:off x="2945810" y="892083"/>
+            <a:ext cx="17434643" cy="11931834"/>
+          </a:xfrm>
+          <a:prstGeom prst="rect">
+            <a:avLst/>
+          </a:prstGeom>
+          <a:ln w="12700">
+            <a:miter lim="400000"/>
+          </a:ln>
+        </p:spPr>
+      </p:pic>
+    </p:spTree>
+  </p:cSld>
+  <p:clrMapOvr>
+    <a:masterClrMapping/>
+  </p:clrMapOvr>
+  <p:transition xmlns:p14="http://schemas.microsoft.com/office/powerpoint/2010/main" spd="med" advClick="1" p14:dur="1000"/>
+</p:sld>
+</file>
+
+<file path=ppt/slides/slide43.xml><?xml version="1.0" encoding="utf-8"?>
+<p:sld xmlns:a="http://schemas.openxmlformats.org/drawingml/2006/main" xmlns:r="http://schemas.openxmlformats.org/officeDocument/2006/relationships" xmlns:p="http://schemas.openxmlformats.org/presentationml/2006/main" showMasterSp="1" showMasterPhAnim="1">
+  <p:cSld>
+    <p:spTree>
+      <p:nvGrpSpPr>
+        <p:cNvPr id="1" name=""/>
+        <p:cNvGrpSpPr/>
+        <p:nvPr/>
+      </p:nvGrpSpPr>
+      <p:grpSpPr>
+        <a:xfrm>
+          <a:off x="0" y="0"/>
+          <a:ext cx="0" cy="0"/>
+          <a:chOff x="0" y="0"/>
+          <a:chExt cx="0" cy="0"/>
+        </a:xfrm>
+      </p:grpSpPr>
+      <p:sp>
+        <p:nvSpPr>
+          <p:cNvPr id="228" name="Shape 228"/>
+          <p:cNvSpPr/>
+          <p:nvPr>
+            <p:ph type="title"/>
+          </p:nvPr>
+        </p:nvSpPr>
+        <p:spPr>
+          <a:prstGeom prst="rect">
+            <a:avLst/>
+          </a:prstGeom>
+        </p:spPr>
+        <p:txBody>
+          <a:bodyPr/>
+          <a:lstStyle/>
+          <a:p>
+            <a:pPr/>
+            <a:r>
+              <a:t>Reducers</a:t>
+            </a:r>
+          </a:p>
+        </p:txBody>
+      </p:sp>
+      <p:sp>
+        <p:nvSpPr>
+          <p:cNvPr id="229" name="Shape 229"/>
+          <p:cNvSpPr/>
+          <p:nvPr>
+            <p:ph type="body" idx="1"/>
+          </p:nvPr>
+        </p:nvSpPr>
+        <p:spPr>
+          <a:prstGeom prst="rect">
+            <a:avLst/>
+          </a:prstGeom>
+        </p:spPr>
+        <p:txBody>
+          <a:bodyPr/>
+          <a:lstStyle/>
+          <a:p>
+            <a:pPr/>
+            <a:r>
+              <a:t>change your data in response to what happened</a:t>
+            </a:r>
+          </a:p>
+          <a:p>
+            <a:pPr/>
+            <a:r>
+              <a:t>pure as possible</a:t>
+            </a:r>
+          </a:p>
+          <a:p>
+            <a:pPr/>
+            <a:r>
+              <a:t>like Array.reduce</a:t>
+            </a:r>
+          </a:p>
+          <a:p>
+            <a:pPr/>
+            <a:r>
+              <a:t>_.reduce</a:t>
+            </a:r>
+          </a:p>
+        </p:txBody>
+      </p:sp>
+    </p:spTree>
+  </p:cSld>
+  <p:clrMapOvr>
+    <a:masterClrMapping/>
+  </p:clrMapOvr>
+  <mc:AlternateContent xmlns:mc="http://schemas.openxmlformats.org/markup-compatibility/2006">
+    <mc:Choice xmlns:p14="http://schemas.microsoft.com/office/powerpoint/2010/main" Requires="p14">
+      <p:transition spd="fast" advClick="1" p14:dur="349">
+        <p:push dir="l"/>
+      </p:transition>
+    </mc:Choice>
+    <mc:Fallback>
+      <p:transition spd="fast">
+        <p:fade/>
+      </p:transition>
+    </mc:Fallback>
+  </mc:AlternateContent>
+  <p:timing>
+    <p:tnLst>
+      <p:par>
+        <p:cTn id="1" nodeType="tmRoot" restart="never" dur="indefinite" fill="hold">
+          <p:childTnLst>
+            <p:seq concurrent="1" prevAc="none" nextAc="seek">
+              <p:cTn id="2" nodeType="mainSeq" dur="indefinite" fill="hold">
+                <p:childTnLst>
+                  <p:par>
+                    <p:cTn id="3" fill="hold">
+                      <p:stCondLst>
+                        <p:cond delay="indefinite"/>
+                      </p:stCondLst>
+                      <p:childTnLst>
+                        <p:par>
+                          <p:cTn id="4" fill="hold">
+                            <p:stCondLst>
+                              <p:cond delay="0"/>
+                            </p:stCondLst>
+                            <p:childTnLst>
+                              <p:par>
+                                <p:cTn id="5" presetClass="entr" nodeType="clickEffect" presetSubtype="8" presetID="22" grpId="1" fill="hold">
+                                  <p:stCondLst>
+                                    <p:cond delay="0"/>
+                                  </p:stCondLst>
+                                  <p:iterate type="el" backwards="0">
+                                    <p:tmAbs val="0"/>
+                                  </p:iterate>
+                                  <p:childTnLst>
+                                    <p:set>
+                                      <p:cBhvr>
+                                        <p:cTn id="6" fill="hold"/>
+                                        <p:tgtEl>
+                                          <p:spTgt spid="229"/>
+                                        </p:tgtEl>
+                                        <p:attrNameLst>
+                                          <p:attrName>style.visibility</p:attrName>
+                                        </p:attrNameLst>
+                                      </p:cBhvr>
+                                      <p:to>
+                                        <p:strVal val="visible"/>
+                                      </p:to>
+                                    </p:set>
+                                    <p:animEffect filter="wipe(left)" transition="in">
+                                      <p:cBhvr>
+                                        <p:cTn id="7" dur="400"/>
+                                        <p:tgtEl>
+                                          <p:spTgt spid="229"/>
+                                        </p:tgtEl>
+                                      </p:cBhvr>
+                                    </p:animEffect>
+                                  </p:childTnLst>
+                                </p:cTn>
+                              </p:par>
+                            </p:childTnLst>
+                          </p:cTn>
+                        </p:par>
+                      </p:childTnLst>
+                    </p:cTn>
+                  </p:par>
+                </p:childTnLst>
+              </p:cTn>
+              <p:prevCondLst>
+                <p:cond evt="onPrev">
+                  <p:tgtEl>
+                    <p:sldTgt/>
+                  </p:tgtEl>
+                </p:cond>
+              </p:prevCondLst>
+              <p:nextCondLst>
+                <p:cond evt="onNext">
+                  <p:tgtEl>
+                    <p:sldTgt/>
+                  </p:tgtEl>
+                </p:cond>
+              </p:nextCondLst>
+            </p:seq>
+          </p:childTnLst>
+        </p:cTn>
+      </p:par>
+    </p:tnLst>
+    <p:bldLst>
+      <p:bldP build="whole" bldLvl="1" animBg="1" rev="0" advAuto="0" spid="229" grpId="1"/>
+    </p:bldLst>
+  </p:timing>
+</p:sld>
+</file>
+
+<file path=ppt/slides/slide44.xml><?xml version="1.0" encoding="utf-8"?>
+<p:sld xmlns:a="http://schemas.openxmlformats.org/drawingml/2006/main" xmlns:r="http://schemas.openxmlformats.org/officeDocument/2006/relationships" xmlns:p="http://schemas.openxmlformats.org/presentationml/2006/main" showMasterSp="1" showMasterPhAnim="1">
+  <p:cSld>
+    <p:spTree>
+      <p:nvGrpSpPr>
+        <p:cNvPr id="1" name=""/>
+        <p:cNvGrpSpPr/>
+        <p:nvPr/>
+      </p:nvGrpSpPr>
+      <p:grpSpPr>
+        <a:xfrm>
+          <a:off x="0" y="0"/>
+          <a:ext cx="0" cy="0"/>
+          <a:chOff x="0" y="0"/>
+          <a:chExt cx="0" cy="0"/>
+        </a:xfrm>
+      </p:grpSpPr>
+      <p:pic>
+        <p:nvPicPr>
+          <p:cNvPr id="231" name="Screen Shot 2016-09-13 at 6.18.29 PM.png"/>
+          <p:cNvPicPr>
+            <a:picLocks noChangeAspect="1"/>
+          </p:cNvPicPr>
+          <p:nvPr/>
+        </p:nvPicPr>
+        <p:blipFill>
+          <a:blip r:embed="rId2">
+            <a:extLst/>
+          </a:blip>
+          <a:stretch>
+            <a:fillRect/>
+          </a:stretch>
+        </p:blipFill>
+        <p:spPr>
+          <a:xfrm>
+            <a:off x="6083973" y="450660"/>
+            <a:ext cx="13252042" cy="12814680"/>
+          </a:xfrm>
+          <a:prstGeom prst="rect">
+            <a:avLst/>
+          </a:prstGeom>
+          <a:ln w="12700">
+            <a:miter lim="400000"/>
+          </a:ln>
+        </p:spPr>
+      </p:pic>
+    </p:spTree>
+  </p:cSld>
+  <p:clrMapOvr>
+    <a:masterClrMapping/>
+  </p:clrMapOvr>
   <p:transition xmlns:p14="http://schemas.microsoft.com/office/powerpoint/2010/main" spd="med" advClick="1" p14:dur="1000"/>
 </p:sld>
 </file>
@@ -5615,7 +6884,7 @@
       </p:grpSpPr>
       <p:pic>
         <p:nvPicPr>
-          <p:cNvPr id="226" name="Screen Shot 2016-09-13 at 6.01.29 PM.png"/>
+          <p:cNvPr id="233" name="Screen Shot 2016-09-13 at 6.20.53 PM.png"/>
           <p:cNvPicPr>
             <a:picLocks noChangeAspect="1"/>
           </p:cNvPicPr>
@@ -5631,8 +6900,8 @@
         </p:blipFill>
         <p:spPr>
           <a:xfrm>
-            <a:off x="4449003" y="912773"/>
-            <a:ext cx="15485994" cy="12295996"/>
+            <a:off x="5577681" y="332759"/>
+            <a:ext cx="12383364" cy="13050482"/>
           </a:xfrm>
           <a:prstGeom prst="rect">
             <a:avLst/>
@@ -5670,7 +6939,7 @@
       </p:grpSpPr>
       <p:pic>
         <p:nvPicPr>
-          <p:cNvPr id="228" name="Screen Shot 2016-09-13 at 6.01.50 PM.png"/>
+          <p:cNvPr id="235" name="Screen Shot 2016-09-13 at 6.21.19 PM.png"/>
           <p:cNvPicPr>
             <a:picLocks noChangeAspect="1"/>
           </p:cNvPicPr>
@@ -5686,8 +6955,8 @@
         </p:blipFill>
         <p:spPr>
           <a:xfrm>
-            <a:off x="1119074" y="2071687"/>
-            <a:ext cx="22145852" cy="8019898"/>
+            <a:off x="432522" y="4002725"/>
+            <a:ext cx="23518956" cy="7297549"/>
           </a:xfrm>
           <a:prstGeom prst="rect">
             <a:avLst/>
@@ -5697,12 +6966,296 @@
           </a:ln>
         </p:spPr>
       </p:pic>
+      <p:sp>
+        <p:nvSpPr>
+          <p:cNvPr id="236" name="Shape 236"/>
+          <p:cNvSpPr/>
+          <p:nvPr/>
+        </p:nvSpPr>
+        <p:spPr>
+          <a:xfrm>
+            <a:off x="15443200" y="10074969"/>
+            <a:ext cx="8302725" cy="847031"/>
+          </a:xfrm>
+          <a:prstGeom prst="rect">
+            <a:avLst/>
+          </a:prstGeom>
+          <a:ln w="114300">
+            <a:solidFill>
+              <a:schemeClr val="accent3">
+                <a:hueOff val="-499813"/>
+                <a:satOff val="-5228"/>
+                <a:lumOff val="24899"/>
+              </a:schemeClr>
+            </a:solidFill>
+            <a:miter lim="400000"/>
+          </a:ln>
+        </p:spPr>
+        <p:txBody>
+          <a:bodyPr lIns="50800" tIns="50800" rIns="50800" bIns="50800" anchor="ctr"/>
+          <a:lstStyle/>
+          <a:p>
+            <a:pPr>
+              <a:defRPr sz="3600"/>
+            </a:pPr>
+          </a:p>
+        </p:txBody>
+      </p:sp>
+      <p:sp>
+        <p:nvSpPr>
+          <p:cNvPr id="237" name="Shape 237"/>
+          <p:cNvSpPr/>
+          <p:nvPr/>
+        </p:nvSpPr>
+        <p:spPr>
+          <a:xfrm>
+            <a:off x="1397000" y="9274869"/>
+            <a:ext cx="1366044" cy="847031"/>
+          </a:xfrm>
+          <a:prstGeom prst="rect">
+            <a:avLst/>
+          </a:prstGeom>
+          <a:ln w="114300">
+            <a:solidFill>
+              <a:schemeClr val="accent3">
+                <a:hueOff val="-499813"/>
+                <a:satOff val="-5228"/>
+                <a:lumOff val="24899"/>
+              </a:schemeClr>
+            </a:solidFill>
+            <a:miter lim="400000"/>
+          </a:ln>
+        </p:spPr>
+        <p:txBody>
+          <a:bodyPr lIns="50800" tIns="50800" rIns="50800" bIns="50800" anchor="ctr"/>
+          <a:lstStyle/>
+          <a:p>
+            <a:pPr>
+              <a:defRPr sz="3600"/>
+            </a:pPr>
+          </a:p>
+        </p:txBody>
+      </p:sp>
     </p:spTree>
   </p:cSld>
   <p:clrMapOvr>
     <a:masterClrMapping/>
   </p:clrMapOvr>
   <p:transition xmlns:p14="http://schemas.microsoft.com/office/powerpoint/2010/main" spd="med" advClick="1" p14:dur="1000"/>
+  <p:timing>
+    <p:tnLst>
+      <p:par>
+        <p:cTn id="1" nodeType="tmRoot" restart="never" dur="indefinite" fill="hold">
+          <p:childTnLst>
+            <p:seq concurrent="1" prevAc="none" nextAc="seek">
+              <p:cTn id="2" nodeType="mainSeq" dur="indefinite" fill="hold">
+                <p:childTnLst>
+                  <p:par>
+                    <p:cTn id="3" fill="hold">
+                      <p:stCondLst>
+                        <p:cond delay="indefinite"/>
+                      </p:stCondLst>
+                      <p:childTnLst>
+                        <p:par>
+                          <p:cTn id="4" fill="hold">
+                            <p:stCondLst>
+                              <p:cond delay="0"/>
+                            </p:stCondLst>
+                            <p:childTnLst>
+                              <p:par>
+                                <p:cTn id="5" presetClass="entr" nodeType="clickEffect" presetSubtype="1" presetID="2" grpId="1" fill="hold">
+                                  <p:stCondLst>
+                                    <p:cond delay="0"/>
+                                  </p:stCondLst>
+                                  <p:iterate type="el" backwards="0">
+                                    <p:tmAbs val="0"/>
+                                  </p:iterate>
+                                  <p:childTnLst>
+                                    <p:set>
+                                      <p:cBhvr>
+                                        <p:cTn id="6" fill="hold"/>
+                                        <p:tgtEl>
+                                          <p:spTgt spid="237"/>
+                                        </p:tgtEl>
+                                        <p:attrNameLst>
+                                          <p:attrName>style.visibility</p:attrName>
+                                        </p:attrNameLst>
+                                      </p:cBhvr>
+                                      <p:to>
+                                        <p:strVal val="visible"/>
+                                      </p:to>
+                                    </p:set>
+                                    <p:anim calcmode="lin" valueType="num">
+                                      <p:cBhvr>
+                                        <p:cTn id="7" dur="499" fill="hold"/>
+                                        <p:tgtEl>
+                                          <p:spTgt spid="237"/>
+                                        </p:tgtEl>
+                                        <p:attrNameLst>
+                                          <p:attrName>ppt_x</p:attrName>
+                                        </p:attrNameLst>
+                                      </p:cBhvr>
+                                      <p:tavLst>
+                                        <p:tav tm="0">
+                                          <p:val>
+                                            <p:strVal val="#ppt_x"/>
+                                          </p:val>
+                                        </p:tav>
+                                        <p:tav tm="100000">
+                                          <p:val>
+                                            <p:strVal val="#ppt_x"/>
+                                          </p:val>
+                                        </p:tav>
+                                      </p:tavLst>
+                                    </p:anim>
+                                    <p:anim calcmode="lin" valueType="num">
+                                      <p:cBhvr>
+                                        <p:cTn id="8" dur="499" fill="hold"/>
+                                        <p:tgtEl>
+                                          <p:spTgt spid="237"/>
+                                        </p:tgtEl>
+                                        <p:attrNameLst>
+                                          <p:attrName>ppt_y</p:attrName>
+                                        </p:attrNameLst>
+                                      </p:cBhvr>
+                                      <p:tavLst>
+                                        <p:tav tm="0">
+                                          <p:val>
+                                            <p:strVal val="0-#ppt_h/2"/>
+                                          </p:val>
+                                        </p:tav>
+                                        <p:tav tm="100000">
+                                          <p:val>
+                                            <p:strVal val="#ppt_y"/>
+                                          </p:val>
+                                        </p:tav>
+                                      </p:tavLst>
+                                    </p:anim>
+                                  </p:childTnLst>
+                                </p:cTn>
+                              </p:par>
+                            </p:childTnLst>
+                          </p:cTn>
+                        </p:par>
+                      </p:childTnLst>
+                    </p:cTn>
+                  </p:par>
+                  <p:par>
+                    <p:cTn id="9" fill="hold">
+                      <p:stCondLst>
+                        <p:cond delay="indefinite"/>
+                      </p:stCondLst>
+                      <p:childTnLst>
+                        <p:par>
+                          <p:cTn id="10" fill="hold">
+                            <p:stCondLst>
+                              <p:cond delay="0"/>
+                            </p:stCondLst>
+                            <p:childTnLst>
+                              <p:par>
+                                <p:cTn id="11" presetClass="entr" nodeType="clickEffect" presetSubtype="1" presetID="2" grpId="2" fill="hold">
+                                  <p:stCondLst>
+                                    <p:cond delay="0"/>
+                                  </p:stCondLst>
+                                  <p:iterate type="el" backwards="0">
+                                    <p:tmAbs val="0"/>
+                                  </p:iterate>
+                                  <p:childTnLst>
+                                    <p:set>
+                                      <p:cBhvr>
+                                        <p:cTn id="12" fill="hold"/>
+                                        <p:tgtEl>
+                                          <p:spTgt spid="236"/>
+                                        </p:tgtEl>
+                                        <p:attrNameLst>
+                                          <p:attrName>style.visibility</p:attrName>
+                                        </p:attrNameLst>
+                                      </p:cBhvr>
+                                      <p:to>
+                                        <p:strVal val="visible"/>
+                                      </p:to>
+                                    </p:set>
+                                    <p:anim calcmode="lin" valueType="num">
+                                      <p:cBhvr>
+                                        <p:cTn id="13" dur="499" fill="hold"/>
+                                        <p:tgtEl>
+                                          <p:spTgt spid="236"/>
+                                        </p:tgtEl>
+                                        <p:attrNameLst>
+                                          <p:attrName>ppt_x</p:attrName>
+                                        </p:attrNameLst>
+                                      </p:cBhvr>
+                                      <p:tavLst>
+                                        <p:tav tm="0">
+                                          <p:val>
+                                            <p:strVal val="#ppt_x"/>
+                                          </p:val>
+                                        </p:tav>
+                                        <p:tav tm="100000">
+                                          <p:val>
+                                            <p:strVal val="#ppt_x"/>
+                                          </p:val>
+                                        </p:tav>
+                                      </p:tavLst>
+                                    </p:anim>
+                                    <p:anim calcmode="lin" valueType="num">
+                                      <p:cBhvr>
+                                        <p:cTn id="14" dur="499" fill="hold"/>
+                                        <p:tgtEl>
+                                          <p:spTgt spid="236"/>
+                                        </p:tgtEl>
+                                        <p:attrNameLst>
+                                          <p:attrName>ppt_y</p:attrName>
+                                        </p:attrNameLst>
+                                      </p:cBhvr>
+                                      <p:tavLst>
+                                        <p:tav tm="0">
+                                          <p:val>
+                                            <p:strVal val="0-#ppt_h/2"/>
+                                          </p:val>
+                                        </p:tav>
+                                        <p:tav tm="100000">
+                                          <p:val>
+                                            <p:strVal val="#ppt_y"/>
+                                          </p:val>
+                                        </p:tav>
+                                      </p:tavLst>
+                                    </p:anim>
+                                  </p:childTnLst>
+                                </p:cTn>
+                              </p:par>
+                            </p:childTnLst>
+                          </p:cTn>
+                        </p:par>
+                      </p:childTnLst>
+                    </p:cTn>
+                  </p:par>
+                </p:childTnLst>
+              </p:cTn>
+              <p:prevCondLst>
+                <p:cond evt="onPrev">
+                  <p:tgtEl>
+                    <p:sldTgt/>
+                  </p:tgtEl>
+                </p:cond>
+              </p:prevCondLst>
+              <p:nextCondLst>
+                <p:cond evt="onNext">
+                  <p:tgtEl>
+                    <p:sldTgt/>
+                  </p:tgtEl>
+                </p:cond>
+              </p:nextCondLst>
+            </p:seq>
+          </p:childTnLst>
+        </p:cTn>
+      </p:par>
+    </p:tnLst>
+    <p:bldLst>
+      <p:bldP build="whole" bldLvl="1" animBg="1" rev="0" advAuto="0" spid="237" grpId="1"/>
+      <p:bldP build="whole" bldLvl="1" animBg="1" rev="0" advAuto="0" spid="236" grpId="2"/>
+    </p:bldLst>
+  </p:timing>
 </p:sld>
 </file>
 
@@ -5725,7 +7278,7 @@
       </p:grpSpPr>
       <p:pic>
         <p:nvPicPr>
-          <p:cNvPr id="230" name="Screen Shot 2016-09-13 at 6.06.53 PM.png"/>
+          <p:cNvPr id="239" name="Screen Shot 2016-09-13 at 6.25.31 PM.png"/>
           <p:cNvPicPr>
             <a:picLocks noChangeAspect="1"/>
           </p:cNvPicPr>
@@ -5741,8 +7294,8 @@
         </p:blipFill>
         <p:spPr>
           <a:xfrm>
-            <a:off x="2945810" y="892083"/>
-            <a:ext cx="17434643" cy="11931834"/>
+            <a:off x="3645914" y="322269"/>
+            <a:ext cx="17648206" cy="13071462"/>
           </a:xfrm>
           <a:prstGeom prst="rect">
             <a:avLst/>
@@ -5778,72 +7331,35 @@
           <a:chExt cx="0" cy="0"/>
         </a:xfrm>
       </p:grpSpPr>
-      <p:sp>
-        <p:nvSpPr>
-          <p:cNvPr id="232" name="Shape 232"/>
-          <p:cNvSpPr/>
-          <p:nvPr>
-            <p:ph type="title"/>
-          </p:nvPr>
-        </p:nvSpPr>
-        <p:spPr>
-          <a:prstGeom prst="rect">
-            <a:avLst/>
-          </a:prstGeom>
-        </p:spPr>
-        <p:txBody>
-          <a:bodyPr/>
-          <a:lstStyle/>
-          <a:p>
-            <a:pPr/>
-            <a:r>
-              <a:t>Reducers</a:t>
-            </a:r>
-          </a:p>
-        </p:txBody>
-      </p:sp>
-      <p:sp>
-        <p:nvSpPr>
-          <p:cNvPr id="233" name="Shape 233"/>
-          <p:cNvSpPr/>
-          <p:nvPr>
-            <p:ph type="body" idx="1"/>
-          </p:nvPr>
-        </p:nvSpPr>
-        <p:spPr>
-          <a:prstGeom prst="rect">
-            <a:avLst/>
-          </a:prstGeom>
-        </p:spPr>
-        <p:txBody>
-          <a:bodyPr/>
-          <a:lstStyle/>
-          <a:p>
-            <a:pPr/>
-            <a:r>
-              <a:t>change your data in response to what happened</a:t>
-            </a:r>
-          </a:p>
-          <a:p>
-            <a:pPr/>
-            <a:r>
-              <a:t>pure as possible</a:t>
-            </a:r>
-          </a:p>
-          <a:p>
-            <a:pPr/>
-            <a:r>
-              <a:t>like Array.reduce</a:t>
-            </a:r>
-          </a:p>
-          <a:p>
-            <a:pPr/>
-            <a:r>
-              <a:t>_.reduce</a:t>
-            </a:r>
-          </a:p>
-        </p:txBody>
-      </p:sp>
+      <p:pic>
+        <p:nvPicPr>
+          <p:cNvPr id="241" name="Screen Shot 2016-09-16 at 10.58.23 AM.png"/>
+          <p:cNvPicPr>
+            <a:picLocks noChangeAspect="1"/>
+          </p:cNvPicPr>
+          <p:nvPr/>
+        </p:nvPicPr>
+        <p:blipFill>
+          <a:blip r:embed="rId2">
+            <a:extLst/>
+          </a:blip>
+          <a:stretch>
+            <a:fillRect/>
+          </a:stretch>
+        </p:blipFill>
+        <p:spPr>
+          <a:xfrm>
+            <a:off x="6209186" y="132138"/>
+            <a:ext cx="12200709" cy="13716001"/>
+          </a:xfrm>
+          <a:prstGeom prst="rect">
+            <a:avLst/>
+          </a:prstGeom>
+          <a:ln w="12700">
+            <a:miter lim="400000"/>
+          </a:ln>
+        </p:spPr>
+      </p:pic>
     </p:spTree>
   </p:cSld>
   <p:clrMapOvr>
@@ -5872,7 +7388,7 @@
       </p:grpSpPr>
       <p:pic>
         <p:nvPicPr>
-          <p:cNvPr id="235" name="Screen Shot 2016-09-13 at 6.18.29 PM.png"/>
+          <p:cNvPr id="243" name="Screen Shot 2016-09-16 at 10.58.52 AM.png"/>
           <p:cNvPicPr>
             <a:picLocks noChangeAspect="1"/>
           </p:cNvPicPr>
@@ -5888,8 +7404,8 @@
         </p:blipFill>
         <p:spPr>
           <a:xfrm>
-            <a:off x="6083973" y="450660"/>
-            <a:ext cx="13252042" cy="12814680"/>
+            <a:off x="5690633" y="302114"/>
+            <a:ext cx="13292780" cy="13404250"/>
           </a:xfrm>
           <a:prstGeom prst="rect">
             <a:avLst/>
@@ -6007,7 +7523,7 @@
       </p:grpSpPr>
       <p:pic>
         <p:nvPicPr>
-          <p:cNvPr id="237" name="Screen Shot 2016-09-13 at 6.20.53 PM.png"/>
+          <p:cNvPr id="245" name="Screen Shot 2016-09-13 at 6.31.24 PM.png"/>
           <p:cNvPicPr>
             <a:picLocks noChangeAspect="1"/>
           </p:cNvPicPr>
@@ -6023,8 +7539,8 @@
         </p:blipFill>
         <p:spPr>
           <a:xfrm>
-            <a:off x="5577681" y="332759"/>
-            <a:ext cx="12383364" cy="13050482"/>
+            <a:off x="3742134" y="390723"/>
+            <a:ext cx="17481966" cy="24684835"/>
           </a:xfrm>
           <a:prstGeom prst="rect">
             <a:avLst/>
@@ -6062,7 +7578,7 @@
       </p:grpSpPr>
       <p:pic>
         <p:nvPicPr>
-          <p:cNvPr id="239" name="Screen Shot 2016-09-13 at 6.21.19 PM.png"/>
+          <p:cNvPr id="247" name="Screen Shot 2016-09-13 at 5.05.05 PM.png"/>
           <p:cNvPicPr>
             <a:picLocks noChangeAspect="1"/>
           </p:cNvPicPr>
@@ -6077,9 +7593,9 @@
           </a:stretch>
         </p:blipFill>
         <p:spPr>
-          <a:xfrm>
-            <a:off x="432522" y="4002725"/>
-            <a:ext cx="23518956" cy="7297549"/>
+          <a:xfrm rot="7799604">
+            <a:off x="2945209" y="-946746"/>
+            <a:ext cx="19672329" cy="22660531"/>
           </a:xfrm>
           <a:prstGeom prst="rect">
             <a:avLst/>
@@ -6095,6 +7611,175 @@
     <a:masterClrMapping/>
   </p:clrMapOvr>
   <p:transition xmlns:p14="http://schemas.microsoft.com/office/powerpoint/2010/main" spd="med" advClick="1" p14:dur="1000"/>
+  <p:timing>
+    <p:tnLst>
+      <p:par>
+        <p:cTn id="1" nodeType="tmRoot" restart="never" dur="indefinite" fill="hold">
+          <p:childTnLst>
+            <p:seq concurrent="1" prevAc="none" nextAc="seek">
+              <p:cTn id="2" nodeType="mainSeq" dur="indefinite" fill="hold">
+                <p:childTnLst>
+                  <p:par>
+                    <p:cTn id="3" fill="hold">
+                      <p:stCondLst>
+                        <p:cond delay="indefinite"/>
+                      </p:stCondLst>
+                      <p:childTnLst>
+                        <p:par>
+                          <p:cTn id="4" fill="hold">
+                            <p:stCondLst>
+                              <p:cond delay="0"/>
+                            </p:stCondLst>
+                            <p:childTnLst>
+                              <p:par>
+                                <p:cTn id="5" presetClass="entr" nodeType="clickEffect" presetSubtype="0" presetID="15" grpId="1" fill="hold">
+                                  <p:stCondLst>
+                                    <p:cond delay="0"/>
+                                  </p:stCondLst>
+                                  <p:iterate type="el" backwards="0">
+                                    <p:tmAbs val="0"/>
+                                  </p:iterate>
+                                  <p:childTnLst>
+                                    <p:set>
+                                      <p:cBhvr>
+                                        <p:cTn id="6" fill="hold"/>
+                                        <p:tgtEl>
+                                          <p:spTgt spid="247"/>
+                                        </p:tgtEl>
+                                        <p:attrNameLst>
+                                          <p:attrName>style.visibility</p:attrName>
+                                        </p:attrNameLst>
+                                      </p:cBhvr>
+                                      <p:to>
+                                        <p:strVal val="visible"/>
+                                      </p:to>
+                                    </p:set>
+                                    <p:anim calcmode="lin" valueType="num">
+                                      <p:cBhvr>
+                                        <p:cTn id="7" dur="1000" fill="hold"/>
+                                        <p:tgtEl>
+                                          <p:spTgt spid="247"/>
+                                        </p:tgtEl>
+                                        <p:attrNameLst>
+                                          <p:attrName>ppt_w</p:attrName>
+                                        </p:attrNameLst>
+                                      </p:cBhvr>
+                                      <p:tavLst>
+                                        <p:tav tm="0">
+                                          <p:val>
+                                            <p:fltVal val="0"/>
+                                          </p:val>
+                                        </p:tav>
+                                        <p:tav tm="100000">
+                                          <p:val>
+                                            <p:strVal val="#ppt_w"/>
+                                          </p:val>
+                                        </p:tav>
+                                      </p:tavLst>
+                                    </p:anim>
+                                    <p:anim calcmode="lin" valueType="num">
+                                      <p:cBhvr>
+                                        <p:cTn id="8" dur="1000" fill="hold"/>
+                                        <p:tgtEl>
+                                          <p:spTgt spid="247"/>
+                                        </p:tgtEl>
+                                        <p:attrNameLst>
+                                          <p:attrName>ppt_h</p:attrName>
+                                        </p:attrNameLst>
+                                      </p:cBhvr>
+                                      <p:tavLst>
+                                        <p:tav tm="0">
+                                          <p:val>
+                                            <p:fltVal val="0"/>
+                                          </p:val>
+                                        </p:tav>
+                                        <p:tav tm="100000">
+                                          <p:val>
+                                            <p:strVal val="#ppt_h"/>
+                                          </p:val>
+                                        </p:tav>
+                                      </p:tavLst>
+                                    </p:anim>
+                                    <p:anim calcmode="lin" valueType="num">
+                                      <p:cBhvr>
+                                        <p:cTn id="9" dur="1000" fill="hold"/>
+                                        <p:tgtEl>
+                                          <p:spTgt spid="247"/>
+                                        </p:tgtEl>
+                                        <p:attrNameLst>
+                                          <p:attrName>ppt_x</p:attrName>
+                                        </p:attrNameLst>
+                                      </p:cBhvr>
+                                      <p:tavLst>
+                                        <p:tav tm="0" fmla="#ppt_x+(cos(-2*pi*(1-$))*-#ppt_x-sin(-2*pi*(1-$))*(1-#ppt_y))*(1-$)">
+                                          <p:val>
+                                            <p:fltVal val="0"/>
+                                          </p:val>
+                                        </p:tav>
+                                        <p:tav tm="100000">
+                                          <p:val>
+                                            <p:fltVal val="1"/>
+                                          </p:val>
+                                        </p:tav>
+                                      </p:tavLst>
+                                    </p:anim>
+                                    <p:anim calcmode="lin" valueType="num">
+                                      <p:cBhvr>
+                                        <p:cTn id="10" dur="1000" fill="hold"/>
+                                        <p:tgtEl>
+                                          <p:spTgt spid="247"/>
+                                        </p:tgtEl>
+                                        <p:attrNameLst>
+                                          <p:attrName>ppt_y</p:attrName>
+                                        </p:attrNameLst>
+                                      </p:cBhvr>
+                                      <p:tavLst>
+                                        <p:tav tm="0" fmla="#ppt_y+(sin(-2*pi*(1-$))*-#ppt_x+cos(-2*pi*(1-$))*(1-#ppt_y))*(1-$)">
+                                          <p:val>
+                                            <p:fltVal val="0"/>
+                                          </p:val>
+                                        </p:tav>
+                                        <p:tav tm="100000">
+                                          <p:val>
+                                            <p:fltVal val="1"/>
+                                          </p:val>
+                                        </p:tav>
+                                      </p:tavLst>
+                                    </p:anim>
+                                  </p:childTnLst>
+                                </p:cTn>
+                              </p:par>
+                            </p:childTnLst>
+                          </p:cTn>
+                        </p:par>
+                      </p:childTnLst>
+                    </p:cTn>
+                  </p:par>
+                </p:childTnLst>
+              </p:cTn>
+              <p:prevCondLst>
+                <p:cond evt="onPrev">
+                  <p:tgtEl>
+                    <p:sldTgt/>
+                  </p:tgtEl>
+                </p:cond>
+              </p:prevCondLst>
+              <p:nextCondLst>
+                <p:cond evt="onNext">
+                  <p:tgtEl>
+                    <p:sldTgt/>
+                  </p:tgtEl>
+                </p:cond>
+              </p:nextCondLst>
+            </p:seq>
+          </p:childTnLst>
+        </p:cTn>
+      </p:par>
+    </p:tnLst>
+    <p:bldLst>
+      <p:bldP build="whole" bldLvl="1" animBg="1" rev="0" advAuto="0" spid="247" grpId="1"/>
+    </p:bldLst>
+  </p:timing>
 </p:sld>
 </file>
 
@@ -6117,7 +7802,7 @@
       </p:grpSpPr>
       <p:pic>
         <p:nvPicPr>
-          <p:cNvPr id="241" name="Screen Shot 2016-09-13 at 6.17.36 PM.png"/>
+          <p:cNvPr id="249" name="Screen Shot 2016-09-13 at 6.57.46 PM.png"/>
           <p:cNvPicPr>
             <a:picLocks noChangeAspect="1"/>
           </p:cNvPicPr>
@@ -6133,8 +7818,8 @@
         </p:blipFill>
         <p:spPr>
           <a:xfrm>
-            <a:off x="987624" y="4300484"/>
-            <a:ext cx="21070219" cy="7061066"/>
+            <a:off x="542430" y="1180769"/>
+            <a:ext cx="22275142" cy="11859451"/>
           </a:xfrm>
           <a:prstGeom prst="rect">
             <a:avLst/>
@@ -6172,7 +7857,7 @@
       </p:grpSpPr>
       <p:pic>
         <p:nvPicPr>
-          <p:cNvPr id="243" name="Screen Shot 2016-09-13 at 6.25.31 PM.png"/>
+          <p:cNvPr id="251" name="Screen Shot 2016-09-13 at 5.05.05 PM.png"/>
           <p:cNvPicPr>
             <a:picLocks noChangeAspect="1"/>
           </p:cNvPicPr>
@@ -6188,8 +7873,8 @@
         </p:blipFill>
         <p:spPr>
           <a:xfrm>
-            <a:off x="3645914" y="322269"/>
-            <a:ext cx="17648206" cy="13071462"/>
+            <a:off x="5929696" y="-355540"/>
+            <a:ext cx="12695628" cy="14624077"/>
           </a:xfrm>
           <a:prstGeom prst="rect">
             <a:avLst/>
@@ -6204,7 +7889,18 @@
   <p:clrMapOvr>
     <a:masterClrMapping/>
   </p:clrMapOvr>
-  <p:transition xmlns:p14="http://schemas.microsoft.com/office/powerpoint/2010/main" spd="med" advClick="1" p14:dur="1000"/>
+  <mc:AlternateContent xmlns:mc="http://schemas.openxmlformats.org/markup-compatibility/2006">
+    <mc:Choice xmlns:p14="http://schemas.microsoft.com/office/powerpoint/2010/main" Requires="p14">
+      <p:transition spd="fast" advClick="1" p14:dur="699">
+        <p:cover dir="l"/>
+      </p:transition>
+    </mc:Choice>
+    <mc:Fallback>
+      <p:transition spd="fast">
+        <p:fade/>
+      </p:transition>
+    </mc:Fallback>
+  </mc:AlternateContent>
 </p:sld>
 </file>
 
@@ -6225,41 +7921,455 @@
           <a:chExt cx="0" cy="0"/>
         </a:xfrm>
       </p:grpSpPr>
-      <p:pic>
-        <p:nvPicPr>
-          <p:cNvPr id="245" name="Screen Shot 2016-09-13 at 6.32.02 PM.png"/>
-          <p:cNvPicPr>
-            <a:picLocks noChangeAspect="1"/>
-          </p:cNvPicPr>
-          <p:nvPr/>
-        </p:nvPicPr>
-        <p:blipFill>
-          <a:blip r:embed="rId2">
-            <a:extLst/>
-          </a:blip>
-          <a:stretch>
-            <a:fillRect/>
-          </a:stretch>
-        </p:blipFill>
-        <p:spPr>
-          <a:xfrm>
-            <a:off x="5345338" y="70875"/>
-            <a:ext cx="13693323" cy="13574250"/>
-          </a:xfrm>
-          <a:prstGeom prst="rect">
-            <a:avLst/>
-          </a:prstGeom>
-          <a:ln w="12700">
-            <a:miter lim="400000"/>
-          </a:ln>
-        </p:spPr>
-      </p:pic>
+      <p:sp>
+        <p:nvSpPr>
+          <p:cNvPr id="253" name="Shape 253"/>
+          <p:cNvSpPr/>
+          <p:nvPr>
+            <p:ph type="title"/>
+          </p:nvPr>
+        </p:nvSpPr>
+        <p:spPr>
+          <a:prstGeom prst="rect">
+            <a:avLst/>
+          </a:prstGeom>
+        </p:spPr>
+        <p:txBody>
+          <a:bodyPr/>
+          <a:lstStyle/>
+          <a:p>
+            <a:pPr/>
+            <a:r>
+              <a:t>Store</a:t>
+            </a:r>
+          </a:p>
+        </p:txBody>
+      </p:sp>
+      <p:sp>
+        <p:nvSpPr>
+          <p:cNvPr id="254" name="Shape 254"/>
+          <p:cNvSpPr/>
+          <p:nvPr>
+            <p:ph type="body" idx="1"/>
+          </p:nvPr>
+        </p:nvSpPr>
+        <p:spPr>
+          <a:prstGeom prst="rect">
+            <a:avLst/>
+          </a:prstGeom>
+        </p:spPr>
+        <p:txBody>
+          <a:bodyPr/>
+          <a:lstStyle/>
+          <a:p>
+            <a:pPr/>
+            <a:r>
+              <a:t>holds your state. There is only 1.</a:t>
+            </a:r>
+          </a:p>
+          <a:p>
+            <a:pPr/>
+            <a:r>
+              <a:t>you access it through getState (kinda pure)</a:t>
+            </a:r>
+          </a:p>
+          <a:p>
+            <a:pPr/>
+            <a:r>
+              <a:t>update state via dispatch(action)</a:t>
+            </a:r>
+          </a:p>
+          <a:p>
+            <a:pPr/>
+            <a:r>
+              <a:t>for views/GUI, listen via subscribe(listener)</a:t>
+            </a:r>
+          </a:p>
+          <a:p>
+            <a:pPr/>
+            <a:r>
+              <a:t>can set default state via 2nd param of createStore</a:t>
+            </a:r>
+          </a:p>
+        </p:txBody>
+      </p:sp>
     </p:spTree>
   </p:cSld>
   <p:clrMapOvr>
     <a:masterClrMapping/>
   </p:clrMapOvr>
   <p:transition xmlns:p14="http://schemas.microsoft.com/office/powerpoint/2010/main" spd="med" advClick="1" p14:dur="1000"/>
+  <p:timing>
+    <p:tnLst>
+      <p:par>
+        <p:cTn id="1" nodeType="tmRoot" restart="never" dur="indefinite" fill="hold">
+          <p:childTnLst>
+            <p:seq concurrent="1" prevAc="none" nextAc="seek">
+              <p:cTn id="2" nodeType="mainSeq" dur="indefinite" fill="hold">
+                <p:childTnLst>
+                  <p:par>
+                    <p:cTn id="3" fill="hold">
+                      <p:stCondLst>
+                        <p:cond delay="indefinite"/>
+                      </p:stCondLst>
+                      <p:childTnLst>
+                        <p:par>
+                          <p:cTn id="4" fill="hold">
+                            <p:stCondLst>
+                              <p:cond delay="0"/>
+                            </p:stCondLst>
+                            <p:childTnLst>
+                              <p:par>
+                                <p:cTn id="5" presetClass="entr" nodeType="clickEffect" presetID="9" grpId="1" fill="hold">
+                                  <p:stCondLst>
+                                    <p:cond delay="0"/>
+                                  </p:stCondLst>
+                                  <p:iterate type="el" backwards="0">
+                                    <p:tmAbs val="0"/>
+                                  </p:iterate>
+                                  <p:childTnLst>
+                                    <p:set>
+                                      <p:cBhvr>
+                                        <p:cTn id="6" fill="hold"/>
+                                        <p:tgtEl>
+                                          <p:spTgt spid="254">
+                                            <p:bg/>
+                                          </p:spTgt>
+                                        </p:tgtEl>
+                                        <p:attrNameLst>
+                                          <p:attrName>style.visibility</p:attrName>
+                                        </p:attrNameLst>
+                                      </p:cBhvr>
+                                      <p:to>
+                                        <p:strVal val="visible"/>
+                                      </p:to>
+                                    </p:set>
+                                    <p:animEffect filter="dissolve" transition="in">
+                                      <p:cBhvr>
+                                        <p:cTn id="7" dur="300"/>
+                                        <p:tgtEl>
+                                          <p:spTgt spid="254">
+                                            <p:bg/>
+                                          </p:spTgt>
+                                        </p:tgtEl>
+                                      </p:cBhvr>
+                                    </p:animEffect>
+                                  </p:childTnLst>
+                                </p:cTn>
+                              </p:par>
+                              <p:par>
+                                <p:cTn id="8" presetClass="entr" nodeType="withEffect" presetSubtype="0" presetID="9" grpId="1" fill="hold">
+                                  <p:stCondLst>
+                                    <p:cond delay="0"/>
+                                  </p:stCondLst>
+                                  <p:iterate type="el" backwards="0">
+                                    <p:tmAbs val="0"/>
+                                  </p:iterate>
+                                  <p:childTnLst>
+                                    <p:set>
+                                      <p:cBhvr>
+                                        <p:cTn id="9" fill="hold"/>
+                                        <p:tgtEl>
+                                          <p:spTgt spid="254">
+                                            <p:txEl>
+                                              <p:pRg st="0" end="0"/>
+                                            </p:txEl>
+                                          </p:spTgt>
+                                        </p:tgtEl>
+                                        <p:attrNameLst>
+                                          <p:attrName>style.visibility</p:attrName>
+                                        </p:attrNameLst>
+                                      </p:cBhvr>
+                                      <p:to>
+                                        <p:strVal val="visible"/>
+                                      </p:to>
+                                    </p:set>
+                                    <p:animEffect filter="dissolve" transition="in">
+                                      <p:cBhvr>
+                                        <p:cTn id="10" dur="300"/>
+                                        <p:tgtEl>
+                                          <p:spTgt spid="254">
+                                            <p:txEl>
+                                              <p:pRg st="0" end="0"/>
+                                            </p:txEl>
+                                          </p:spTgt>
+                                        </p:tgtEl>
+                                      </p:cBhvr>
+                                    </p:animEffect>
+                                  </p:childTnLst>
+                                </p:cTn>
+                              </p:par>
+                            </p:childTnLst>
+                          </p:cTn>
+                        </p:par>
+                      </p:childTnLst>
+                    </p:cTn>
+                  </p:par>
+                  <p:par>
+                    <p:cTn id="11" fill="hold">
+                      <p:stCondLst>
+                        <p:cond delay="indefinite"/>
+                      </p:stCondLst>
+                      <p:childTnLst>
+                        <p:par>
+                          <p:cTn id="12" fill="hold">
+                            <p:stCondLst>
+                              <p:cond delay="0"/>
+                            </p:stCondLst>
+                            <p:childTnLst>
+                              <p:par>
+                                <p:cTn id="13" presetClass="entr" nodeType="clickEffect" presetID="9" grpId="1" fill="hold">
+                                  <p:stCondLst>
+                                    <p:cond delay="0"/>
+                                  </p:stCondLst>
+                                  <p:iterate type="el" backwards="0">
+                                    <p:tmAbs val="0"/>
+                                  </p:iterate>
+                                  <p:childTnLst>
+                                    <p:set>
+                                      <p:cBhvr>
+                                        <p:cTn id="14" fill="hold"/>
+                                        <p:tgtEl>
+                                          <p:spTgt spid="254">
+                                            <p:txEl>
+                                              <p:pRg st="1" end="1"/>
+                                            </p:txEl>
+                                          </p:spTgt>
+                                        </p:tgtEl>
+                                        <p:attrNameLst>
+                                          <p:attrName>style.visibility</p:attrName>
+                                        </p:attrNameLst>
+                                      </p:cBhvr>
+                                      <p:to>
+                                        <p:strVal val="visible"/>
+                                      </p:to>
+                                    </p:set>
+                                    <p:animEffect filter="dissolve" transition="in">
+                                      <p:cBhvr>
+                                        <p:cTn id="15" dur="300"/>
+                                        <p:tgtEl>
+                                          <p:spTgt spid="254">
+                                            <p:txEl>
+                                              <p:pRg st="1" end="1"/>
+                                            </p:txEl>
+                                          </p:spTgt>
+                                        </p:tgtEl>
+                                      </p:cBhvr>
+                                    </p:animEffect>
+                                  </p:childTnLst>
+                                </p:cTn>
+                              </p:par>
+                            </p:childTnLst>
+                          </p:cTn>
+                        </p:par>
+                      </p:childTnLst>
+                    </p:cTn>
+                  </p:par>
+                  <p:par>
+                    <p:cTn id="16" fill="hold">
+                      <p:stCondLst>
+                        <p:cond delay="indefinite"/>
+                      </p:stCondLst>
+                      <p:childTnLst>
+                        <p:par>
+                          <p:cTn id="17" fill="hold">
+                            <p:stCondLst>
+                              <p:cond delay="0"/>
+                            </p:stCondLst>
+                            <p:childTnLst>
+                              <p:par>
+                                <p:cTn id="18" presetClass="entr" nodeType="clickEffect" presetID="9" grpId="1" fill="hold">
+                                  <p:stCondLst>
+                                    <p:cond delay="0"/>
+                                  </p:stCondLst>
+                                  <p:iterate type="el" backwards="0">
+                                    <p:tmAbs val="0"/>
+                                  </p:iterate>
+                                  <p:childTnLst>
+                                    <p:set>
+                                      <p:cBhvr>
+                                        <p:cTn id="19" fill="hold"/>
+                                        <p:tgtEl>
+                                          <p:spTgt spid="254">
+                                            <p:txEl>
+                                              <p:pRg st="2" end="2"/>
+                                            </p:txEl>
+                                          </p:spTgt>
+                                        </p:tgtEl>
+                                        <p:attrNameLst>
+                                          <p:attrName>style.visibility</p:attrName>
+                                        </p:attrNameLst>
+                                      </p:cBhvr>
+                                      <p:to>
+                                        <p:strVal val="visible"/>
+                                      </p:to>
+                                    </p:set>
+                                    <p:animEffect filter="dissolve" transition="in">
+                                      <p:cBhvr>
+                                        <p:cTn id="20" dur="300"/>
+                                        <p:tgtEl>
+                                          <p:spTgt spid="254">
+                                            <p:txEl>
+                                              <p:pRg st="2" end="2"/>
+                                            </p:txEl>
+                                          </p:spTgt>
+                                        </p:tgtEl>
+                                      </p:cBhvr>
+                                    </p:animEffect>
+                                  </p:childTnLst>
+                                </p:cTn>
+                              </p:par>
+                            </p:childTnLst>
+                          </p:cTn>
+                        </p:par>
+                      </p:childTnLst>
+                    </p:cTn>
+                  </p:par>
+                  <p:par>
+                    <p:cTn id="21" fill="hold">
+                      <p:stCondLst>
+                        <p:cond delay="indefinite"/>
+                      </p:stCondLst>
+                      <p:childTnLst>
+                        <p:par>
+                          <p:cTn id="22" fill="hold">
+                            <p:stCondLst>
+                              <p:cond delay="0"/>
+                            </p:stCondLst>
+                            <p:childTnLst>
+                              <p:par>
+                                <p:cTn id="23" presetClass="entr" nodeType="clickEffect" presetID="9" grpId="1" fill="hold">
+                                  <p:stCondLst>
+                                    <p:cond delay="0"/>
+                                  </p:stCondLst>
+                                  <p:iterate type="el" backwards="0">
+                                    <p:tmAbs val="0"/>
+                                  </p:iterate>
+                                  <p:childTnLst>
+                                    <p:set>
+                                      <p:cBhvr>
+                                        <p:cTn id="24" fill="hold"/>
+                                        <p:tgtEl>
+                                          <p:spTgt spid="254">
+                                            <p:txEl>
+                                              <p:pRg st="3" end="3"/>
+                                            </p:txEl>
+                                          </p:spTgt>
+                                        </p:tgtEl>
+                                        <p:attrNameLst>
+                                          <p:attrName>style.visibility</p:attrName>
+                                        </p:attrNameLst>
+                                      </p:cBhvr>
+                                      <p:to>
+                                        <p:strVal val="visible"/>
+                                      </p:to>
+                                    </p:set>
+                                    <p:animEffect filter="dissolve" transition="in">
+                                      <p:cBhvr>
+                                        <p:cTn id="25" dur="300"/>
+                                        <p:tgtEl>
+                                          <p:spTgt spid="254">
+                                            <p:txEl>
+                                              <p:pRg st="3" end="3"/>
+                                            </p:txEl>
+                                          </p:spTgt>
+                                        </p:tgtEl>
+                                      </p:cBhvr>
+                                    </p:animEffect>
+                                  </p:childTnLst>
+                                </p:cTn>
+                              </p:par>
+                            </p:childTnLst>
+                          </p:cTn>
+                        </p:par>
+                      </p:childTnLst>
+                    </p:cTn>
+                  </p:par>
+                  <p:par>
+                    <p:cTn id="26" fill="hold">
+                      <p:stCondLst>
+                        <p:cond delay="indefinite"/>
+                      </p:stCondLst>
+                      <p:childTnLst>
+                        <p:par>
+                          <p:cTn id="27" fill="hold">
+                            <p:stCondLst>
+                              <p:cond delay="0"/>
+                            </p:stCondLst>
+                            <p:childTnLst>
+                              <p:par>
+                                <p:cTn id="28" presetClass="entr" nodeType="clickEffect" presetID="9" grpId="1" fill="hold">
+                                  <p:stCondLst>
+                                    <p:cond delay="0"/>
+                                  </p:stCondLst>
+                                  <p:iterate type="el" backwards="0">
+                                    <p:tmAbs val="0"/>
+                                  </p:iterate>
+                                  <p:childTnLst>
+                                    <p:set>
+                                      <p:cBhvr>
+                                        <p:cTn id="29" fill="hold"/>
+                                        <p:tgtEl>
+                                          <p:spTgt spid="254">
+                                            <p:txEl>
+                                              <p:pRg st="4" end="4"/>
+                                            </p:txEl>
+                                          </p:spTgt>
+                                        </p:tgtEl>
+                                        <p:attrNameLst>
+                                          <p:attrName>style.visibility</p:attrName>
+                                        </p:attrNameLst>
+                                      </p:cBhvr>
+                                      <p:to>
+                                        <p:strVal val="visible"/>
+                                      </p:to>
+                                    </p:set>
+                                    <p:animEffect filter="dissolve" transition="in">
+                                      <p:cBhvr>
+                                        <p:cTn id="30" dur="300"/>
+                                        <p:tgtEl>
+                                          <p:spTgt spid="254">
+                                            <p:txEl>
+                                              <p:pRg st="4" end="4"/>
+                                            </p:txEl>
+                                          </p:spTgt>
+                                        </p:tgtEl>
+                                      </p:cBhvr>
+                                    </p:animEffect>
+                                  </p:childTnLst>
+                                </p:cTn>
+                              </p:par>
+                            </p:childTnLst>
+                          </p:cTn>
+                        </p:par>
+                      </p:childTnLst>
+                    </p:cTn>
+                  </p:par>
+                </p:childTnLst>
+              </p:cTn>
+              <p:prevCondLst>
+                <p:cond evt="onPrev">
+                  <p:tgtEl>
+                    <p:sldTgt/>
+                  </p:tgtEl>
+                </p:cond>
+              </p:prevCondLst>
+              <p:nextCondLst>
+                <p:cond evt="onNext">
+                  <p:tgtEl>
+                    <p:sldTgt/>
+                  </p:tgtEl>
+                </p:cond>
+              </p:nextCondLst>
+            </p:seq>
+          </p:childTnLst>
+        </p:cTn>
+      </p:par>
+    </p:tnLst>
+    <p:bldLst>
+      <p:bldP build="p" bldLvl="5" animBg="1" rev="0" advAuto="0" spid="254" grpId="1"/>
+    </p:bldLst>
+  </p:timing>
 </p:sld>
 </file>
 
@@ -6282,7 +8392,7 @@
       </p:grpSpPr>
       <p:pic>
         <p:nvPicPr>
-          <p:cNvPr id="247" name="Screen Shot 2016-09-13 at 6.32.57 PM.png"/>
+          <p:cNvPr id="256" name="Screen Shot 2016-09-13 at 7.00.11 PM.png"/>
           <p:cNvPicPr>
             <a:picLocks noChangeAspect="1"/>
           </p:cNvPicPr>
@@ -6298,8 +8408,8 @@
         </p:blipFill>
         <p:spPr>
           <a:xfrm>
-            <a:off x="6070676" y="143225"/>
-            <a:ext cx="13726464" cy="12857701"/>
+            <a:off x="531278" y="3493469"/>
+            <a:ext cx="23321444" cy="5547045"/>
           </a:xfrm>
           <a:prstGeom prst="rect">
             <a:avLst/>
@@ -6335,72 +8445,35 @@
           <a:chExt cx="0" cy="0"/>
         </a:xfrm>
       </p:grpSpPr>
-      <p:sp>
-        <p:nvSpPr>
-          <p:cNvPr id="249" name="Shape 249"/>
-          <p:cNvSpPr/>
-          <p:nvPr>
-            <p:ph type="title"/>
-          </p:nvPr>
-        </p:nvSpPr>
-        <p:spPr>
-          <a:prstGeom prst="rect">
-            <a:avLst/>
-          </a:prstGeom>
-        </p:spPr>
-        <p:txBody>
-          <a:bodyPr/>
-          <a:lstStyle/>
-          <a:p>
-            <a:pPr/>
-            <a:r>
-              <a:t>Reducers</a:t>
-            </a:r>
-          </a:p>
-        </p:txBody>
-      </p:sp>
-      <p:sp>
-        <p:nvSpPr>
-          <p:cNvPr id="250" name="Shape 250"/>
-          <p:cNvSpPr/>
-          <p:nvPr>
-            <p:ph type="body" idx="1"/>
-          </p:nvPr>
-        </p:nvSpPr>
-        <p:spPr>
-          <a:prstGeom prst="rect">
-            <a:avLst/>
-          </a:prstGeom>
-        </p:spPr>
-        <p:txBody>
-          <a:bodyPr/>
-          <a:lstStyle/>
-          <a:p>
-            <a:pPr/>
-            <a:r>
-              <a:t>talk about initial state again</a:t>
-            </a:r>
-          </a:p>
-          <a:p>
-            <a:pPr/>
-            <a:r>
-              <a:t>both in switch default</a:t>
-            </a:r>
-          </a:p>
-          <a:p>
-            <a:pPr/>
-            <a:r>
-              <a:t>and in ES6 default</a:t>
-            </a:r>
-          </a:p>
-          <a:p>
-            <a:pPr/>
-            <a:r>
-              <a:t>combineReducers shrinks size, not a requirement</a:t>
-            </a:r>
-          </a:p>
-        </p:txBody>
-      </p:sp>
+      <p:pic>
+        <p:nvPicPr>
+          <p:cNvPr id="258" name="Screen Shot 2016-09-13 at 7.01.03 PM.png"/>
+          <p:cNvPicPr>
+            <a:picLocks noChangeAspect="1"/>
+          </p:cNvPicPr>
+          <p:nvPr/>
+        </p:nvPicPr>
+        <p:blipFill>
+          <a:blip r:embed="rId2">
+            <a:extLst/>
+          </a:blip>
+          <a:stretch>
+            <a:fillRect/>
+          </a:stretch>
+        </p:blipFill>
+        <p:spPr>
+          <a:xfrm>
+            <a:off x="3838310" y="393622"/>
+            <a:ext cx="16207575" cy="12616392"/>
+          </a:xfrm>
+          <a:prstGeom prst="rect">
+            <a:avLst/>
+          </a:prstGeom>
+          <a:ln w="12700">
+            <a:miter lim="400000"/>
+          </a:ln>
+        </p:spPr>
+      </p:pic>
     </p:spTree>
   </p:cSld>
   <p:clrMapOvr>
@@ -6429,7 +8502,7 @@
       </p:grpSpPr>
       <p:pic>
         <p:nvPicPr>
-          <p:cNvPr id="252" name="Screen Shot 2016-09-13 at 6.31.24 PM.png"/>
+          <p:cNvPr id="260" name="Screen Shot 2016-09-13 at 7.02.17 PM.png"/>
           <p:cNvPicPr>
             <a:picLocks noChangeAspect="1"/>
           </p:cNvPicPr>
@@ -6445,8 +8518,8 @@
         </p:blipFill>
         <p:spPr>
           <a:xfrm>
-            <a:off x="3742134" y="390723"/>
-            <a:ext cx="17481966" cy="24684835"/>
+            <a:off x="2187080" y="-64886"/>
+            <a:ext cx="20748590" cy="13845772"/>
           </a:xfrm>
           <a:prstGeom prst="rect">
             <a:avLst/>
@@ -6484,7 +8557,7 @@
       </p:grpSpPr>
       <p:pic>
         <p:nvPicPr>
-          <p:cNvPr id="254" name="Screen Shot 2016-09-13 at 5.05.05 PM.png"/>
+          <p:cNvPr id="262" name="Screen Shot 2016-09-13 at 7.04.07 PM.png"/>
           <p:cNvPicPr>
             <a:picLocks noChangeAspect="1"/>
           </p:cNvPicPr>
@@ -6499,9 +8572,9 @@
           </a:stretch>
         </p:blipFill>
         <p:spPr>
-          <a:xfrm rot="7799604">
-            <a:off x="2945209" y="-946746"/>
-            <a:ext cx="19672329" cy="22660531"/>
+          <a:xfrm>
+            <a:off x="930088" y="2388987"/>
+            <a:ext cx="22523824" cy="8938026"/>
           </a:xfrm>
           <a:prstGeom prst="rect">
             <a:avLst/>
@@ -6537,35 +8610,72 @@
           <a:chExt cx="0" cy="0"/>
         </a:xfrm>
       </p:grpSpPr>
-      <p:pic>
-        <p:nvPicPr>
-          <p:cNvPr id="256" name="Screen Shot 2016-09-13 at 6.57.46 PM.png"/>
-          <p:cNvPicPr>
-            <a:picLocks noChangeAspect="1"/>
-          </p:cNvPicPr>
-          <p:nvPr/>
-        </p:nvPicPr>
-        <p:blipFill>
-          <a:blip r:embed="rId2">
-            <a:extLst/>
-          </a:blip>
-          <a:stretch>
-            <a:fillRect/>
-          </a:stretch>
-        </p:blipFill>
-        <p:spPr>
-          <a:xfrm>
-            <a:off x="542430" y="1180769"/>
-            <a:ext cx="22275142" cy="11859451"/>
-          </a:xfrm>
-          <a:prstGeom prst="rect">
-            <a:avLst/>
-          </a:prstGeom>
-          <a:ln w="12700">
-            <a:miter lim="400000"/>
-          </a:ln>
-        </p:spPr>
-      </p:pic>
+      <p:sp>
+        <p:nvSpPr>
+          <p:cNvPr id="264" name="Shape 264"/>
+          <p:cNvSpPr/>
+          <p:nvPr>
+            <p:ph type="title"/>
+          </p:nvPr>
+        </p:nvSpPr>
+        <p:spPr>
+          <a:prstGeom prst="rect">
+            <a:avLst/>
+          </a:prstGeom>
+        </p:spPr>
+        <p:txBody>
+          <a:bodyPr/>
+          <a:lstStyle/>
+          <a:p>
+            <a:pPr/>
+            <a:r>
+              <a:t>Data Flow</a:t>
+            </a:r>
+          </a:p>
+        </p:txBody>
+      </p:sp>
+      <p:sp>
+        <p:nvSpPr>
+          <p:cNvPr id="265" name="Shape 265"/>
+          <p:cNvSpPr/>
+          <p:nvPr>
+            <p:ph type="body" idx="1"/>
+          </p:nvPr>
+        </p:nvSpPr>
+        <p:spPr>
+          <a:prstGeom prst="rect">
+            <a:avLst/>
+          </a:prstGeom>
+        </p:spPr>
+        <p:txBody>
+          <a:bodyPr/>
+          <a:lstStyle/>
+          <a:p>
+            <a:pPr/>
+            <a:r>
+              <a:t>store.dispatch(action)</a:t>
+            </a:r>
+          </a:p>
+          <a:p>
+            <a:pPr/>
+            <a:r>
+              <a:t>reducer handles change request</a:t>
+            </a:r>
+          </a:p>
+          <a:p>
+            <a:pPr/>
+            <a:r>
+              <a:t>new state tree, saves it</a:t>
+            </a:r>
+          </a:p>
+          <a:p>
+            <a:pPr/>
+            <a:r>
+              <a:t>new state of your app via store.subscribe(listener)</a:t>
+            </a:r>
+          </a:p>
+        </p:txBody>
+      </p:sp>
     </p:spTree>
   </p:cSld>
   <p:clrMapOvr>
@@ -6666,78 +8776,35 @@
           <a:chExt cx="0" cy="0"/>
         </a:xfrm>
       </p:grpSpPr>
-      <p:sp>
-        <p:nvSpPr>
-          <p:cNvPr id="258" name="Shape 258"/>
-          <p:cNvSpPr/>
-          <p:nvPr>
-            <p:ph type="title"/>
-          </p:nvPr>
-        </p:nvSpPr>
-        <p:spPr>
-          <a:prstGeom prst="rect">
-            <a:avLst/>
-          </a:prstGeom>
-        </p:spPr>
-        <p:txBody>
-          <a:bodyPr/>
-          <a:lstStyle/>
-          <a:p>
-            <a:pPr/>
-            <a:r>
-              <a:t>Store</a:t>
-            </a:r>
-          </a:p>
-        </p:txBody>
-      </p:sp>
-      <p:sp>
-        <p:nvSpPr>
-          <p:cNvPr id="259" name="Shape 259"/>
-          <p:cNvSpPr/>
-          <p:nvPr>
-            <p:ph type="body" idx="1"/>
-          </p:nvPr>
-        </p:nvSpPr>
-        <p:spPr>
-          <a:prstGeom prst="rect">
-            <a:avLst/>
-          </a:prstGeom>
-        </p:spPr>
-        <p:txBody>
-          <a:bodyPr/>
-          <a:lstStyle/>
-          <a:p>
-            <a:pPr/>
-            <a:r>
-              <a:t>holds your state. There is only 1.</a:t>
-            </a:r>
-          </a:p>
-          <a:p>
-            <a:pPr/>
-            <a:r>
-              <a:t>you access it through getState</a:t>
-            </a:r>
-          </a:p>
-          <a:p>
-            <a:pPr/>
-            <a:r>
-              <a:t>update state via dispatch(action)</a:t>
-            </a:r>
-          </a:p>
-          <a:p>
-            <a:pPr/>
-            <a:r>
-              <a:t>for views/GUI, listen via subscribe(listener)</a:t>
-            </a:r>
-          </a:p>
-          <a:p>
-            <a:pPr/>
-            <a:r>
-              <a:t>can set default state via 2nd param of createStore</a:t>
-            </a:r>
-          </a:p>
-        </p:txBody>
-      </p:sp>
+      <p:pic>
+        <p:nvPicPr>
+          <p:cNvPr id="267" name="Screen Shot 2016-09-13 at 7.38.29 PM.png"/>
+          <p:cNvPicPr>
+            <a:picLocks noChangeAspect="1"/>
+          </p:cNvPicPr>
+          <p:nvPr/>
+        </p:nvPicPr>
+        <p:blipFill>
+          <a:blip r:embed="rId2">
+            <a:extLst/>
+          </a:blip>
+          <a:stretch>
+            <a:fillRect/>
+          </a:stretch>
+        </p:blipFill>
+        <p:spPr>
+          <a:xfrm>
+            <a:off x="542352" y="1216197"/>
+            <a:ext cx="23299296" cy="10682069"/>
+          </a:xfrm>
+          <a:prstGeom prst="rect">
+            <a:avLst/>
+          </a:prstGeom>
+          <a:ln w="12700">
+            <a:miter lim="400000"/>
+          </a:ln>
+        </p:spPr>
+      </p:pic>
     </p:spTree>
   </p:cSld>
   <p:clrMapOvr>
@@ -6766,7 +8833,7 @@
       </p:grpSpPr>
       <p:pic>
         <p:nvPicPr>
-          <p:cNvPr id="261" name="Screen Shot 2016-09-13 at 7.00.11 PM.png"/>
+          <p:cNvPr id="269" name="Screen Shot 2016-09-13 at 7.38.33 PM.png"/>
           <p:cNvPicPr>
             <a:picLocks noChangeAspect="1"/>
           </p:cNvPicPr>
@@ -6782,8 +8849,8 @@
         </p:blipFill>
         <p:spPr>
           <a:xfrm>
-            <a:off x="531278" y="3493469"/>
-            <a:ext cx="23321444" cy="5547045"/>
+            <a:off x="1827454" y="117071"/>
+            <a:ext cx="19842982" cy="13303308"/>
           </a:xfrm>
           <a:prstGeom prst="rect">
             <a:avLst/>
@@ -6821,7 +8888,7 @@
       </p:grpSpPr>
       <p:pic>
         <p:nvPicPr>
-          <p:cNvPr id="263" name="Screen Shot 2016-09-13 at 7.01.03 PM.png"/>
+          <p:cNvPr id="271" name="Screen Shot 2016-09-13 at 7.38.48 PM.png"/>
           <p:cNvPicPr>
             <a:picLocks noChangeAspect="1"/>
           </p:cNvPicPr>
@@ -6837,8 +8904,8 @@
         </p:blipFill>
         <p:spPr>
           <a:xfrm>
-            <a:off x="3838310" y="393622"/>
-            <a:ext cx="16207575" cy="12616392"/>
+            <a:off x="713496" y="3264504"/>
+            <a:ext cx="22957008" cy="7186992"/>
           </a:xfrm>
           <a:prstGeom prst="rect">
             <a:avLst/>
@@ -6874,35 +8941,66 @@
           <a:chExt cx="0" cy="0"/>
         </a:xfrm>
       </p:grpSpPr>
-      <p:pic>
-        <p:nvPicPr>
-          <p:cNvPr id="265" name="Screen Shot 2016-09-13 at 7.02.17 PM.png"/>
-          <p:cNvPicPr>
-            <a:picLocks noChangeAspect="1"/>
-          </p:cNvPicPr>
-          <p:nvPr/>
-        </p:nvPicPr>
-        <p:blipFill>
-          <a:blip r:embed="rId2">
-            <a:extLst/>
-          </a:blip>
-          <a:stretch>
-            <a:fillRect/>
-          </a:stretch>
-        </p:blipFill>
-        <p:spPr>
-          <a:xfrm>
-            <a:off x="2187080" y="-64886"/>
-            <a:ext cx="20748590" cy="13845772"/>
-          </a:xfrm>
-          <a:prstGeom prst="rect">
-            <a:avLst/>
-          </a:prstGeom>
-          <a:ln w="12700">
-            <a:miter lim="400000"/>
-          </a:ln>
-        </p:spPr>
-      </p:pic>
+      <p:sp>
+        <p:nvSpPr>
+          <p:cNvPr id="273" name="Shape 273"/>
+          <p:cNvSpPr/>
+          <p:nvPr>
+            <p:ph type="title"/>
+          </p:nvPr>
+        </p:nvSpPr>
+        <p:spPr>
+          <a:prstGeom prst="rect">
+            <a:avLst/>
+          </a:prstGeom>
+        </p:spPr>
+        <p:txBody>
+          <a:bodyPr/>
+          <a:lstStyle/>
+          <a:p>
+            <a:pPr/>
+            <a:r>
+              <a:t>Async</a:t>
+            </a:r>
+          </a:p>
+        </p:txBody>
+      </p:sp>
+      <p:sp>
+        <p:nvSpPr>
+          <p:cNvPr id="274" name="Shape 274"/>
+          <p:cNvSpPr/>
+          <p:nvPr>
+            <p:ph type="body" idx="1"/>
+          </p:nvPr>
+        </p:nvSpPr>
+        <p:spPr>
+          <a:prstGeom prst="rect">
+            <a:avLst/>
+          </a:prstGeom>
+        </p:spPr>
+        <p:txBody>
+          <a:bodyPr/>
+          <a:lstStyle/>
+          <a:p>
+            <a:pPr/>
+            <a:r>
+              <a:t>THUNKS MEH</a:t>
+            </a:r>
+          </a:p>
+          <a:p>
+            <a:pPr/>
+            <a:r>
+              <a:t>SAGAS GOOD</a:t>
+            </a:r>
+          </a:p>
+          <a:p>
+            <a:pPr/>
+            <a:r>
+              <a:t>WELCOME TO AMURRRRICA, MAX</a:t>
+            </a:r>
+          </a:p>
+        </p:txBody>
+      </p:sp>
     </p:spTree>
   </p:cSld>
   <p:clrMapOvr>
@@ -6929,35 +9027,72 @@
           <a:chExt cx="0" cy="0"/>
         </a:xfrm>
       </p:grpSpPr>
-      <p:pic>
-        <p:nvPicPr>
-          <p:cNvPr id="267" name="Screen Shot 2016-09-13 at 7.04.07 PM.png"/>
-          <p:cNvPicPr>
-            <a:picLocks noChangeAspect="1"/>
-          </p:cNvPicPr>
-          <p:nvPr/>
-        </p:nvPicPr>
-        <p:blipFill>
-          <a:blip r:embed="rId2">
-            <a:extLst/>
-          </a:blip>
-          <a:stretch>
-            <a:fillRect/>
-          </a:stretch>
-        </p:blipFill>
-        <p:spPr>
-          <a:xfrm>
-            <a:off x="930088" y="2388987"/>
-            <a:ext cx="22523824" cy="8938026"/>
-          </a:xfrm>
-          <a:prstGeom prst="rect">
-            <a:avLst/>
-          </a:prstGeom>
-          <a:ln w="12700">
-            <a:miter lim="400000"/>
-          </a:ln>
-        </p:spPr>
-      </p:pic>
+      <p:sp>
+        <p:nvSpPr>
+          <p:cNvPr id="276" name="Shape 276"/>
+          <p:cNvSpPr/>
+          <p:nvPr>
+            <p:ph type="title"/>
+          </p:nvPr>
+        </p:nvSpPr>
+        <p:spPr>
+          <a:prstGeom prst="rect">
+            <a:avLst/>
+          </a:prstGeom>
+        </p:spPr>
+        <p:txBody>
+          <a:bodyPr/>
+          <a:lstStyle/>
+          <a:p>
+            <a:pPr/>
+            <a:r>
+              <a:t>ngRedux</a:t>
+            </a:r>
+          </a:p>
+        </p:txBody>
+      </p:sp>
+      <p:sp>
+        <p:nvSpPr>
+          <p:cNvPr id="277" name="Shape 277"/>
+          <p:cNvSpPr/>
+          <p:nvPr>
+            <p:ph type="body" idx="1"/>
+          </p:nvPr>
+        </p:nvSpPr>
+        <p:spPr>
+          <a:prstGeom prst="rect">
+            <a:avLst/>
+          </a:prstGeom>
+        </p:spPr>
+        <p:txBody>
+          <a:bodyPr/>
+          <a:lstStyle/>
+          <a:p>
+            <a:pPr/>
+            <a:r>
+              <a:t>$ngReduxProvider (setup)</a:t>
+            </a:r>
+          </a:p>
+          <a:p>
+            <a:pPr/>
+            <a:r>
+              <a:t>$ngRedux (connect)</a:t>
+            </a:r>
+          </a:p>
+          <a:p>
+            <a:pPr/>
+            <a:r>
+              <a:t>$onDestroy (unsubscribe)</a:t>
+            </a:r>
+          </a:p>
+          <a:p>
+            <a:pPr/>
+            <a:r>
+              <a:t>mapStateToThis</a:t>
+            </a:r>
+          </a:p>
+        </p:txBody>
+      </p:sp>
     </p:spTree>
   </p:cSld>
   <p:clrMapOvr>
@@ -6984,72 +9119,35 @@
           <a:chExt cx="0" cy="0"/>
         </a:xfrm>
       </p:grpSpPr>
-      <p:sp>
-        <p:nvSpPr>
-          <p:cNvPr id="269" name="Shape 269"/>
-          <p:cNvSpPr/>
-          <p:nvPr>
-            <p:ph type="title"/>
-          </p:nvPr>
-        </p:nvSpPr>
-        <p:spPr>
-          <a:prstGeom prst="rect">
-            <a:avLst/>
-          </a:prstGeom>
-        </p:spPr>
-        <p:txBody>
-          <a:bodyPr/>
-          <a:lstStyle/>
-          <a:p>
-            <a:pPr/>
-            <a:r>
-              <a:t>Data Flow</a:t>
-            </a:r>
-          </a:p>
-        </p:txBody>
-      </p:sp>
-      <p:sp>
-        <p:nvSpPr>
-          <p:cNvPr id="270" name="Shape 270"/>
-          <p:cNvSpPr/>
-          <p:nvPr>
-            <p:ph type="body" idx="1"/>
-          </p:nvPr>
-        </p:nvSpPr>
-        <p:spPr>
-          <a:prstGeom prst="rect">
-            <a:avLst/>
-          </a:prstGeom>
-        </p:spPr>
-        <p:txBody>
-          <a:bodyPr/>
-          <a:lstStyle/>
-          <a:p>
-            <a:pPr/>
-            <a:r>
-              <a:t>store.dispatch(action)</a:t>
-            </a:r>
-          </a:p>
-          <a:p>
-            <a:pPr/>
-            <a:r>
-              <a:t>reducer handles change request</a:t>
-            </a:r>
-          </a:p>
-          <a:p>
-            <a:pPr/>
-            <a:r>
-              <a:t>new state tree, saves it</a:t>
-            </a:r>
-          </a:p>
-          <a:p>
-            <a:pPr/>
-            <a:r>
-              <a:t>new state of your app via store.subscribe(listener)</a:t>
-            </a:r>
-          </a:p>
-        </p:txBody>
-      </p:sp>
+      <p:pic>
+        <p:nvPicPr>
+          <p:cNvPr id="279" name="Screen Shot 2016-09-13 at 8.10.30 PM.png"/>
+          <p:cNvPicPr>
+            <a:picLocks noChangeAspect="1"/>
+          </p:cNvPicPr>
+          <p:nvPr/>
+        </p:nvPicPr>
+        <p:blipFill>
+          <a:blip r:embed="rId2">
+            <a:extLst/>
+          </a:blip>
+          <a:stretch>
+            <a:fillRect/>
+          </a:stretch>
+        </p:blipFill>
+        <p:spPr>
+          <a:xfrm>
+            <a:off x="132455" y="1757412"/>
+            <a:ext cx="24119090" cy="9458467"/>
+          </a:xfrm>
+          <a:prstGeom prst="rect">
+            <a:avLst/>
+          </a:prstGeom>
+          <a:ln w="12700">
+            <a:miter lim="400000"/>
+          </a:ln>
+        </p:spPr>
+      </p:pic>
     </p:spTree>
   </p:cSld>
   <p:clrMapOvr>
@@ -7078,7 +9176,7 @@
       </p:grpSpPr>
       <p:pic>
         <p:nvPicPr>
-          <p:cNvPr id="272" name="Screen Shot 2016-09-13 at 7.38.29 PM.png"/>
+          <p:cNvPr id="281" name="Screen Shot 2016-09-13 at 8.16.54 PM.png"/>
           <p:cNvPicPr>
             <a:picLocks noChangeAspect="1"/>
           </p:cNvPicPr>
@@ -7094,8 +9192,8 @@
         </p:blipFill>
         <p:spPr>
           <a:xfrm>
-            <a:off x="542352" y="1216197"/>
-            <a:ext cx="23299296" cy="10682069"/>
+            <a:off x="2853863" y="-100726"/>
+            <a:ext cx="19676398" cy="13917452"/>
           </a:xfrm>
           <a:prstGeom prst="rect">
             <a:avLst/>
@@ -7105,6 +9203,97 @@
           </a:ln>
         </p:spPr>
       </p:pic>
+      <p:sp>
+        <p:nvSpPr>
+          <p:cNvPr id="282" name="Shape 282"/>
+          <p:cNvSpPr/>
+          <p:nvPr/>
+        </p:nvSpPr>
+        <p:spPr>
+          <a:xfrm>
+            <a:off x="4648200" y="11557000"/>
+            <a:ext cx="15408474" cy="1941513"/>
+          </a:xfrm>
+          <a:prstGeom prst="rect">
+            <a:avLst/>
+          </a:prstGeom>
+          <a:ln w="114300">
+            <a:solidFill>
+              <a:schemeClr val="accent3">
+                <a:hueOff val="-499813"/>
+                <a:satOff val="-5228"/>
+                <a:lumOff val="24899"/>
+              </a:schemeClr>
+            </a:solidFill>
+            <a:miter lim="400000"/>
+          </a:ln>
+        </p:spPr>
+        <p:txBody>
+          <a:bodyPr lIns="50800" tIns="50800" rIns="50800" bIns="50800" anchor="ctr"/>
+          <a:lstStyle/>
+          <a:p>
+            <a:pPr>
+              <a:defRPr sz="3600"/>
+            </a:pPr>
+          </a:p>
+        </p:txBody>
+      </p:sp>
+      <p:sp>
+        <p:nvSpPr>
+          <p:cNvPr id="283" name="Shape 283"/>
+          <p:cNvSpPr/>
+          <p:nvPr/>
+        </p:nvSpPr>
+        <p:spPr>
+          <a:xfrm>
+            <a:off x="18836010" y="9779000"/>
+            <a:ext cx="4136381" cy="1625601"/>
+          </a:xfrm>
+          <a:prstGeom prst="rect">
+            <a:avLst/>
+          </a:prstGeom>
+          <a:ln w="12700">
+            <a:miter lim="400000"/>
+          </a:ln>
+          <a:extLst>
+            <a:ext uri="{C572A759-6A51-4108-AA02-DFA0A04FC94B}">
+              <ma14:wrappingTextBoxFlag xmlns:ma14="http://schemas.microsoft.com/office/mac/drawingml/2011/main" val="1"/>
+            </a:ext>
+          </a:extLst>
+        </p:spPr>
+        <p:txBody>
+          <a:bodyPr wrap="none" lIns="50800" tIns="50800" rIns="50800" bIns="50800" anchor="ctr">
+            <a:spAutoFit/>
+          </a:bodyPr>
+          <a:lstStyle/>
+          <a:p>
+            <a:pPr/>
+            <a:r>
+              <a:t>Angular 2</a:t>
+            </a:r>
+          </a:p>
+          <a:p>
+            <a:pPr>
+              <a:defRPr b="1">
+                <a:solidFill>
+                  <a:schemeClr val="accent3">
+                    <a:hueOff val="-499813"/>
+                    <a:satOff val="-5228"/>
+                    <a:lumOff val="24899"/>
+                  </a:schemeClr>
+                </a:solidFill>
+                <a:latin typeface="Helvetica"/>
+                <a:ea typeface="Helvetica"/>
+                <a:cs typeface="Helvetica"/>
+                <a:sym typeface="Helvetica"/>
+              </a:defRPr>
+            </a:pPr>
+            <a:r>
+              <a:t>ngOnDestroy</a:t>
+            </a:r>
+          </a:p>
+        </p:txBody>
+      </p:sp>
     </p:spTree>
   </p:cSld>
   <p:clrMapOvr>
@@ -7133,7 +9322,7 @@
       </p:grpSpPr>
       <p:pic>
         <p:nvPicPr>
-          <p:cNvPr id="274" name="Screen Shot 2016-09-13 at 7.38.33 PM.png"/>
+          <p:cNvPr id="285" name="Screen Shot 2016-09-13 at 8.14.15 PM.png"/>
           <p:cNvPicPr>
             <a:picLocks noChangeAspect="1"/>
           </p:cNvPicPr>
@@ -7149,8 +9338,8 @@
         </p:blipFill>
         <p:spPr>
           <a:xfrm>
-            <a:off x="1827454" y="117071"/>
-            <a:ext cx="19842982" cy="13303308"/>
+            <a:off x="660526" y="4073824"/>
+            <a:ext cx="23062948" cy="5568352"/>
           </a:xfrm>
           <a:prstGeom prst="rect">
             <a:avLst/>
@@ -7188,7 +9377,7 @@
       </p:grpSpPr>
       <p:pic>
         <p:nvPicPr>
-          <p:cNvPr id="276" name="Screen Shot 2016-09-13 at 7.38.48 PM.png"/>
+          <p:cNvPr id="287" name="Screen Shot 2016-09-13 at 8.21.37 PM.png"/>
           <p:cNvPicPr>
             <a:picLocks noChangeAspect="1"/>
           </p:cNvPicPr>
@@ -7204,8 +9393,8 @@
         </p:blipFill>
         <p:spPr>
           <a:xfrm>
-            <a:off x="713496" y="3264504"/>
-            <a:ext cx="22957008" cy="7186992"/>
+            <a:off x="2252316" y="35352"/>
+            <a:ext cx="20041339" cy="13716001"/>
           </a:xfrm>
           <a:prstGeom prst="rect">
             <a:avLst/>
@@ -7241,66 +9430,35 @@
           <a:chExt cx="0" cy="0"/>
         </a:xfrm>
       </p:grpSpPr>
-      <p:sp>
-        <p:nvSpPr>
-          <p:cNvPr id="278" name="Shape 278"/>
-          <p:cNvSpPr/>
-          <p:nvPr>
-            <p:ph type="title"/>
-          </p:nvPr>
-        </p:nvSpPr>
-        <p:spPr>
-          <a:prstGeom prst="rect">
-            <a:avLst/>
-          </a:prstGeom>
-        </p:spPr>
-        <p:txBody>
-          <a:bodyPr/>
-          <a:lstStyle/>
-          <a:p>
-            <a:pPr/>
-            <a:r>
-              <a:t>Async</a:t>
-            </a:r>
-          </a:p>
-        </p:txBody>
-      </p:sp>
-      <p:sp>
-        <p:nvSpPr>
-          <p:cNvPr id="279" name="Shape 279"/>
-          <p:cNvSpPr/>
-          <p:nvPr>
-            <p:ph type="body" idx="1"/>
-          </p:nvPr>
-        </p:nvSpPr>
-        <p:spPr>
-          <a:prstGeom prst="rect">
-            <a:avLst/>
-          </a:prstGeom>
-        </p:spPr>
-        <p:txBody>
-          <a:bodyPr/>
-          <a:lstStyle/>
-          <a:p>
-            <a:pPr/>
-            <a:r>
-              <a:t>show the 3 states</a:t>
-            </a:r>
-          </a:p>
-          <a:p>
-            <a:pPr/>
-            <a:r>
-              <a:t>Thunks: easy to learn, basically promises</a:t>
-            </a:r>
-          </a:p>
-          <a:p>
-            <a:pPr/>
-            <a:r>
-              <a:t>Sagas: harder to learn, easier to read &amp; test</a:t>
-            </a:r>
-          </a:p>
-        </p:txBody>
-      </p:sp>
+      <p:pic>
+        <p:nvPicPr>
+          <p:cNvPr id="289" name="Screen Shot 2016-09-13 at 8.23.30 PM.png"/>
+          <p:cNvPicPr>
+            <a:picLocks noChangeAspect="1"/>
+          </p:cNvPicPr>
+          <p:nvPr/>
+        </p:nvPicPr>
+        <p:blipFill>
+          <a:blip r:embed="rId2">
+            <a:extLst/>
+          </a:blip>
+          <a:stretch>
+            <a:fillRect/>
+          </a:stretch>
+        </p:blipFill>
+        <p:spPr>
+          <a:xfrm>
+            <a:off x="758956" y="2595650"/>
+            <a:ext cx="23401798" cy="8891593"/>
+          </a:xfrm>
+          <a:prstGeom prst="rect">
+            <a:avLst/>
+          </a:prstGeom>
+          <a:ln w="12700">
+            <a:miter lim="400000"/>
+          </a:ln>
+        </p:spPr>
+      </p:pic>
     </p:spTree>
   </p:cSld>
   <p:clrMapOvr>
@@ -7370,7 +9528,7 @@
           <a:p>
             <a:pPr/>
             <a:r>
-              <a:t>Er, Why: more hints as to where the defect are… and code you write is easier to unit test</a:t>
+              <a:t>Er, Why: more hints as to where the defect are… and code you write is easier to unit test, easier to reason about in a codebase you didn’t write</a:t>
             </a:r>
           </a:p>
         </p:txBody>
@@ -7401,54 +9559,35 @@
           <a:chExt cx="0" cy="0"/>
         </a:xfrm>
       </p:grpSpPr>
-      <p:sp>
-        <p:nvSpPr>
-          <p:cNvPr id="281" name="Shape 281"/>
-          <p:cNvSpPr/>
-          <p:nvPr>
-            <p:ph type="title"/>
-          </p:nvPr>
-        </p:nvSpPr>
-        <p:spPr>
-          <a:prstGeom prst="rect">
-            <a:avLst/>
-          </a:prstGeom>
-        </p:spPr>
-        <p:txBody>
-          <a:bodyPr/>
-          <a:lstStyle/>
-          <a:p>
-            <a:pPr/>
-            <a:r>
-              <a:t>Sagas</a:t>
-            </a:r>
-          </a:p>
-        </p:txBody>
-      </p:sp>
-      <p:sp>
-        <p:nvSpPr>
-          <p:cNvPr id="282" name="Shape 282"/>
-          <p:cNvSpPr/>
-          <p:nvPr>
-            <p:ph type="body" idx="1"/>
-          </p:nvPr>
-        </p:nvSpPr>
-        <p:spPr>
-          <a:prstGeom prst="rect">
-            <a:avLst/>
-          </a:prstGeom>
-        </p:spPr>
-        <p:txBody>
-          <a:bodyPr/>
-          <a:lstStyle/>
-          <a:p>
-            <a:pPr/>
-            <a:r>
-              <a:t>handling async through pure generator functions</a:t>
-            </a:r>
-          </a:p>
-        </p:txBody>
-      </p:sp>
+      <p:pic>
+        <p:nvPicPr>
+          <p:cNvPr id="291" name="Screen Shot 2016-09-13 at 8.25.09 PM.png"/>
+          <p:cNvPicPr>
+            <a:picLocks noChangeAspect="1"/>
+          </p:cNvPicPr>
+          <p:nvPr/>
+        </p:nvPicPr>
+        <p:blipFill>
+          <a:blip r:embed="rId2">
+            <a:extLst/>
+          </a:blip>
+          <a:stretch>
+            <a:fillRect/>
+          </a:stretch>
+        </p:blipFill>
+        <p:spPr>
+          <a:xfrm>
+            <a:off x="420318" y="3430502"/>
+            <a:ext cx="23543364" cy="6854996"/>
+          </a:xfrm>
+          <a:prstGeom prst="rect">
+            <a:avLst/>
+          </a:prstGeom>
+          <a:ln w="12700">
+            <a:miter lim="400000"/>
+          </a:ln>
+        </p:spPr>
+      </p:pic>
     </p:spTree>
   </p:cSld>
   <p:clrMapOvr>
@@ -7475,72 +9614,35 @@
           <a:chExt cx="0" cy="0"/>
         </a:xfrm>
       </p:grpSpPr>
-      <p:sp>
-        <p:nvSpPr>
-          <p:cNvPr id="284" name="Shape 284"/>
-          <p:cNvSpPr/>
-          <p:nvPr>
-            <p:ph type="title"/>
-          </p:nvPr>
-        </p:nvSpPr>
-        <p:spPr>
-          <a:prstGeom prst="rect">
-            <a:avLst/>
-          </a:prstGeom>
-        </p:spPr>
-        <p:txBody>
-          <a:bodyPr/>
-          <a:lstStyle/>
-          <a:p>
-            <a:pPr/>
-            <a:r>
-              <a:t>ngRedux</a:t>
-            </a:r>
-          </a:p>
-        </p:txBody>
-      </p:sp>
-      <p:sp>
-        <p:nvSpPr>
-          <p:cNvPr id="285" name="Shape 285"/>
-          <p:cNvSpPr/>
-          <p:nvPr>
-            <p:ph type="body" idx="1"/>
-          </p:nvPr>
-        </p:nvSpPr>
-        <p:spPr>
-          <a:prstGeom prst="rect">
-            <a:avLst/>
-          </a:prstGeom>
-        </p:spPr>
-        <p:txBody>
-          <a:bodyPr/>
-          <a:lstStyle/>
-          <a:p>
-            <a:pPr/>
-            <a:r>
-              <a:t>$ngReduxProvider (setup)</a:t>
-            </a:r>
-          </a:p>
-          <a:p>
-            <a:pPr/>
-            <a:r>
-              <a:t>$ngRedux (connect)</a:t>
-            </a:r>
-          </a:p>
-          <a:p>
-            <a:pPr/>
-            <a:r>
-              <a:t>$onDestroy (unsubscribe)</a:t>
-            </a:r>
-          </a:p>
-          <a:p>
-            <a:pPr/>
-            <a:r>
-              <a:t>mapStateToThis</a:t>
-            </a:r>
-          </a:p>
-        </p:txBody>
-      </p:sp>
+      <p:pic>
+        <p:nvPicPr>
+          <p:cNvPr id="293" name="Screen Shot 2016-09-13 at 8.26.14 PM.png"/>
+          <p:cNvPicPr>
+            <a:picLocks noChangeAspect="1"/>
+          </p:cNvPicPr>
+          <p:nvPr/>
+        </p:nvPicPr>
+        <p:blipFill>
+          <a:blip r:embed="rId2">
+            <a:extLst/>
+          </a:blip>
+          <a:stretch>
+            <a:fillRect/>
+          </a:stretch>
+        </p:blipFill>
+        <p:spPr>
+          <a:xfrm>
+            <a:off x="134301" y="918751"/>
+            <a:ext cx="24115398" cy="11878498"/>
+          </a:xfrm>
+          <a:prstGeom prst="rect">
+            <a:avLst/>
+          </a:prstGeom>
+          <a:ln w="12700">
+            <a:miter lim="400000"/>
+          </a:ln>
+        </p:spPr>
+      </p:pic>
     </p:spTree>
   </p:cSld>
   <p:clrMapOvr>
@@ -7567,35 +9669,75 @@
           <a:chExt cx="0" cy="0"/>
         </a:xfrm>
       </p:grpSpPr>
-      <p:pic>
-        <p:nvPicPr>
-          <p:cNvPr id="287" name="Screen Shot 2016-09-13 at 8.10.30 PM.png"/>
-          <p:cNvPicPr>
-            <a:picLocks noChangeAspect="1"/>
-          </p:cNvPicPr>
-          <p:nvPr/>
-        </p:nvPicPr>
-        <p:blipFill>
-          <a:blip r:embed="rId2">
-            <a:extLst/>
-          </a:blip>
-          <a:stretch>
-            <a:fillRect/>
-          </a:stretch>
-        </p:blipFill>
-        <p:spPr>
-          <a:xfrm>
-            <a:off x="132455" y="1757412"/>
-            <a:ext cx="24119090" cy="9458467"/>
-          </a:xfrm>
-          <a:prstGeom prst="rect">
-            <a:avLst/>
-          </a:prstGeom>
-          <a:ln w="12700">
-            <a:miter lim="400000"/>
-          </a:ln>
-        </p:spPr>
-      </p:pic>
+      <p:sp>
+        <p:nvSpPr>
+          <p:cNvPr id="295" name="Shape 295"/>
+          <p:cNvSpPr/>
+          <p:nvPr>
+            <p:ph type="title"/>
+          </p:nvPr>
+        </p:nvSpPr>
+        <p:spPr>
+          <a:prstGeom prst="rect">
+            <a:avLst/>
+          </a:prstGeom>
+        </p:spPr>
+        <p:txBody>
+          <a:bodyPr/>
+          <a:lstStyle/>
+          <a:p>
+            <a:pPr/>
+            <a:r>
+              <a:t>File Organization</a:t>
+            </a:r>
+          </a:p>
+        </p:txBody>
+      </p:sp>
+      <p:sp>
+        <p:nvSpPr>
+          <p:cNvPr id="296" name="Shape 296"/>
+          <p:cNvSpPr/>
+          <p:nvPr>
+            <p:ph type="body" idx="1"/>
+          </p:nvPr>
+        </p:nvSpPr>
+        <p:spPr>
+          <a:prstGeom prst="rect">
+            <a:avLst/>
+          </a:prstGeom>
+        </p:spPr>
+        <p:txBody>
+          <a:bodyPr/>
+          <a:lstStyle/>
+          <a:p>
+            <a:pPr/>
+            <a:r>
+              <a:t>Node module to ES6 Module</a:t>
+            </a:r>
+          </a:p>
+          <a:p>
+            <a:pPr/>
+            <a:r>
+              <a:t>sock drawer vs. features</a:t>
+            </a:r>
+          </a:p>
+          <a:p>
+            <a:pPr/>
+            <a:r>
+              <a:rPr u="sng">
+                <a:hlinkClick r:id="rId2" invalidUrl="" action="" tgtFrame="" tooltip="" history="1" highlightClick="0" endSnd="0"/>
+              </a:rPr>
+              <a:t>http://cliffmeyers.com/blog/2013/4/21/code-organization-angularjs-javascript</a:t>
+            </a:r>
+          </a:p>
+          <a:p>
+            <a:pPr/>
+            <a:r>
+              <a:t>reducer(s) &amp; saga(s) per feature</a:t>
+            </a:r>
+          </a:p>
+        </p:txBody>
+      </p:sp>
     </p:spTree>
   </p:cSld>
   <p:clrMapOvr>
@@ -7624,7 +9766,7 @@
       </p:grpSpPr>
       <p:pic>
         <p:nvPicPr>
-          <p:cNvPr id="289" name="Screen Shot 2016-09-13 at 8.16.54 PM.png"/>
+          <p:cNvPr id="298" name="Screen Shot 2016-09-13 at 8.29.39 PM.png"/>
           <p:cNvPicPr>
             <a:picLocks noChangeAspect="1"/>
           </p:cNvPicPr>
@@ -7640,8 +9782,8 @@
         </p:blipFill>
         <p:spPr>
           <a:xfrm>
-            <a:off x="2853863" y="-100726"/>
-            <a:ext cx="19676398" cy="13917452"/>
+            <a:off x="8549481" y="81079"/>
+            <a:ext cx="6501963" cy="13553842"/>
           </a:xfrm>
           <a:prstGeom prst="rect">
             <a:avLst/>
@@ -7677,35 +9819,84 @@
           <a:chExt cx="0" cy="0"/>
         </a:xfrm>
       </p:grpSpPr>
-      <p:pic>
-        <p:nvPicPr>
-          <p:cNvPr id="291" name="Screen Shot 2016-09-13 at 8.14.15 PM.png"/>
-          <p:cNvPicPr>
-            <a:picLocks noChangeAspect="1"/>
-          </p:cNvPicPr>
-          <p:nvPr/>
-        </p:nvPicPr>
-        <p:blipFill>
-          <a:blip r:embed="rId2">
-            <a:extLst/>
-          </a:blip>
-          <a:stretch>
-            <a:fillRect/>
-          </a:stretch>
-        </p:blipFill>
-        <p:spPr>
-          <a:xfrm>
-            <a:off x="660526" y="4073824"/>
-            <a:ext cx="23062948" cy="5568352"/>
-          </a:xfrm>
-          <a:prstGeom prst="rect">
-            <a:avLst/>
-          </a:prstGeom>
-          <a:ln w="12700">
-            <a:miter lim="400000"/>
-          </a:ln>
-        </p:spPr>
-      </p:pic>
+      <p:sp>
+        <p:nvSpPr>
+          <p:cNvPr id="300" name="Shape 300"/>
+          <p:cNvSpPr/>
+          <p:nvPr>
+            <p:ph type="title"/>
+          </p:nvPr>
+        </p:nvSpPr>
+        <p:spPr>
+          <a:prstGeom prst="rect">
+            <a:avLst/>
+          </a:prstGeom>
+        </p:spPr>
+        <p:txBody>
+          <a:bodyPr/>
+          <a:lstStyle/>
+          <a:p>
+            <a:pPr/>
+            <a:r>
+              <a:t>Conclusions</a:t>
+            </a:r>
+          </a:p>
+        </p:txBody>
+      </p:sp>
+      <p:sp>
+        <p:nvSpPr>
+          <p:cNvPr id="301" name="Shape 301"/>
+          <p:cNvSpPr/>
+          <p:nvPr>
+            <p:ph type="body" idx="1"/>
+          </p:nvPr>
+        </p:nvSpPr>
+        <p:spPr>
+          <a:prstGeom prst="rect">
+            <a:avLst/>
+          </a:prstGeom>
+        </p:spPr>
+        <p:txBody>
+          <a:bodyPr/>
+          <a:lstStyle/>
+          <a:p>
+            <a:pPr/>
+            <a:r>
+              <a:t>Redux gives you a 2kb functional programming framework that ensures your data is kept as pure </a:t>
+            </a:r>
+            <a:r>
+              <a:rPr b="1">
+                <a:latin typeface="Helvetica"/>
+                <a:ea typeface="Helvetica"/>
+                <a:cs typeface="Helvetica"/>
+                <a:sym typeface="Helvetica"/>
+              </a:rPr>
+              <a:t>as possible</a:t>
+            </a:r>
+            <a:r>
+              <a:t>.</a:t>
+            </a:r>
+          </a:p>
+          <a:p>
+            <a:pPr/>
+            <a:r>
+              <a:t>clear flow of data (action &gt; reducer &gt; store &gt; subscribe)</a:t>
+            </a:r>
+          </a:p>
+          <a:p>
+            <a:pPr/>
+            <a:r>
+              <a:t>single data store, scale to multiple functions &amp; class files</a:t>
+            </a:r>
+          </a:p>
+          <a:p>
+            <a:pPr/>
+            <a:r>
+              <a:t>solves the functional bubble problem via pure functions </a:t>
+            </a:r>
+          </a:p>
+        </p:txBody>
+      </p:sp>
     </p:spTree>
   </p:cSld>
   <p:clrMapOvr>
@@ -7732,35 +9923,209 @@
           <a:chExt cx="0" cy="0"/>
         </a:xfrm>
       </p:grpSpPr>
-      <p:pic>
-        <p:nvPicPr>
-          <p:cNvPr id="293" name="Screen Shot 2016-09-13 at 8.21.37 PM.png"/>
-          <p:cNvPicPr>
-            <a:picLocks noChangeAspect="1"/>
-          </p:cNvPicPr>
-          <p:nvPr/>
-        </p:nvPicPr>
-        <p:blipFill>
-          <a:blip r:embed="rId2">
-            <a:extLst/>
-          </a:blip>
-          <a:stretch>
-            <a:fillRect/>
-          </a:stretch>
-        </p:blipFill>
-        <p:spPr>
-          <a:xfrm>
-            <a:off x="2252316" y="35352"/>
-            <a:ext cx="20041339" cy="13716001"/>
-          </a:xfrm>
-          <a:prstGeom prst="rect">
-            <a:avLst/>
-          </a:prstGeom>
-          <a:ln w="12700">
-            <a:miter lim="400000"/>
-          </a:ln>
-        </p:spPr>
-      </p:pic>
+      <p:sp>
+        <p:nvSpPr>
+          <p:cNvPr id="303" name="Shape 303"/>
+          <p:cNvSpPr/>
+          <p:nvPr>
+            <p:ph type="title"/>
+          </p:nvPr>
+        </p:nvSpPr>
+        <p:spPr>
+          <a:prstGeom prst="rect">
+            <a:avLst/>
+          </a:prstGeom>
+        </p:spPr>
+        <p:txBody>
+          <a:bodyPr/>
+          <a:lstStyle/>
+          <a:p>
+            <a:pPr/>
+            <a:r>
+              <a:t>Resources</a:t>
+            </a:r>
+          </a:p>
+        </p:txBody>
+      </p:sp>
+      <p:sp>
+        <p:nvSpPr>
+          <p:cNvPr id="304" name="Shape 304"/>
+          <p:cNvSpPr/>
+          <p:nvPr>
+            <p:ph type="body" idx="1"/>
+          </p:nvPr>
+        </p:nvSpPr>
+        <p:spPr>
+          <a:prstGeom prst="rect">
+            <a:avLst/>
+          </a:prstGeom>
+        </p:spPr>
+        <p:txBody>
+          <a:bodyPr/>
+          <a:lstStyle/>
+          <a:p>
+            <a:pPr marL="603504" indent="-603504" defTabSz="544830">
+              <a:spcBef>
+                <a:spcPts val="3800"/>
+              </a:spcBef>
+              <a:buSzPct val="100000"/>
+              <a:buAutoNum type="arabicPeriod" startAt="1"/>
+              <a:defRPr sz="3432"/>
+            </a:pPr>
+            <a:r>
+              <a:t>Eric Elliot on What a Pure Function Is </a:t>
+            </a:r>
+            <a:r>
+              <a:rPr u="sng">
+                <a:hlinkClick r:id="rId2" invalidUrl="" action="" tgtFrame="" tooltip="" history="1" highlightClick="0" endSnd="0"/>
+              </a:rPr>
+              <a:t>https://medium.com/javascript-scene/master-the-javascript-interview-what-is-a-pure-function-d1c076bec976</a:t>
+            </a:r>
+          </a:p>
+          <a:p>
+            <a:pPr marL="603504" indent="-603504" defTabSz="544830">
+              <a:spcBef>
+                <a:spcPts val="3800"/>
+              </a:spcBef>
+              <a:buSzPct val="100000"/>
+              <a:buAutoNum type="arabicPeriod" startAt="1"/>
+              <a:defRPr sz="3432"/>
+            </a:pPr>
+            <a:r>
+              <a:t>Learn Array Comprehensions </a:t>
+            </a:r>
+            <a:r>
+              <a:rPr u="sng">
+                <a:hlinkClick r:id="rId3" invalidUrl="" action="" tgtFrame="" tooltip="" history="1" highlightClick="0" endSnd="0"/>
+              </a:rPr>
+              <a:t>http://reactivex.io/learnrx/</a:t>
+            </a:r>
+          </a:p>
+          <a:p>
+            <a:pPr marL="603504" indent="-603504" defTabSz="544830">
+              <a:spcBef>
+                <a:spcPts val="3800"/>
+              </a:spcBef>
+              <a:buSzPct val="100000"/>
+              <a:buAutoNum type="arabicPeriod" startAt="1"/>
+              <a:defRPr sz="3432"/>
+            </a:pPr>
+            <a:r>
+              <a:t>Jesse Warden’s Beginner’s Guide to Functional Programming </a:t>
+            </a:r>
+            <a:r>
+              <a:rPr u="sng">
+                <a:hlinkClick r:id="rId4" invalidUrl="" action="" tgtFrame="" tooltip="" history="1" highlightClick="0" endSnd="0"/>
+              </a:rPr>
+              <a:t>http://jessewarden.com/2016/08/beginners-guide-to-functional-programming-part-1.html</a:t>
+            </a:r>
+          </a:p>
+          <a:p>
+            <a:pPr marL="603504" indent="-603504" defTabSz="544830">
+              <a:spcBef>
+                <a:spcPts val="3800"/>
+              </a:spcBef>
+              <a:buSzPct val="100000"/>
+              <a:buAutoNum type="arabicPeriod" startAt="1"/>
+              <a:defRPr sz="3432"/>
+            </a:pPr>
+            <a:r>
+              <a:t>Lodash </a:t>
+            </a:r>
+            <a:r>
+              <a:rPr u="sng">
+                <a:hlinkClick r:id="rId5" invalidUrl="" action="" tgtFrame="" tooltip="" history="1" highlightClick="0" endSnd="0"/>
+              </a:rPr>
+              <a:t>https://lodash.com/docs</a:t>
+            </a:r>
+          </a:p>
+          <a:p>
+            <a:pPr marL="603504" indent="-603504" defTabSz="544830">
+              <a:spcBef>
+                <a:spcPts val="3800"/>
+              </a:spcBef>
+              <a:buSzPct val="100000"/>
+              <a:buAutoNum type="arabicPeriod" startAt="1"/>
+              <a:defRPr sz="3432"/>
+            </a:pPr>
+            <a:r>
+              <a:t>Dan Abramov teaches Redux on </a:t>
+            </a:r>
+            <a:r>
+              <a:rPr u="sng">
+                <a:hlinkClick r:id="rId6" invalidUrl="" action="" tgtFrame="" tooltip="" history="1" highlightClick="0" endSnd="0"/>
+              </a:rPr>
+              <a:t>egghead.io</a:t>
+            </a:r>
+            <a:r>
+              <a:t> </a:t>
+            </a:r>
+            <a:r>
+              <a:rPr u="sng">
+                <a:hlinkClick r:id="rId7" invalidUrl="" action="" tgtFrame="" tooltip="" history="1" highlightClick="0" endSnd="0"/>
+              </a:rPr>
+              <a:t>https://egghead.io/lessons/javascript-redux-the-single-immutable-state-tree</a:t>
+            </a:r>
+          </a:p>
+          <a:p>
+            <a:pPr marL="603504" indent="-603504" defTabSz="544830">
+              <a:spcBef>
+                <a:spcPts val="3800"/>
+              </a:spcBef>
+              <a:buSzPct val="100000"/>
+              <a:buAutoNum type="arabicPeriod" startAt="1"/>
+              <a:defRPr sz="3432"/>
+            </a:pPr>
+            <a:r>
+              <a:t>Redux Documentation </a:t>
+            </a:r>
+            <a:r>
+              <a:rPr u="sng">
+                <a:hlinkClick r:id="rId8" invalidUrl="" action="" tgtFrame="" tooltip="" history="1" highlightClick="0" endSnd="0"/>
+              </a:rPr>
+              <a:t>http://redux.js.org/docs/api/</a:t>
+            </a:r>
+          </a:p>
+          <a:p>
+            <a:pPr marL="603504" indent="-603504" defTabSz="544830">
+              <a:spcBef>
+                <a:spcPts val="3800"/>
+              </a:spcBef>
+              <a:buSzPct val="100000"/>
+              <a:buAutoNum type="arabicPeriod" startAt="1"/>
+              <a:defRPr sz="3432"/>
+            </a:pPr>
+            <a:r>
+              <a:t>Redux Saga Documentation </a:t>
+            </a:r>
+            <a:r>
+              <a:rPr u="sng">
+                <a:hlinkClick r:id="rId9" invalidUrl="" action="" tgtFrame="" tooltip="" history="1" highlightClick="0" endSnd="0"/>
+              </a:rPr>
+              <a:t>http://yelouafi.github.io/redux-saga/</a:t>
+            </a:r>
+          </a:p>
+          <a:p>
+            <a:pPr marL="603504" indent="-603504" defTabSz="544830">
+              <a:spcBef>
+                <a:spcPts val="3800"/>
+              </a:spcBef>
+              <a:buSzPct val="100000"/>
+              <a:buAutoNum type="arabicPeriod" startAt="1"/>
+              <a:defRPr sz="3432"/>
+            </a:pPr>
+            <a:r>
+              <a:t>John Papa Angular Style Guide </a:t>
+            </a:r>
+            <a:r>
+              <a:rPr u="sng">
+                <a:hlinkClick r:id="rId10" invalidUrl="" action="" tgtFrame="" tooltip="" history="1" highlightClick="0" endSnd="0"/>
+              </a:rPr>
+              <a:t>https://github.com/johnpapa/angular-styleguide</a:t>
+            </a:r>
+          </a:p>
+        </p:txBody>
+      </p:sp>
     </p:spTree>
   </p:cSld>
   <p:clrMapOvr>
@@ -7787,174 +10152,9 @@
           <a:chExt cx="0" cy="0"/>
         </a:xfrm>
       </p:grpSpPr>
-      <p:pic>
-        <p:nvPicPr>
-          <p:cNvPr id="295" name="Screen Shot 2016-09-13 at 8.23.30 PM.png"/>
-          <p:cNvPicPr>
-            <a:picLocks noChangeAspect="1"/>
-          </p:cNvPicPr>
-          <p:nvPr/>
-        </p:nvPicPr>
-        <p:blipFill>
-          <a:blip r:embed="rId2">
-            <a:extLst/>
-          </a:blip>
-          <a:stretch>
-            <a:fillRect/>
-          </a:stretch>
-        </p:blipFill>
-        <p:spPr>
-          <a:xfrm>
-            <a:off x="758956" y="2595650"/>
-            <a:ext cx="23401798" cy="8891593"/>
-          </a:xfrm>
-          <a:prstGeom prst="rect">
-            <a:avLst/>
-          </a:prstGeom>
-          <a:ln w="12700">
-            <a:miter lim="400000"/>
-          </a:ln>
-        </p:spPr>
-      </p:pic>
-    </p:spTree>
-  </p:cSld>
-  <p:clrMapOvr>
-    <a:masterClrMapping/>
-  </p:clrMapOvr>
-  <p:transition xmlns:p14="http://schemas.microsoft.com/office/powerpoint/2010/main" spd="med" advClick="1" p14:dur="1000"/>
-</p:sld>
-</file>
-
-<file path=ppt/slides/slide77.xml><?xml version="1.0" encoding="utf-8"?>
-<p:sld xmlns:a="http://schemas.openxmlformats.org/drawingml/2006/main" xmlns:r="http://schemas.openxmlformats.org/officeDocument/2006/relationships" xmlns:p="http://schemas.openxmlformats.org/presentationml/2006/main" showMasterSp="1" showMasterPhAnim="1">
-  <p:cSld>
-    <p:spTree>
-      <p:nvGrpSpPr>
-        <p:cNvPr id="1" name=""/>
-        <p:cNvGrpSpPr/>
-        <p:nvPr/>
-      </p:nvGrpSpPr>
-      <p:grpSpPr>
-        <a:xfrm>
-          <a:off x="0" y="0"/>
-          <a:ext cx="0" cy="0"/>
-          <a:chOff x="0" y="0"/>
-          <a:chExt cx="0" cy="0"/>
-        </a:xfrm>
-      </p:grpSpPr>
-      <p:pic>
-        <p:nvPicPr>
-          <p:cNvPr id="297" name="Screen Shot 2016-09-13 at 8.25.09 PM.png"/>
-          <p:cNvPicPr>
-            <a:picLocks noChangeAspect="1"/>
-          </p:cNvPicPr>
-          <p:nvPr/>
-        </p:nvPicPr>
-        <p:blipFill>
-          <a:blip r:embed="rId2">
-            <a:extLst/>
-          </a:blip>
-          <a:stretch>
-            <a:fillRect/>
-          </a:stretch>
-        </p:blipFill>
-        <p:spPr>
-          <a:xfrm>
-            <a:off x="420318" y="3430502"/>
-            <a:ext cx="23543364" cy="6854996"/>
-          </a:xfrm>
-          <a:prstGeom prst="rect">
-            <a:avLst/>
-          </a:prstGeom>
-          <a:ln w="12700">
-            <a:miter lim="400000"/>
-          </a:ln>
-        </p:spPr>
-      </p:pic>
-    </p:spTree>
-  </p:cSld>
-  <p:clrMapOvr>
-    <a:masterClrMapping/>
-  </p:clrMapOvr>
-  <p:transition xmlns:p14="http://schemas.microsoft.com/office/powerpoint/2010/main" spd="med" advClick="1" p14:dur="1000"/>
-</p:sld>
-</file>
-
-<file path=ppt/slides/slide78.xml><?xml version="1.0" encoding="utf-8"?>
-<p:sld xmlns:a="http://schemas.openxmlformats.org/drawingml/2006/main" xmlns:r="http://schemas.openxmlformats.org/officeDocument/2006/relationships" xmlns:p="http://schemas.openxmlformats.org/presentationml/2006/main" showMasterSp="1" showMasterPhAnim="1">
-  <p:cSld>
-    <p:spTree>
-      <p:nvGrpSpPr>
-        <p:cNvPr id="1" name=""/>
-        <p:cNvGrpSpPr/>
-        <p:nvPr/>
-      </p:nvGrpSpPr>
-      <p:grpSpPr>
-        <a:xfrm>
-          <a:off x="0" y="0"/>
-          <a:ext cx="0" cy="0"/>
-          <a:chOff x="0" y="0"/>
-          <a:chExt cx="0" cy="0"/>
-        </a:xfrm>
-      </p:grpSpPr>
-      <p:pic>
-        <p:nvPicPr>
-          <p:cNvPr id="299" name="Screen Shot 2016-09-13 at 8.26.14 PM.png"/>
-          <p:cNvPicPr>
-            <a:picLocks noChangeAspect="1"/>
-          </p:cNvPicPr>
-          <p:nvPr/>
-        </p:nvPicPr>
-        <p:blipFill>
-          <a:blip r:embed="rId2">
-            <a:extLst/>
-          </a:blip>
-          <a:stretch>
-            <a:fillRect/>
-          </a:stretch>
-        </p:blipFill>
-        <p:spPr>
-          <a:xfrm>
-            <a:off x="134301" y="918751"/>
-            <a:ext cx="24115398" cy="11878498"/>
-          </a:xfrm>
-          <a:prstGeom prst="rect">
-            <a:avLst/>
-          </a:prstGeom>
-          <a:ln w="12700">
-            <a:miter lim="400000"/>
-          </a:ln>
-        </p:spPr>
-      </p:pic>
-    </p:spTree>
-  </p:cSld>
-  <p:clrMapOvr>
-    <a:masterClrMapping/>
-  </p:clrMapOvr>
-  <p:transition xmlns:p14="http://schemas.microsoft.com/office/powerpoint/2010/main" spd="med" advClick="1" p14:dur="1000"/>
-</p:sld>
-</file>
-
-<file path=ppt/slides/slide79.xml><?xml version="1.0" encoding="utf-8"?>
-<p:sld xmlns:a="http://schemas.openxmlformats.org/drawingml/2006/main" xmlns:r="http://schemas.openxmlformats.org/officeDocument/2006/relationships" xmlns:p="http://schemas.openxmlformats.org/presentationml/2006/main" showMasterSp="1" showMasterPhAnim="1">
-  <p:cSld>
-    <p:spTree>
-      <p:nvGrpSpPr>
-        <p:cNvPr id="1" name=""/>
-        <p:cNvGrpSpPr/>
-        <p:nvPr/>
-      </p:nvGrpSpPr>
-      <p:grpSpPr>
-        <a:xfrm>
-          <a:off x="0" y="0"/>
-          <a:ext cx="0" cy="0"/>
-          <a:chOff x="0" y="0"/>
-          <a:chExt cx="0" cy="0"/>
-        </a:xfrm>
-      </p:grpSpPr>
       <p:sp>
         <p:nvSpPr>
-          <p:cNvPr id="301" name="Shape 301"/>
+          <p:cNvPr id="306" name="Shape 306"/>
           <p:cNvSpPr/>
           <p:nvPr>
             <p:ph type="title"/>
@@ -7971,14 +10171,14 @@
           <a:p>
             <a:pPr/>
             <a:r>
-              <a:t>File Organization</a:t>
+              <a:t>Questions?</a:t>
             </a:r>
           </a:p>
         </p:txBody>
       </p:sp>
       <p:sp>
         <p:nvSpPr>
-          <p:cNvPr id="302" name="Shape 302"/>
+          <p:cNvPr id="307" name="Shape 307"/>
           <p:cNvSpPr/>
           <p:nvPr>
             <p:ph type="body" idx="1"/>
@@ -7995,13 +10195,7 @@
           <a:p>
             <a:pPr/>
             <a:r>
-              <a:t>Node module to ES6 Module</a:t>
-            </a:r>
-          </a:p>
-          <a:p>
-            <a:pPr/>
-            <a:r>
-              <a:t>sock drawer vs. features</a:t>
+              <a:t>Jesse Warden</a:t>
             </a:r>
           </a:p>
           <a:p>
@@ -8010,13 +10204,19 @@
               <a:rPr u="sng">
                 <a:hlinkClick r:id="rId2" invalidUrl="" action="" tgtFrame="" tooltip="" history="1" highlightClick="0" endSnd="0"/>
               </a:rPr>
-              <a:t>http://cliffmeyers.com/blog/2013/4/21/code-organization-angularjs-javascript</a:t>
-            </a:r>
-          </a:p>
-          <a:p>
-            <a:pPr/>
-            <a:r>
-              <a:t>reducer(s) &amp; saga(s) per feature</a:t>
+              <a:t>jesse@jessewarden.com</a:t>
+            </a:r>
+          </a:p>
+          <a:p>
+            <a:pPr/>
+            <a:r>
+              <a:rPr u="sng">
+                <a:hlinkClick r:id="rId3" invalidUrl="" action="" tgtFrame="" tooltip="" history="1" highlightClick="0" endSnd="0"/>
+              </a:rPr>
+              <a:t>@jesterxl</a:t>
+            </a:r>
+            <a:r>
+              <a:t> on Twitter</a:t>
             </a:r>
           </a:p>
         </p:txBody>
@@ -8096,13 +10296,7 @@
           <a:p>
             <a:pPr/>
             <a:r>
-              <a:t>pure functions / avoiding see effects</a:t>
-            </a:r>
-          </a:p>
-          <a:p>
-            <a:pPr/>
-            <a:r>
-              <a:t>examples of pure functions</a:t>
+              <a:t>pure functions / avoiding side effects</a:t>
             </a:r>
           </a:p>
         </p:txBody>
@@ -8113,458 +10307,91 @@
     <a:masterClrMapping/>
   </p:clrMapOvr>
   <p:transition xmlns:p14="http://schemas.microsoft.com/office/powerpoint/2010/main" spd="med" advClick="1" p14:dur="1000"/>
-</p:sld>
-</file>
-
-<file path=ppt/slides/slide80.xml><?xml version="1.0" encoding="utf-8"?>
-<p:sld xmlns:a="http://schemas.openxmlformats.org/drawingml/2006/main" xmlns:r="http://schemas.openxmlformats.org/officeDocument/2006/relationships" xmlns:p="http://schemas.openxmlformats.org/presentationml/2006/main" showMasterSp="1" showMasterPhAnim="1">
-  <p:cSld>
-    <p:spTree>
-      <p:nvGrpSpPr>
-        <p:cNvPr id="1" name=""/>
-        <p:cNvGrpSpPr/>
-        <p:nvPr/>
-      </p:nvGrpSpPr>
-      <p:grpSpPr>
-        <a:xfrm>
-          <a:off x="0" y="0"/>
-          <a:ext cx="0" cy="0"/>
-          <a:chOff x="0" y="0"/>
-          <a:chExt cx="0" cy="0"/>
-        </a:xfrm>
-      </p:grpSpPr>
-      <p:pic>
-        <p:nvPicPr>
-          <p:cNvPr id="304" name="Screen Shot 2016-09-13 at 8.29.39 PM.png"/>
-          <p:cNvPicPr>
-            <a:picLocks noChangeAspect="1"/>
-          </p:cNvPicPr>
-          <p:nvPr/>
-        </p:nvPicPr>
-        <p:blipFill>
-          <a:blip r:embed="rId2">
-            <a:extLst/>
-          </a:blip>
-          <a:stretch>
-            <a:fillRect/>
-          </a:stretch>
-        </p:blipFill>
-        <p:spPr>
-          <a:xfrm>
-            <a:off x="8549481" y="81079"/>
-            <a:ext cx="6501963" cy="13553842"/>
-          </a:xfrm>
-          <a:prstGeom prst="rect">
-            <a:avLst/>
-          </a:prstGeom>
-          <a:ln w="12700">
-            <a:miter lim="400000"/>
-          </a:ln>
-        </p:spPr>
-      </p:pic>
-    </p:spTree>
-  </p:cSld>
-  <p:clrMapOvr>
-    <a:masterClrMapping/>
-  </p:clrMapOvr>
-  <p:transition xmlns:p14="http://schemas.microsoft.com/office/powerpoint/2010/main" spd="med" advClick="1" p14:dur="1000"/>
-</p:sld>
-</file>
-
-<file path=ppt/slides/slide81.xml><?xml version="1.0" encoding="utf-8"?>
-<p:sld xmlns:a="http://schemas.openxmlformats.org/drawingml/2006/main" xmlns:r="http://schemas.openxmlformats.org/officeDocument/2006/relationships" xmlns:p="http://schemas.openxmlformats.org/presentationml/2006/main" showMasterSp="1" showMasterPhAnim="1">
-  <p:cSld>
-    <p:spTree>
-      <p:nvGrpSpPr>
-        <p:cNvPr id="1" name=""/>
-        <p:cNvGrpSpPr/>
-        <p:nvPr/>
-      </p:nvGrpSpPr>
-      <p:grpSpPr>
-        <a:xfrm>
-          <a:off x="0" y="0"/>
-          <a:ext cx="0" cy="0"/>
-          <a:chOff x="0" y="0"/>
-          <a:chExt cx="0" cy="0"/>
-        </a:xfrm>
-      </p:grpSpPr>
-      <p:sp>
-        <p:nvSpPr>
-          <p:cNvPr id="306" name="Shape 306"/>
-          <p:cNvSpPr/>
-          <p:nvPr>
-            <p:ph type="title"/>
-          </p:nvPr>
-        </p:nvSpPr>
-        <p:spPr>
-          <a:prstGeom prst="rect">
-            <a:avLst/>
-          </a:prstGeom>
-        </p:spPr>
-        <p:txBody>
-          <a:bodyPr/>
-          <a:lstStyle/>
-          <a:p>
-            <a:pPr/>
-            <a:r>
-              <a:t>Conclusions</a:t>
-            </a:r>
-          </a:p>
-        </p:txBody>
-      </p:sp>
-      <p:sp>
-        <p:nvSpPr>
-          <p:cNvPr id="307" name="Shape 307"/>
-          <p:cNvSpPr/>
-          <p:nvPr>
-            <p:ph type="body" idx="1"/>
-          </p:nvPr>
-        </p:nvSpPr>
-        <p:spPr>
-          <a:prstGeom prst="rect">
-            <a:avLst/>
-          </a:prstGeom>
-        </p:spPr>
-        <p:txBody>
-          <a:bodyPr/>
-          <a:lstStyle/>
-          <a:p>
-            <a:pPr/>
-            <a:r>
-              <a:t>Redux gives you a 2kb functional programming framework that ensures your data is kept as pure </a:t>
-            </a:r>
-            <a:r>
-              <a:rPr b="1">
-                <a:latin typeface="Helvetica"/>
-                <a:ea typeface="Helvetica"/>
-                <a:cs typeface="Helvetica"/>
-                <a:sym typeface="Helvetica"/>
-              </a:rPr>
-              <a:t>as possible</a:t>
-            </a:r>
-            <a:r>
-              <a:t>.</a:t>
-            </a:r>
-          </a:p>
-          <a:p>
-            <a:pPr/>
-            <a:r>
-              <a:t>clear flow of data (action &gt; reducer &gt; store &gt; subscribe)</a:t>
-            </a:r>
-          </a:p>
-          <a:p>
-            <a:pPr/>
-            <a:r>
-              <a:t>single data store, scale to multiple functions &amp; class files</a:t>
-            </a:r>
-          </a:p>
-        </p:txBody>
-      </p:sp>
-    </p:spTree>
-  </p:cSld>
-  <p:clrMapOvr>
-    <a:masterClrMapping/>
-  </p:clrMapOvr>
-  <p:transition xmlns:p14="http://schemas.microsoft.com/office/powerpoint/2010/main" spd="med" advClick="1" p14:dur="1000"/>
-</p:sld>
-</file>
-
-<file path=ppt/slides/slide82.xml><?xml version="1.0" encoding="utf-8"?>
-<p:sld xmlns:a="http://schemas.openxmlformats.org/drawingml/2006/main" xmlns:r="http://schemas.openxmlformats.org/officeDocument/2006/relationships" xmlns:p="http://schemas.openxmlformats.org/presentationml/2006/main" showMasterSp="1" showMasterPhAnim="1">
-  <p:cSld>
-    <p:spTree>
-      <p:nvGrpSpPr>
-        <p:cNvPr id="1" name=""/>
-        <p:cNvGrpSpPr/>
-        <p:nvPr/>
-      </p:nvGrpSpPr>
-      <p:grpSpPr>
-        <a:xfrm>
-          <a:off x="0" y="0"/>
-          <a:ext cx="0" cy="0"/>
-          <a:chOff x="0" y="0"/>
-          <a:chExt cx="0" cy="0"/>
-        </a:xfrm>
-      </p:grpSpPr>
-      <p:sp>
-        <p:nvSpPr>
-          <p:cNvPr id="309" name="Shape 309"/>
-          <p:cNvSpPr/>
-          <p:nvPr>
-            <p:ph type="title"/>
-          </p:nvPr>
-        </p:nvSpPr>
-        <p:spPr>
-          <a:prstGeom prst="rect">
-            <a:avLst/>
-          </a:prstGeom>
-        </p:spPr>
-        <p:txBody>
-          <a:bodyPr/>
-          <a:lstStyle/>
-          <a:p>
-            <a:pPr/>
-            <a:r>
-              <a:t>Resources</a:t>
-            </a:r>
-          </a:p>
-        </p:txBody>
-      </p:sp>
-      <p:sp>
-        <p:nvSpPr>
-          <p:cNvPr id="310" name="Shape 310"/>
-          <p:cNvSpPr/>
-          <p:nvPr>
-            <p:ph type="body" idx="1"/>
-          </p:nvPr>
-        </p:nvSpPr>
-        <p:spPr>
-          <a:prstGeom prst="rect">
-            <a:avLst/>
-          </a:prstGeom>
-        </p:spPr>
-        <p:txBody>
-          <a:bodyPr/>
-          <a:lstStyle/>
-          <a:p>
-            <a:pPr marL="667512" indent="-667512" defTabSz="602615">
-              <a:spcBef>
-                <a:spcPts val="4300"/>
-              </a:spcBef>
-              <a:buSzPct val="100000"/>
-              <a:buAutoNum type="arabicPeriod" startAt="1"/>
-              <a:defRPr sz="3796"/>
-            </a:pPr>
-            <a:r>
-              <a:t>Eric Elliot on What a Pure Function Is </a:t>
-            </a:r>
-            <a:r>
-              <a:rPr u="sng">
-                <a:hlinkClick r:id="rId2" invalidUrl="" action="" tgtFrame="" tooltip="" history="1" highlightClick="0" endSnd="0"/>
-              </a:rPr>
-              <a:t>https://medium.com/javascript-scene/master-the-javascript-interview-what-is-a-pure-function-d1c076bec976</a:t>
-            </a:r>
-          </a:p>
-          <a:p>
-            <a:pPr marL="667512" indent="-667512" defTabSz="602615">
-              <a:spcBef>
-                <a:spcPts val="4300"/>
-              </a:spcBef>
-              <a:buSzPct val="100000"/>
-              <a:buAutoNum type="arabicPeriod" startAt="1"/>
-              <a:defRPr sz="3796"/>
-            </a:pPr>
-            <a:r>
-              <a:t>Learn Array Comprehensions </a:t>
-            </a:r>
-            <a:r>
-              <a:rPr u="sng">
-                <a:hlinkClick r:id="rId3" invalidUrl="" action="" tgtFrame="" tooltip="" history="1" highlightClick="0" endSnd="0"/>
-              </a:rPr>
-              <a:t>http://reactivex.io/learnrx/</a:t>
-            </a:r>
-          </a:p>
-          <a:p>
-            <a:pPr marL="667512" indent="-667512" defTabSz="602615">
-              <a:spcBef>
-                <a:spcPts val="4300"/>
-              </a:spcBef>
-              <a:buSzPct val="100000"/>
-              <a:buAutoNum type="arabicPeriod" startAt="1"/>
-              <a:defRPr sz="3796"/>
-            </a:pPr>
-            <a:r>
-              <a:t>Jesse Warden’s Beginner’s Guide to Functional Programming </a:t>
-            </a:r>
-            <a:r>
-              <a:rPr u="sng">
-                <a:hlinkClick r:id="rId4" invalidUrl="" action="" tgtFrame="" tooltip="" history="1" highlightClick="0" endSnd="0"/>
-              </a:rPr>
-              <a:t>http://jessewarden.com/2016/08/beginners-guide-to-functional-programming-part-1.html</a:t>
-            </a:r>
-          </a:p>
-          <a:p>
-            <a:pPr marL="667512" indent="-667512" defTabSz="602615">
-              <a:spcBef>
-                <a:spcPts val="4300"/>
-              </a:spcBef>
-              <a:buSzPct val="100000"/>
-              <a:buAutoNum type="arabicPeriod" startAt="1"/>
-              <a:defRPr sz="3796"/>
-            </a:pPr>
-            <a:r>
-              <a:t>Lodash </a:t>
-            </a:r>
-            <a:r>
-              <a:rPr u="sng">
-                <a:hlinkClick r:id="rId5" invalidUrl="" action="" tgtFrame="" tooltip="" history="1" highlightClick="0" endSnd="0"/>
-              </a:rPr>
-              <a:t>https://lodash.com/docs</a:t>
-            </a:r>
-          </a:p>
-          <a:p>
-            <a:pPr marL="667512" indent="-667512" defTabSz="602615">
-              <a:spcBef>
-                <a:spcPts val="4300"/>
-              </a:spcBef>
-              <a:buSzPct val="100000"/>
-              <a:buAutoNum type="arabicPeriod" startAt="1"/>
-              <a:defRPr sz="3796"/>
-            </a:pPr>
-            <a:r>
-              <a:t>Dan Abramov teaches Redux on </a:t>
-            </a:r>
-            <a:r>
-              <a:rPr u="sng">
-                <a:hlinkClick r:id="rId6" invalidUrl="" action="" tgtFrame="" tooltip="" history="1" highlightClick="0" endSnd="0"/>
-              </a:rPr>
-              <a:t>egghead.io</a:t>
-            </a:r>
-            <a:r>
-              <a:t> </a:t>
-            </a:r>
-            <a:r>
-              <a:rPr u="sng">
-                <a:hlinkClick r:id="rId7" invalidUrl="" action="" tgtFrame="" tooltip="" history="1" highlightClick="0" endSnd="0"/>
-              </a:rPr>
-              <a:t>https://egghead.io/lessons/javascript-redux-the-single-immutable-state-tree</a:t>
-            </a:r>
-          </a:p>
-          <a:p>
-            <a:pPr marL="667512" indent="-667512" defTabSz="602615">
-              <a:spcBef>
-                <a:spcPts val="4300"/>
-              </a:spcBef>
-              <a:buSzPct val="100000"/>
-              <a:buAutoNum type="arabicPeriod" startAt="1"/>
-              <a:defRPr sz="3796"/>
-            </a:pPr>
-            <a:r>
-              <a:t>Redux Documentation </a:t>
-            </a:r>
-            <a:r>
-              <a:rPr u="sng">
-                <a:hlinkClick r:id="rId8" invalidUrl="" action="" tgtFrame="" tooltip="" history="1" highlightClick="0" endSnd="0"/>
-              </a:rPr>
-              <a:t>http://redux.js.org/docs/api/</a:t>
-            </a:r>
-          </a:p>
-          <a:p>
-            <a:pPr marL="667512" indent="-667512" defTabSz="602615">
-              <a:spcBef>
-                <a:spcPts val="4300"/>
-              </a:spcBef>
-              <a:buSzPct val="100000"/>
-              <a:buAutoNum type="arabicPeriod" startAt="1"/>
-              <a:defRPr sz="3796"/>
-            </a:pPr>
-            <a:r>
-              <a:t>Redux Saga Documentation </a:t>
-            </a:r>
-            <a:r>
-              <a:rPr u="sng">
-                <a:hlinkClick r:id="rId9" invalidUrl="" action="" tgtFrame="" tooltip="" history="1" highlightClick="0" endSnd="0"/>
-              </a:rPr>
-              <a:t>http://yelouafi.github.io/redux-saga/</a:t>
-            </a:r>
-          </a:p>
-        </p:txBody>
-      </p:sp>
-    </p:spTree>
-  </p:cSld>
-  <p:clrMapOvr>
-    <a:masterClrMapping/>
-  </p:clrMapOvr>
-  <p:transition xmlns:p14="http://schemas.microsoft.com/office/powerpoint/2010/main" spd="med" advClick="1" p14:dur="1000"/>
-</p:sld>
-</file>
-
-<file path=ppt/slides/slide83.xml><?xml version="1.0" encoding="utf-8"?>
-<p:sld xmlns:a="http://schemas.openxmlformats.org/drawingml/2006/main" xmlns:r="http://schemas.openxmlformats.org/officeDocument/2006/relationships" xmlns:p="http://schemas.openxmlformats.org/presentationml/2006/main" showMasterSp="1" showMasterPhAnim="1">
-  <p:cSld>
-    <p:spTree>
-      <p:nvGrpSpPr>
-        <p:cNvPr id="1" name=""/>
-        <p:cNvGrpSpPr/>
-        <p:nvPr/>
-      </p:nvGrpSpPr>
-      <p:grpSpPr>
-        <a:xfrm>
-          <a:off x="0" y="0"/>
-          <a:ext cx="0" cy="0"/>
-          <a:chOff x="0" y="0"/>
-          <a:chExt cx="0" cy="0"/>
-        </a:xfrm>
-      </p:grpSpPr>
-      <p:sp>
-        <p:nvSpPr>
-          <p:cNvPr id="312" name="Shape 312"/>
-          <p:cNvSpPr/>
-          <p:nvPr>
-            <p:ph type="title"/>
-          </p:nvPr>
-        </p:nvSpPr>
-        <p:spPr>
-          <a:prstGeom prst="rect">
-            <a:avLst/>
-          </a:prstGeom>
-        </p:spPr>
-        <p:txBody>
-          <a:bodyPr/>
-          <a:lstStyle/>
-          <a:p>
-            <a:pPr/>
-            <a:r>
-              <a:t>Questions?</a:t>
-            </a:r>
-          </a:p>
-        </p:txBody>
-      </p:sp>
-      <p:sp>
-        <p:nvSpPr>
-          <p:cNvPr id="313" name="Shape 313"/>
-          <p:cNvSpPr/>
-          <p:nvPr>
-            <p:ph type="body" idx="1"/>
-          </p:nvPr>
-        </p:nvSpPr>
-        <p:spPr>
-          <a:prstGeom prst="rect">
-            <a:avLst/>
-          </a:prstGeom>
-        </p:spPr>
-        <p:txBody>
-          <a:bodyPr/>
-          <a:lstStyle/>
-          <a:p>
-            <a:pPr/>
-            <a:r>
-              <a:t>Jesse Warden</a:t>
-            </a:r>
-          </a:p>
-          <a:p>
-            <a:pPr/>
-            <a:r>
-              <a:rPr u="sng">
-                <a:hlinkClick r:id="rId2" invalidUrl="" action="" tgtFrame="" tooltip="" history="1" highlightClick="0" endSnd="0"/>
-              </a:rPr>
-              <a:t>jesse@jessewarden.com</a:t>
-            </a:r>
-          </a:p>
-          <a:p>
-            <a:pPr/>
-            <a:r>
-              <a:t>@jesterxl on Twitter</a:t>
-            </a:r>
-          </a:p>
-        </p:txBody>
-      </p:sp>
-    </p:spTree>
-  </p:cSld>
-  <p:clrMapOvr>
-    <a:masterClrMapping/>
-  </p:clrMapOvr>
-  <p:transition xmlns:p14="http://schemas.microsoft.com/office/powerpoint/2010/main" spd="med" advClick="1" p14:dur="1000"/>
+  <p:timing>
+    <p:tnLst>
+      <p:par>
+        <p:cTn id="1" nodeType="tmRoot" restart="never" dur="indefinite" fill="hold">
+          <p:childTnLst>
+            <p:seq concurrent="1" prevAc="none" nextAc="seek">
+              <p:cTn id="2" nodeType="mainSeq" dur="indefinite" fill="hold">
+                <p:childTnLst>
+                  <p:par>
+                    <p:cTn id="3" fill="hold">
+                      <p:stCondLst>
+                        <p:cond delay="indefinite"/>
+                      </p:stCondLst>
+                      <p:childTnLst>
+                        <p:par>
+                          <p:cTn id="4" fill="hold">
+                            <p:stCondLst>
+                              <p:cond delay="0"/>
+                            </p:stCondLst>
+                            <p:childTnLst>
+                              <p:par>
+                                <p:cTn id="5" presetClass="entr" nodeType="clickEffect" presetSubtype="8" presetID="22" grpId="1" fill="hold">
+                                  <p:stCondLst>
+                                    <p:cond delay="0"/>
+                                  </p:stCondLst>
+                                  <p:iterate type="el" backwards="0">
+                                    <p:tmAbs val="0"/>
+                                  </p:iterate>
+                                  <p:childTnLst>
+                                    <p:set>
+                                      <p:cBhvr>
+                                        <p:cTn id="6" fill="hold"/>
+                                        <p:tgtEl>
+                                          <p:spTgt spid="141"/>
+                                        </p:tgtEl>
+                                        <p:attrNameLst>
+                                          <p:attrName>style.visibility</p:attrName>
+                                        </p:attrNameLst>
+                                      </p:cBhvr>
+                                      <p:to>
+                                        <p:strVal val="visible"/>
+                                      </p:to>
+                                    </p:set>
+                                    <p:animEffect filter="wipe(left)" transition="in">
+                                      <p:cBhvr>
+                                        <p:cTn id="7" dur="300"/>
+                                        <p:tgtEl>
+                                          <p:spTgt spid="141"/>
+                                        </p:tgtEl>
+                                      </p:cBhvr>
+                                    </p:animEffect>
+                                  </p:childTnLst>
+                                </p:cTn>
+                              </p:par>
+                            </p:childTnLst>
+                          </p:cTn>
+                        </p:par>
+                      </p:childTnLst>
+                    </p:cTn>
+                  </p:par>
+                </p:childTnLst>
+              </p:cTn>
+              <p:prevCondLst>
+                <p:cond evt="onPrev">
+                  <p:tgtEl>
+                    <p:sldTgt/>
+                  </p:tgtEl>
+                </p:cond>
+              </p:prevCondLst>
+              <p:nextCondLst>
+                <p:cond evt="onNext">
+                  <p:tgtEl>
+                    <p:sldTgt/>
+                  </p:tgtEl>
+                </p:cond>
+              </p:nextCondLst>
+            </p:seq>
+          </p:childTnLst>
+        </p:cTn>
+      </p:par>
+    </p:tnLst>
+    <p:bldLst>
+      <p:bldP build="whole" bldLvl="1" animBg="1" rev="0" advAuto="0" spid="141" grpId="1"/>
+    </p:bldLst>
+  </p:timing>
 </p:sld>
 </file>
 
@@ -8587,7 +10414,7 @@
       </p:grpSpPr>
       <p:pic>
         <p:nvPicPr>
-          <p:cNvPr id="143" name="Screen Shot 2016-09-12 at 4.27.30 PM.png"/>
+          <p:cNvPr id="143" name="Screen Shot 2016-09-12 at 4.27.44 PM.png"/>
           <p:cNvPicPr>
             <a:picLocks noChangeAspect="1"/>
           </p:cNvPicPr>
@@ -8603,8 +10430,8 @@
         </p:blipFill>
         <p:spPr>
           <a:xfrm>
-            <a:off x="1737736" y="6067476"/>
-            <a:ext cx="20908528" cy="1581047"/>
+            <a:off x="1550761" y="710421"/>
+            <a:ext cx="21525936" cy="12435806"/>
           </a:xfrm>
           <a:prstGeom prst="rect">
             <a:avLst/>
